--- a/การเชื่อมต่อ Frontend กับ Backend.pptx
+++ b/การเชื่อมต่อ Frontend กับ Backend.pptx
@@ -5,7 +5,7 @@
     <p:sldMasterId id="2147483648" r:id="rId1"/>
   </p:sldMasterIdLst>
   <p:notesMasterIdLst>
-    <p:notesMasterId r:id="rId18"/>
+    <p:notesMasterId r:id="rId23"/>
   </p:notesMasterIdLst>
   <p:sldIdLst>
     <p:sldId id="256" r:id="rId2"/>
@@ -17,35 +17,40 @@
     <p:sldId id="262" r:id="rId8"/>
     <p:sldId id="263" r:id="rId9"/>
     <p:sldId id="264" r:id="rId10"/>
-    <p:sldId id="265" r:id="rId11"/>
-    <p:sldId id="266" r:id="rId12"/>
-    <p:sldId id="267" r:id="rId13"/>
-    <p:sldId id="268" r:id="rId14"/>
-    <p:sldId id="269" r:id="rId15"/>
-    <p:sldId id="270" r:id="rId16"/>
-    <p:sldId id="271" r:id="rId17"/>
+    <p:sldId id="272" r:id="rId11"/>
+    <p:sldId id="275" r:id="rId12"/>
+    <p:sldId id="274" r:id="rId13"/>
+    <p:sldId id="276" r:id="rId14"/>
+    <p:sldId id="273" r:id="rId15"/>
+    <p:sldId id="265" r:id="rId16"/>
+    <p:sldId id="266" r:id="rId17"/>
+    <p:sldId id="267" r:id="rId18"/>
+    <p:sldId id="268" r:id="rId19"/>
+    <p:sldId id="269" r:id="rId20"/>
+    <p:sldId id="270" r:id="rId21"/>
+    <p:sldId id="271" r:id="rId22"/>
   </p:sldIdLst>
   <p:sldSz cx="18288000" cy="10287000"/>
   <p:notesSz cx="6858000" cy="9144000"/>
   <p:embeddedFontLst>
     <p:embeddedFont>
       <p:font typeface="Calibri" panose="020F0502020204030204" pitchFamily="34" charset="0"/>
-      <p:regular r:id="rId19"/>
-      <p:bold r:id="rId20"/>
-      <p:italic r:id="rId21"/>
-      <p:boldItalic r:id="rId22"/>
+      <p:regular r:id="rId24"/>
+      <p:bold r:id="rId25"/>
+      <p:italic r:id="rId26"/>
+      <p:boldItalic r:id="rId27"/>
     </p:embeddedFont>
     <p:embeddedFont>
       <p:font typeface="Prompt Medium Bold" pitchFamily="2" charset="-34"/>
-      <p:regular r:id="rId23"/>
-      <p:bold r:id="rId24"/>
+      <p:regular r:id="rId28"/>
+      <p:bold r:id="rId29"/>
     </p:embeddedFont>
     <p:embeddedFont>
       <p:font typeface="TH SarabunPSK" panose="020B0500040200020003" pitchFamily="34" charset="-34"/>
-      <p:regular r:id="rId25"/>
-      <p:bold r:id="rId26"/>
-      <p:italic r:id="rId27"/>
-      <p:boldItalic r:id="rId28"/>
+      <p:regular r:id="rId30"/>
+      <p:bold r:id="rId31"/>
+      <p:italic r:id="rId32"/>
+      <p:boldItalic r:id="rId33"/>
     </p:embeddedFont>
   </p:embeddedFontLst>
   <p:defaultTextStyle>
@@ -244,7 +249,7 @@
           <a:p>
             <a:fld id="{B7268E1E-0E44-426D-905E-8AD9B19D2182}" type="datetimeFigureOut">
               <a:rPr lang="cs-CZ" smtClean="0"/>
-              <a:t>18.06.2023</a:t>
+              <a:t>23.06.2023</a:t>
             </a:fld>
             <a:endParaRPr lang="cs-CZ"/>
           </a:p>
@@ -868,18 +873,129 @@
           <a:bodyPr vert="horz" lIns="91440" tIns="45720" rIns="91440" bIns="45720" rtlCol="0"/>
           <a:lstStyle/>
           <a:p>
-            <a:r>
-              <a:rPr lang="en-US"/>
-              <a:t>axios มี Interceptor ให้ด้วย คุณสามารถปรับเปลี่ยน request ที่ได้รับมาก่อนจะโยนต่อ หรือปรับเปลี่ยนข้อมูลที่จะ response ได้ก่อนที่จะทำการ response จริง</a:t>
-            </a:r>
-          </a:p>
-          <a:p>
-            <a:endParaRPr lang="en-US"/>
-          </a:p>
-          <a:p>
-            <a:r>
-              <a:rPr lang="en-US"/>
-              <a:t>เอาให้เข้าใจง่าย ๆ ก็คือ คุณสามารถใช้ Interceptor ในการแก้ไข หรือปรับเปลี่ยน Request ที่เข้ามา หรือ Response ก่อนออกไป ก่อนที่จะ Handle โดยใช้ .then หรือ .catch นั่นเอง</a:t>
+            <a:pPr algn="l"/>
+            <a:r>
+              <a:rPr lang="en-US" b="0" i="0" u="none" strike="noStrike" dirty="0">
+                <a:solidFill>
+                  <a:srgbClr val="171717"/>
+                </a:solidFill>
+                <a:effectLst/>
+                <a:latin typeface="-apple-system"/>
+              </a:rPr>
+              <a:t>The first thing we do is import React, </a:t>
+            </a:r>
+            <a:r>
+              <a:rPr lang="en-US" b="0" i="0" u="none" strike="noStrike" dirty="0" err="1">
+                <a:solidFill>
+                  <a:srgbClr val="171717"/>
+                </a:solidFill>
+                <a:effectLst/>
+                <a:latin typeface="-apple-system"/>
+              </a:rPr>
+              <a:t>useEffect</a:t>
+            </a:r>
+            <a:r>
+              <a:rPr lang="en-US" b="0" i="0" u="none" strike="noStrike" dirty="0">
+                <a:solidFill>
+                  <a:srgbClr val="171717"/>
+                </a:solidFill>
+                <a:effectLst/>
+                <a:latin typeface="-apple-system"/>
+              </a:rPr>
+              <a:t> , and </a:t>
+            </a:r>
+            <a:r>
+              <a:rPr lang="en-US" b="0" i="0" u="none" strike="noStrike" dirty="0" err="1">
+                <a:solidFill>
+                  <a:srgbClr val="171717"/>
+                </a:solidFill>
+                <a:effectLst/>
+                <a:latin typeface="-apple-system"/>
+              </a:rPr>
+              <a:t>useState</a:t>
+            </a:r>
+            <a:r>
+              <a:rPr lang="en-US" b="0" i="0" u="none" strike="noStrike" dirty="0">
+                <a:solidFill>
+                  <a:srgbClr val="171717"/>
+                </a:solidFill>
+                <a:effectLst/>
+                <a:latin typeface="-apple-system"/>
+              </a:rPr>
+              <a:t> hooks. We also import </a:t>
+            </a:r>
+            <a:r>
+              <a:rPr lang="en-US" b="0" i="0" u="none" strike="noStrike" dirty="0" err="1">
+                <a:solidFill>
+                  <a:srgbClr val="171717"/>
+                </a:solidFill>
+                <a:effectLst/>
+                <a:latin typeface="-apple-system"/>
+              </a:rPr>
+              <a:t>Axios</a:t>
+            </a:r>
+            <a:r>
+              <a:rPr lang="en-US" b="0" i="0" u="none" strike="noStrike" dirty="0">
+                <a:solidFill>
+                  <a:srgbClr val="171717"/>
+                </a:solidFill>
+                <a:effectLst/>
+                <a:latin typeface="-apple-system"/>
+              </a:rPr>
+              <a:t> so we can make HTTP requests. In the </a:t>
+            </a:r>
+            <a:r>
+              <a:rPr lang="en-US" b="0" i="0" u="none" strike="noStrike" dirty="0" err="1">
+                <a:solidFill>
+                  <a:srgbClr val="171717"/>
+                </a:solidFill>
+                <a:effectLst/>
+                <a:latin typeface="-apple-system"/>
+              </a:rPr>
+              <a:t>useEffect</a:t>
+            </a:r>
+            <a:r>
+              <a:rPr lang="en-US" b="0" i="0" u="none" strike="noStrike" dirty="0">
+                <a:solidFill>
+                  <a:srgbClr val="171717"/>
+                </a:solidFill>
+                <a:effectLst/>
+                <a:latin typeface="-apple-system"/>
+              </a:rPr>
+              <a:t> hooks, we use the GET method to make </a:t>
+            </a:r>
+            <a:r>
+              <a:rPr lang="en-US" b="0" i="0" u="none" strike="noStrike" dirty="0" err="1">
+                <a:solidFill>
+                  <a:srgbClr val="171717"/>
+                </a:solidFill>
+                <a:effectLst/>
+                <a:latin typeface="-apple-system"/>
+              </a:rPr>
+              <a:t>aGET</a:t>
+            </a:r>
+            <a:r>
+              <a:rPr lang="en-US" b="0" i="0" u="none" strike="noStrike" dirty="0">
+                <a:solidFill>
+                  <a:srgbClr val="171717"/>
+                </a:solidFill>
+                <a:effectLst/>
+                <a:latin typeface="-apple-system"/>
+              </a:rPr>
+              <a:t> request to our endpoint, then use the then()method to get back all of the response data we use to update our user's state.</a:t>
+            </a:r>
+          </a:p>
+          <a:p>
+            <a:pPr algn="l"/>
+            <a:r>
+              <a:rPr lang="en-US" b="0" i="0" u="none" strike="noStrike" dirty="0">
+                <a:solidFill>
+                  <a:srgbClr val="171717"/>
+                </a:solidFill>
+                <a:effectLst/>
+                <a:latin typeface="-apple-system"/>
+              </a:rPr>
+              <a:t>We received an object as a response. A data array with properties address, company, email, id, name, phone, username, and website is accessed. The properties are then assigned to the user's state and made available in the component.</a:t>
             </a:r>
           </a:p>
         </p:txBody>
@@ -950,6 +1066,11 @@
         </p:txBody>
       </p:sp>
     </p:spTree>
+    <p:extLst>
+      <p:ext uri="{BB962C8B-B14F-4D97-AF65-F5344CB8AC3E}">
+        <p14:creationId xmlns:p14="http://schemas.microsoft.com/office/powerpoint/2010/main" val="911253636"/>
+      </p:ext>
+    </p:extLst>
   </p:cSld>
   <p:clrMapOvr>
     <a:masterClrMapping/>
@@ -1097,16 +1218,7 @@
           <a:p>
             <a:r>
               <a:rPr lang="en-US"/>
-              <a:t>บางครั้งเมื่อคุณทำการ Request ไปแล้ว แต่จู่ ๆ รู้สึกว่าเฮ้ยไม่อยากรอละ หรือไม่ได้สนใจผลลัพธ์นั้นแล้ว เจ้า axios เค้า Provide การทำ Cancel request มาให้คุณด้วย สามารถเอาไปประยุกต์ใช้ได้ อย่างคูล!!</a:t>
-            </a:r>
-          </a:p>
-          <a:p>
-            <a:endParaRPr lang="en-US"/>
-          </a:p>
-          <a:p>
-            <a:r>
-              <a:rPr lang="en-US"/>
-              <a:t>วิธีการทำ Cancel request นั้น คุณจะต้อง Create cancel token ขึ้นมาก่อน โดยการเรียกจาก Library ได้เลย ดูตัวอย่างได้ในโค้ด</a:t>
+              <a:t>axios และ Node-Fetch ทั้งคู่ล้วนเป็น Promise-based request library เพื่อที่จะทำ Perform HTTP request ที่จริงยังมีตัวอื่นอีกที่ถูกพัฒนาขึ้นมา แต่วันนี้เราจะพาไปดูข้อดีของ axios และ ลองทำการเปรียบเทียบระหว่าง axios กับ Node-fetch ในบางส่วนกันครับ</a:t>
             </a:r>
           </a:p>
         </p:txBody>
@@ -1322,6 +1434,1111 @@
           <a:bodyPr vert="horz" lIns="91440" tIns="45720" rIns="91440" bIns="45720" rtlCol="0"/>
           <a:lstStyle/>
           <a:p>
+            <a:endParaRPr lang="en-US"/>
+          </a:p>
+        </p:txBody>
+      </p:sp>
+      <p:sp>
+        <p:nvSpPr>
+          <p:cNvPr id="6" name="Footer Placeholder 5"/>
+          <p:cNvSpPr>
+            <a:spLocks noGrp="1"/>
+          </p:cNvSpPr>
+          <p:nvPr>
+            <p:ph type="ftr" sz="quarter" idx="4"/>
+          </p:nvPr>
+        </p:nvSpPr>
+        <p:spPr>
+          <a:xfrm>
+            <a:off x="0" y="6502400"/>
+            <a:ext cx="3962400" cy="341313"/>
+          </a:xfrm>
+          <a:prstGeom prst="rect">
+            <a:avLst/>
+          </a:prstGeom>
+        </p:spPr>
+        <p:txBody>
+          <a:bodyPr vert="horz" lIns="91440" tIns="45720" rIns="91440" bIns="45720" rtlCol="0" anchor="b"/>
+          <a:lstStyle>
+            <a:lvl1pPr algn="l">
+              <a:defRPr sz="1200"/>
+            </a:lvl1pPr>
+          </a:lstStyle>
+          <a:p>
+            <a:endParaRPr/>
+          </a:p>
+        </p:txBody>
+      </p:sp>
+      <p:sp>
+        <p:nvSpPr>
+          <p:cNvPr id="7" name="Slide Number Placeholder 6"/>
+          <p:cNvSpPr>
+            <a:spLocks noGrp="1"/>
+          </p:cNvSpPr>
+          <p:nvPr>
+            <p:ph type="sldNum" sz="quarter" idx="5"/>
+          </p:nvPr>
+        </p:nvSpPr>
+        <p:spPr>
+          <a:xfrm>
+            <a:off x="5180013" y="6502400"/>
+            <a:ext cx="3962400" cy="341313"/>
+          </a:xfrm>
+          <a:prstGeom prst="rect">
+            <a:avLst/>
+          </a:prstGeom>
+        </p:spPr>
+        <p:txBody>
+          <a:bodyPr vert="horz" lIns="91440" tIns="45720" rIns="91440" bIns="45720" rtlCol="0" anchor="b"/>
+          <a:lstStyle>
+            <a:lvl1pPr algn="r">
+              <a:defRPr sz="1200"/>
+            </a:lvl1pPr>
+          </a:lstStyle>
+          <a:p>
+            <a:r>
+              <a:rPr lang="cs-CZ"/>
+              <a:t>‹#›</a:t>
+            </a:r>
+          </a:p>
+        </p:txBody>
+      </p:sp>
+    </p:spTree>
+  </p:cSld>
+  <p:clrMapOvr>
+    <a:masterClrMapping/>
+  </p:clrMapOvr>
+</p:notes>
+</file>
+
+<file path=ppt/notesSlides/notesSlide13.xml><?xml version="1.0" encoding="utf-8"?>
+<p:notes xmlns:a="http://schemas.openxmlformats.org/drawingml/2006/main" xmlns:r="http://schemas.openxmlformats.org/officeDocument/2006/relationships" xmlns:p="http://schemas.openxmlformats.org/presentationml/2006/main">
+  <p:cSld>
+    <p:spTree>
+      <p:nvGrpSpPr>
+        <p:cNvPr id="1" name=""/>
+        <p:cNvGrpSpPr/>
+        <p:nvPr/>
+      </p:nvGrpSpPr>
+      <p:grpSpPr>
+        <a:xfrm>
+          <a:off x="0" y="0"/>
+          <a:ext cx="0" cy="0"/>
+          <a:chOff x="0" y="0"/>
+          <a:chExt cx="0" cy="0"/>
+        </a:xfrm>
+      </p:grpSpPr>
+      <p:sp>
+        <p:nvSpPr>
+          <p:cNvPr id="2" name="Header Placeholder 1"/>
+          <p:cNvSpPr>
+            <a:spLocks noGrp="1"/>
+          </p:cNvSpPr>
+          <p:nvPr>
+            <p:ph type="hdr" sz="quarter"/>
+          </p:nvPr>
+        </p:nvSpPr>
+        <p:spPr>
+          <a:xfrm>
+            <a:off x="0" y="0"/>
+            <a:ext cx="3962400" cy="342900"/>
+          </a:xfrm>
+          <a:prstGeom prst="rect">
+            <a:avLst/>
+          </a:prstGeom>
+        </p:spPr>
+        <p:txBody>
+          <a:bodyPr vert="horz" lIns="91440" tIns="45720" rIns="91440" bIns="45720" rtlCol="0"/>
+          <a:lstStyle>
+            <a:lvl1pPr algn="l">
+              <a:defRPr sz="1200"/>
+            </a:lvl1pPr>
+          </a:lstStyle>
+          <a:p>
+            <a:endParaRPr/>
+          </a:p>
+        </p:txBody>
+      </p:sp>
+      <p:sp>
+        <p:nvSpPr>
+          <p:cNvPr id="3" name="Date Placeholder 2"/>
+          <p:cNvSpPr>
+            <a:spLocks noGrp="1"/>
+          </p:cNvSpPr>
+          <p:nvPr>
+            <p:ph type="dt" idx="1"/>
+          </p:nvPr>
+        </p:nvSpPr>
+        <p:spPr>
+          <a:xfrm>
+            <a:off x="5180013" y="0"/>
+            <a:ext cx="3962400" cy="342900"/>
+          </a:xfrm>
+          <a:prstGeom prst="rect">
+            <a:avLst/>
+          </a:prstGeom>
+        </p:spPr>
+        <p:txBody>
+          <a:bodyPr vert="horz" lIns="91440" tIns="45720" rIns="91440" bIns="45720" rtlCol="0"/>
+          <a:lstStyle>
+            <a:lvl1pPr algn="r">
+              <a:defRPr sz="1200"/>
+            </a:lvl1pPr>
+          </a:lstStyle>
+          <a:p>
+            <a:r>
+              <a:rPr lang="cs-CZ"/>
+              <a:t>1.7.2013</a:t>
+            </a:r>
+          </a:p>
+        </p:txBody>
+      </p:sp>
+      <p:sp>
+        <p:nvSpPr>
+          <p:cNvPr id="4" name="Slide Image Placeholder 3"/>
+          <p:cNvSpPr>
+            <a:spLocks noGrp="1" noRot="1" noChangeAspect="1"/>
+          </p:cNvSpPr>
+          <p:nvPr>
+            <p:ph type="sldImg" idx="2"/>
+          </p:nvPr>
+        </p:nvSpPr>
+        <p:spPr>
+          <a:xfrm>
+            <a:off x="2290763" y="512763"/>
+            <a:ext cx="4562475" cy="2566987"/>
+          </a:xfrm>
+          <a:prstGeom prst="rect">
+            <a:avLst/>
+          </a:prstGeom>
+          <a:noFill/>
+          <a:ln w="12700">
+            <a:solidFill>
+              <a:prstClr val="black"/>
+            </a:solidFill>
+          </a:ln>
+        </p:spPr>
+        <p:txBody>
+          <a:bodyPr vert="horz" lIns="91440" tIns="45720" rIns="91440" bIns="45720" rtlCol="0" anchor="ctr"/>
+          <a:lstStyle/>
+          <a:p>
+            <a:endParaRPr/>
+          </a:p>
+        </p:txBody>
+      </p:sp>
+      <p:sp>
+        <p:nvSpPr>
+          <p:cNvPr id="5" name="Notes Placeholder 4"/>
+          <p:cNvSpPr>
+            <a:spLocks noGrp="1"/>
+          </p:cNvSpPr>
+          <p:nvPr>
+            <p:ph type="body" sz="quarter" idx="3"/>
+          </p:nvPr>
+        </p:nvSpPr>
+        <p:spPr>
+          <a:xfrm>
+            <a:off x="914400" y="3251200"/>
+            <a:ext cx="7315200" cy="3081338"/>
+          </a:xfrm>
+          <a:prstGeom prst="rect">
+            <a:avLst/>
+          </a:prstGeom>
+        </p:spPr>
+        <p:txBody>
+          <a:bodyPr vert="horz" lIns="91440" tIns="45720" rIns="91440" bIns="45720" rtlCol="0"/>
+          <a:lstStyle/>
+          <a:p>
+            <a:r>
+              <a:rPr lang="en-US"/>
+              <a:t>สิ่งที่ทำให้ axios ได้รับความนิยมก็คือ การจัดการกับข้อผิดพลาด เนื่องจากการเขียนด้วย axios มีการ Implement ที่สั้น ทำให้อ่านแล้วเข้าใจได้ง่ายกว่า</a:t>
+            </a:r>
+          </a:p>
+        </p:txBody>
+      </p:sp>
+      <p:sp>
+        <p:nvSpPr>
+          <p:cNvPr id="6" name="Footer Placeholder 5"/>
+          <p:cNvSpPr>
+            <a:spLocks noGrp="1"/>
+          </p:cNvSpPr>
+          <p:nvPr>
+            <p:ph type="ftr" sz="quarter" idx="4"/>
+          </p:nvPr>
+        </p:nvSpPr>
+        <p:spPr>
+          <a:xfrm>
+            <a:off x="0" y="6502400"/>
+            <a:ext cx="3962400" cy="341313"/>
+          </a:xfrm>
+          <a:prstGeom prst="rect">
+            <a:avLst/>
+          </a:prstGeom>
+        </p:spPr>
+        <p:txBody>
+          <a:bodyPr vert="horz" lIns="91440" tIns="45720" rIns="91440" bIns="45720" rtlCol="0" anchor="b"/>
+          <a:lstStyle>
+            <a:lvl1pPr algn="l">
+              <a:defRPr sz="1200"/>
+            </a:lvl1pPr>
+          </a:lstStyle>
+          <a:p>
+            <a:endParaRPr/>
+          </a:p>
+        </p:txBody>
+      </p:sp>
+      <p:sp>
+        <p:nvSpPr>
+          <p:cNvPr id="7" name="Slide Number Placeholder 6"/>
+          <p:cNvSpPr>
+            <a:spLocks noGrp="1"/>
+          </p:cNvSpPr>
+          <p:nvPr>
+            <p:ph type="sldNum" sz="quarter" idx="5"/>
+          </p:nvPr>
+        </p:nvSpPr>
+        <p:spPr>
+          <a:xfrm>
+            <a:off x="5180013" y="6502400"/>
+            <a:ext cx="3962400" cy="341313"/>
+          </a:xfrm>
+          <a:prstGeom prst="rect">
+            <a:avLst/>
+          </a:prstGeom>
+        </p:spPr>
+        <p:txBody>
+          <a:bodyPr vert="horz" lIns="91440" tIns="45720" rIns="91440" bIns="45720" rtlCol="0" anchor="b"/>
+          <a:lstStyle>
+            <a:lvl1pPr algn="r">
+              <a:defRPr sz="1200"/>
+            </a:lvl1pPr>
+          </a:lstStyle>
+          <a:p>
+            <a:r>
+              <a:rPr lang="cs-CZ"/>
+              <a:t>‹#›</a:t>
+            </a:r>
+          </a:p>
+        </p:txBody>
+      </p:sp>
+    </p:spTree>
+  </p:cSld>
+  <p:clrMapOvr>
+    <a:masterClrMapping/>
+  </p:clrMapOvr>
+</p:notes>
+</file>
+
+<file path=ppt/notesSlides/notesSlide14.xml><?xml version="1.0" encoding="utf-8"?>
+<p:notes xmlns:a="http://schemas.openxmlformats.org/drawingml/2006/main" xmlns:r="http://schemas.openxmlformats.org/officeDocument/2006/relationships" xmlns:p="http://schemas.openxmlformats.org/presentationml/2006/main">
+  <p:cSld>
+    <p:spTree>
+      <p:nvGrpSpPr>
+        <p:cNvPr id="1" name=""/>
+        <p:cNvGrpSpPr/>
+        <p:nvPr/>
+      </p:nvGrpSpPr>
+      <p:grpSpPr>
+        <a:xfrm>
+          <a:off x="0" y="0"/>
+          <a:ext cx="0" cy="0"/>
+          <a:chOff x="0" y="0"/>
+          <a:chExt cx="0" cy="0"/>
+        </a:xfrm>
+      </p:grpSpPr>
+      <p:sp>
+        <p:nvSpPr>
+          <p:cNvPr id="2" name="Header Placeholder 1"/>
+          <p:cNvSpPr>
+            <a:spLocks noGrp="1"/>
+          </p:cNvSpPr>
+          <p:nvPr>
+            <p:ph type="hdr" sz="quarter"/>
+          </p:nvPr>
+        </p:nvSpPr>
+        <p:spPr>
+          <a:xfrm>
+            <a:off x="0" y="0"/>
+            <a:ext cx="3962400" cy="342900"/>
+          </a:xfrm>
+          <a:prstGeom prst="rect">
+            <a:avLst/>
+          </a:prstGeom>
+        </p:spPr>
+        <p:txBody>
+          <a:bodyPr vert="horz" lIns="91440" tIns="45720" rIns="91440" bIns="45720" rtlCol="0"/>
+          <a:lstStyle>
+            <a:lvl1pPr algn="l">
+              <a:defRPr sz="1200"/>
+            </a:lvl1pPr>
+          </a:lstStyle>
+          <a:p>
+            <a:endParaRPr/>
+          </a:p>
+        </p:txBody>
+      </p:sp>
+      <p:sp>
+        <p:nvSpPr>
+          <p:cNvPr id="3" name="Date Placeholder 2"/>
+          <p:cNvSpPr>
+            <a:spLocks noGrp="1"/>
+          </p:cNvSpPr>
+          <p:nvPr>
+            <p:ph type="dt" idx="1"/>
+          </p:nvPr>
+        </p:nvSpPr>
+        <p:spPr>
+          <a:xfrm>
+            <a:off x="5180013" y="0"/>
+            <a:ext cx="3962400" cy="342900"/>
+          </a:xfrm>
+          <a:prstGeom prst="rect">
+            <a:avLst/>
+          </a:prstGeom>
+        </p:spPr>
+        <p:txBody>
+          <a:bodyPr vert="horz" lIns="91440" tIns="45720" rIns="91440" bIns="45720" rtlCol="0"/>
+          <a:lstStyle>
+            <a:lvl1pPr algn="r">
+              <a:defRPr sz="1200"/>
+            </a:lvl1pPr>
+          </a:lstStyle>
+          <a:p>
+            <a:r>
+              <a:rPr lang="cs-CZ"/>
+              <a:t>1.7.2013</a:t>
+            </a:r>
+          </a:p>
+        </p:txBody>
+      </p:sp>
+      <p:sp>
+        <p:nvSpPr>
+          <p:cNvPr id="4" name="Slide Image Placeholder 3"/>
+          <p:cNvSpPr>
+            <a:spLocks noGrp="1" noRot="1" noChangeAspect="1"/>
+          </p:cNvSpPr>
+          <p:nvPr>
+            <p:ph type="sldImg" idx="2"/>
+          </p:nvPr>
+        </p:nvSpPr>
+        <p:spPr>
+          <a:xfrm>
+            <a:off x="2290763" y="512763"/>
+            <a:ext cx="4562475" cy="2566987"/>
+          </a:xfrm>
+          <a:prstGeom prst="rect">
+            <a:avLst/>
+          </a:prstGeom>
+          <a:noFill/>
+          <a:ln w="12700">
+            <a:solidFill>
+              <a:prstClr val="black"/>
+            </a:solidFill>
+          </a:ln>
+        </p:spPr>
+        <p:txBody>
+          <a:bodyPr vert="horz" lIns="91440" tIns="45720" rIns="91440" bIns="45720" rtlCol="0" anchor="ctr"/>
+          <a:lstStyle/>
+          <a:p>
+            <a:endParaRPr/>
+          </a:p>
+        </p:txBody>
+      </p:sp>
+      <p:sp>
+        <p:nvSpPr>
+          <p:cNvPr id="5" name="Notes Placeholder 4"/>
+          <p:cNvSpPr>
+            <a:spLocks noGrp="1"/>
+          </p:cNvSpPr>
+          <p:nvPr>
+            <p:ph type="body" sz="quarter" idx="3"/>
+          </p:nvPr>
+        </p:nvSpPr>
+        <p:spPr>
+          <a:xfrm>
+            <a:off x="914400" y="3251200"/>
+            <a:ext cx="7315200" cy="3081338"/>
+          </a:xfrm>
+          <a:prstGeom prst="rect">
+            <a:avLst/>
+          </a:prstGeom>
+        </p:spPr>
+        <p:txBody>
+          <a:bodyPr vert="horz" lIns="91440" tIns="45720" rIns="91440" bIns="45720" rtlCol="0"/>
+          <a:lstStyle/>
+          <a:p>
+            <a:r>
+              <a:rPr lang="en-US"/>
+              <a:t>สิ่งที่ทำให้ axios ได้รับความนิยมก็คือ การจัดการกับข้อผิดพลาด เนื่องจากการเขียนด้วย axios มีการ Implement ที่สั้น ทำให้อ่านแล้วเข้าใจได้ง่ายกว่า</a:t>
+            </a:r>
+          </a:p>
+        </p:txBody>
+      </p:sp>
+      <p:sp>
+        <p:nvSpPr>
+          <p:cNvPr id="6" name="Footer Placeholder 5"/>
+          <p:cNvSpPr>
+            <a:spLocks noGrp="1"/>
+          </p:cNvSpPr>
+          <p:nvPr>
+            <p:ph type="ftr" sz="quarter" idx="4"/>
+          </p:nvPr>
+        </p:nvSpPr>
+        <p:spPr>
+          <a:xfrm>
+            <a:off x="0" y="6502400"/>
+            <a:ext cx="3962400" cy="341313"/>
+          </a:xfrm>
+          <a:prstGeom prst="rect">
+            <a:avLst/>
+          </a:prstGeom>
+        </p:spPr>
+        <p:txBody>
+          <a:bodyPr vert="horz" lIns="91440" tIns="45720" rIns="91440" bIns="45720" rtlCol="0" anchor="b"/>
+          <a:lstStyle>
+            <a:lvl1pPr algn="l">
+              <a:defRPr sz="1200"/>
+            </a:lvl1pPr>
+          </a:lstStyle>
+          <a:p>
+            <a:endParaRPr/>
+          </a:p>
+        </p:txBody>
+      </p:sp>
+      <p:sp>
+        <p:nvSpPr>
+          <p:cNvPr id="7" name="Slide Number Placeholder 6"/>
+          <p:cNvSpPr>
+            <a:spLocks noGrp="1"/>
+          </p:cNvSpPr>
+          <p:nvPr>
+            <p:ph type="sldNum" sz="quarter" idx="5"/>
+          </p:nvPr>
+        </p:nvSpPr>
+        <p:spPr>
+          <a:xfrm>
+            <a:off x="5180013" y="6502400"/>
+            <a:ext cx="3962400" cy="341313"/>
+          </a:xfrm>
+          <a:prstGeom prst="rect">
+            <a:avLst/>
+          </a:prstGeom>
+        </p:spPr>
+        <p:txBody>
+          <a:bodyPr vert="horz" lIns="91440" tIns="45720" rIns="91440" bIns="45720" rtlCol="0" anchor="b"/>
+          <a:lstStyle>
+            <a:lvl1pPr algn="r">
+              <a:defRPr sz="1200"/>
+            </a:lvl1pPr>
+          </a:lstStyle>
+          <a:p>
+            <a:r>
+              <a:rPr lang="cs-CZ"/>
+              <a:t>‹#›</a:t>
+            </a:r>
+          </a:p>
+        </p:txBody>
+      </p:sp>
+    </p:spTree>
+  </p:cSld>
+  <p:clrMapOvr>
+    <a:masterClrMapping/>
+  </p:clrMapOvr>
+</p:notes>
+</file>
+
+<file path=ppt/notesSlides/notesSlide15.xml><?xml version="1.0" encoding="utf-8"?>
+<p:notes xmlns:a="http://schemas.openxmlformats.org/drawingml/2006/main" xmlns:r="http://schemas.openxmlformats.org/officeDocument/2006/relationships" xmlns:p="http://schemas.openxmlformats.org/presentationml/2006/main">
+  <p:cSld>
+    <p:spTree>
+      <p:nvGrpSpPr>
+        <p:cNvPr id="1" name=""/>
+        <p:cNvGrpSpPr/>
+        <p:nvPr/>
+      </p:nvGrpSpPr>
+      <p:grpSpPr>
+        <a:xfrm>
+          <a:off x="0" y="0"/>
+          <a:ext cx="0" cy="0"/>
+          <a:chOff x="0" y="0"/>
+          <a:chExt cx="0" cy="0"/>
+        </a:xfrm>
+      </p:grpSpPr>
+      <p:sp>
+        <p:nvSpPr>
+          <p:cNvPr id="2" name="Header Placeholder 1"/>
+          <p:cNvSpPr>
+            <a:spLocks noGrp="1"/>
+          </p:cNvSpPr>
+          <p:nvPr>
+            <p:ph type="hdr" sz="quarter"/>
+          </p:nvPr>
+        </p:nvSpPr>
+        <p:spPr>
+          <a:xfrm>
+            <a:off x="0" y="0"/>
+            <a:ext cx="3962400" cy="342900"/>
+          </a:xfrm>
+          <a:prstGeom prst="rect">
+            <a:avLst/>
+          </a:prstGeom>
+        </p:spPr>
+        <p:txBody>
+          <a:bodyPr vert="horz" lIns="91440" tIns="45720" rIns="91440" bIns="45720" rtlCol="0"/>
+          <a:lstStyle>
+            <a:lvl1pPr algn="l">
+              <a:defRPr sz="1200"/>
+            </a:lvl1pPr>
+          </a:lstStyle>
+          <a:p>
+            <a:endParaRPr/>
+          </a:p>
+        </p:txBody>
+      </p:sp>
+      <p:sp>
+        <p:nvSpPr>
+          <p:cNvPr id="3" name="Date Placeholder 2"/>
+          <p:cNvSpPr>
+            <a:spLocks noGrp="1"/>
+          </p:cNvSpPr>
+          <p:nvPr>
+            <p:ph type="dt" idx="1"/>
+          </p:nvPr>
+        </p:nvSpPr>
+        <p:spPr>
+          <a:xfrm>
+            <a:off x="5180013" y="0"/>
+            <a:ext cx="3962400" cy="342900"/>
+          </a:xfrm>
+          <a:prstGeom prst="rect">
+            <a:avLst/>
+          </a:prstGeom>
+        </p:spPr>
+        <p:txBody>
+          <a:bodyPr vert="horz" lIns="91440" tIns="45720" rIns="91440" bIns="45720" rtlCol="0"/>
+          <a:lstStyle>
+            <a:lvl1pPr algn="r">
+              <a:defRPr sz="1200"/>
+            </a:lvl1pPr>
+          </a:lstStyle>
+          <a:p>
+            <a:r>
+              <a:rPr lang="cs-CZ"/>
+              <a:t>1.7.2013</a:t>
+            </a:r>
+          </a:p>
+        </p:txBody>
+      </p:sp>
+      <p:sp>
+        <p:nvSpPr>
+          <p:cNvPr id="4" name="Slide Image Placeholder 3"/>
+          <p:cNvSpPr>
+            <a:spLocks noGrp="1" noRot="1" noChangeAspect="1"/>
+          </p:cNvSpPr>
+          <p:nvPr>
+            <p:ph type="sldImg" idx="2"/>
+          </p:nvPr>
+        </p:nvSpPr>
+        <p:spPr>
+          <a:xfrm>
+            <a:off x="2290763" y="512763"/>
+            <a:ext cx="4562475" cy="2566987"/>
+          </a:xfrm>
+          <a:prstGeom prst="rect">
+            <a:avLst/>
+          </a:prstGeom>
+          <a:noFill/>
+          <a:ln w="12700">
+            <a:solidFill>
+              <a:prstClr val="black"/>
+            </a:solidFill>
+          </a:ln>
+        </p:spPr>
+        <p:txBody>
+          <a:bodyPr vert="horz" lIns="91440" tIns="45720" rIns="91440" bIns="45720" rtlCol="0" anchor="ctr"/>
+          <a:lstStyle/>
+          <a:p>
+            <a:endParaRPr/>
+          </a:p>
+        </p:txBody>
+      </p:sp>
+      <p:sp>
+        <p:nvSpPr>
+          <p:cNvPr id="5" name="Notes Placeholder 4"/>
+          <p:cNvSpPr>
+            <a:spLocks noGrp="1"/>
+          </p:cNvSpPr>
+          <p:nvPr>
+            <p:ph type="body" sz="quarter" idx="3"/>
+          </p:nvPr>
+        </p:nvSpPr>
+        <p:spPr>
+          <a:xfrm>
+            <a:off x="914400" y="3251200"/>
+            <a:ext cx="7315200" cy="3081338"/>
+          </a:xfrm>
+          <a:prstGeom prst="rect">
+            <a:avLst/>
+          </a:prstGeom>
+        </p:spPr>
+        <p:txBody>
+          <a:bodyPr vert="horz" lIns="91440" tIns="45720" rIns="91440" bIns="45720" rtlCol="0"/>
+          <a:lstStyle/>
+          <a:p>
+            <a:r>
+              <a:rPr lang="en-US"/>
+              <a:t>axios มี Interceptor ให้ด้วย คุณสามารถปรับเปลี่ยน request ที่ได้รับมาก่อนจะโยนต่อ หรือปรับเปลี่ยนข้อมูลที่จะ response ได้ก่อนที่จะทำการ response จริง</a:t>
+            </a:r>
+          </a:p>
+          <a:p>
+            <a:endParaRPr lang="en-US"/>
+          </a:p>
+          <a:p>
+            <a:r>
+              <a:rPr lang="en-US"/>
+              <a:t>เอาให้เข้าใจง่าย ๆ ก็คือ คุณสามารถใช้ Interceptor ในการแก้ไข หรือปรับเปลี่ยน Request ที่เข้ามา หรือ Response ก่อนออกไป ก่อนที่จะ Handle โดยใช้ .then หรือ .catch นั่นเอง</a:t>
+            </a:r>
+          </a:p>
+        </p:txBody>
+      </p:sp>
+      <p:sp>
+        <p:nvSpPr>
+          <p:cNvPr id="6" name="Footer Placeholder 5"/>
+          <p:cNvSpPr>
+            <a:spLocks noGrp="1"/>
+          </p:cNvSpPr>
+          <p:nvPr>
+            <p:ph type="ftr" sz="quarter" idx="4"/>
+          </p:nvPr>
+        </p:nvSpPr>
+        <p:spPr>
+          <a:xfrm>
+            <a:off x="0" y="6502400"/>
+            <a:ext cx="3962400" cy="341313"/>
+          </a:xfrm>
+          <a:prstGeom prst="rect">
+            <a:avLst/>
+          </a:prstGeom>
+        </p:spPr>
+        <p:txBody>
+          <a:bodyPr vert="horz" lIns="91440" tIns="45720" rIns="91440" bIns="45720" rtlCol="0" anchor="b"/>
+          <a:lstStyle>
+            <a:lvl1pPr algn="l">
+              <a:defRPr sz="1200"/>
+            </a:lvl1pPr>
+          </a:lstStyle>
+          <a:p>
+            <a:endParaRPr/>
+          </a:p>
+        </p:txBody>
+      </p:sp>
+      <p:sp>
+        <p:nvSpPr>
+          <p:cNvPr id="7" name="Slide Number Placeholder 6"/>
+          <p:cNvSpPr>
+            <a:spLocks noGrp="1"/>
+          </p:cNvSpPr>
+          <p:nvPr>
+            <p:ph type="sldNum" sz="quarter" idx="5"/>
+          </p:nvPr>
+        </p:nvSpPr>
+        <p:spPr>
+          <a:xfrm>
+            <a:off x="5180013" y="6502400"/>
+            <a:ext cx="3962400" cy="341313"/>
+          </a:xfrm>
+          <a:prstGeom prst="rect">
+            <a:avLst/>
+          </a:prstGeom>
+        </p:spPr>
+        <p:txBody>
+          <a:bodyPr vert="horz" lIns="91440" tIns="45720" rIns="91440" bIns="45720" rtlCol="0" anchor="b"/>
+          <a:lstStyle>
+            <a:lvl1pPr algn="r">
+              <a:defRPr sz="1200"/>
+            </a:lvl1pPr>
+          </a:lstStyle>
+          <a:p>
+            <a:r>
+              <a:rPr lang="cs-CZ"/>
+              <a:t>‹#›</a:t>
+            </a:r>
+          </a:p>
+        </p:txBody>
+      </p:sp>
+    </p:spTree>
+  </p:cSld>
+  <p:clrMapOvr>
+    <a:masterClrMapping/>
+  </p:clrMapOvr>
+</p:notes>
+</file>
+
+<file path=ppt/notesSlides/notesSlide16.xml><?xml version="1.0" encoding="utf-8"?>
+<p:notes xmlns:a="http://schemas.openxmlformats.org/drawingml/2006/main" xmlns:r="http://schemas.openxmlformats.org/officeDocument/2006/relationships" xmlns:p="http://schemas.openxmlformats.org/presentationml/2006/main">
+  <p:cSld>
+    <p:spTree>
+      <p:nvGrpSpPr>
+        <p:cNvPr id="1" name=""/>
+        <p:cNvGrpSpPr/>
+        <p:nvPr/>
+      </p:nvGrpSpPr>
+      <p:grpSpPr>
+        <a:xfrm>
+          <a:off x="0" y="0"/>
+          <a:ext cx="0" cy="0"/>
+          <a:chOff x="0" y="0"/>
+          <a:chExt cx="0" cy="0"/>
+        </a:xfrm>
+      </p:grpSpPr>
+      <p:sp>
+        <p:nvSpPr>
+          <p:cNvPr id="2" name="Header Placeholder 1"/>
+          <p:cNvSpPr>
+            <a:spLocks noGrp="1"/>
+          </p:cNvSpPr>
+          <p:nvPr>
+            <p:ph type="hdr" sz="quarter"/>
+          </p:nvPr>
+        </p:nvSpPr>
+        <p:spPr>
+          <a:xfrm>
+            <a:off x="0" y="0"/>
+            <a:ext cx="3962400" cy="342900"/>
+          </a:xfrm>
+          <a:prstGeom prst="rect">
+            <a:avLst/>
+          </a:prstGeom>
+        </p:spPr>
+        <p:txBody>
+          <a:bodyPr vert="horz" lIns="91440" tIns="45720" rIns="91440" bIns="45720" rtlCol="0"/>
+          <a:lstStyle>
+            <a:lvl1pPr algn="l">
+              <a:defRPr sz="1200"/>
+            </a:lvl1pPr>
+          </a:lstStyle>
+          <a:p>
+            <a:endParaRPr/>
+          </a:p>
+        </p:txBody>
+      </p:sp>
+      <p:sp>
+        <p:nvSpPr>
+          <p:cNvPr id="3" name="Date Placeholder 2"/>
+          <p:cNvSpPr>
+            <a:spLocks noGrp="1"/>
+          </p:cNvSpPr>
+          <p:nvPr>
+            <p:ph type="dt" idx="1"/>
+          </p:nvPr>
+        </p:nvSpPr>
+        <p:spPr>
+          <a:xfrm>
+            <a:off x="5180013" y="0"/>
+            <a:ext cx="3962400" cy="342900"/>
+          </a:xfrm>
+          <a:prstGeom prst="rect">
+            <a:avLst/>
+          </a:prstGeom>
+        </p:spPr>
+        <p:txBody>
+          <a:bodyPr vert="horz" lIns="91440" tIns="45720" rIns="91440" bIns="45720" rtlCol="0"/>
+          <a:lstStyle>
+            <a:lvl1pPr algn="r">
+              <a:defRPr sz="1200"/>
+            </a:lvl1pPr>
+          </a:lstStyle>
+          <a:p>
+            <a:r>
+              <a:rPr lang="cs-CZ"/>
+              <a:t>1.7.2013</a:t>
+            </a:r>
+          </a:p>
+        </p:txBody>
+      </p:sp>
+      <p:sp>
+        <p:nvSpPr>
+          <p:cNvPr id="4" name="Slide Image Placeholder 3"/>
+          <p:cNvSpPr>
+            <a:spLocks noGrp="1" noRot="1" noChangeAspect="1"/>
+          </p:cNvSpPr>
+          <p:nvPr>
+            <p:ph type="sldImg" idx="2"/>
+          </p:nvPr>
+        </p:nvSpPr>
+        <p:spPr>
+          <a:xfrm>
+            <a:off x="2290763" y="512763"/>
+            <a:ext cx="4562475" cy="2566987"/>
+          </a:xfrm>
+          <a:prstGeom prst="rect">
+            <a:avLst/>
+          </a:prstGeom>
+          <a:noFill/>
+          <a:ln w="12700">
+            <a:solidFill>
+              <a:prstClr val="black"/>
+            </a:solidFill>
+          </a:ln>
+        </p:spPr>
+        <p:txBody>
+          <a:bodyPr vert="horz" lIns="91440" tIns="45720" rIns="91440" bIns="45720" rtlCol="0" anchor="ctr"/>
+          <a:lstStyle/>
+          <a:p>
+            <a:endParaRPr/>
+          </a:p>
+        </p:txBody>
+      </p:sp>
+      <p:sp>
+        <p:nvSpPr>
+          <p:cNvPr id="5" name="Notes Placeholder 4"/>
+          <p:cNvSpPr>
+            <a:spLocks noGrp="1"/>
+          </p:cNvSpPr>
+          <p:nvPr>
+            <p:ph type="body" sz="quarter" idx="3"/>
+          </p:nvPr>
+        </p:nvSpPr>
+        <p:spPr>
+          <a:xfrm>
+            <a:off x="914400" y="3251200"/>
+            <a:ext cx="7315200" cy="3081338"/>
+          </a:xfrm>
+          <a:prstGeom prst="rect">
+            <a:avLst/>
+          </a:prstGeom>
+        </p:spPr>
+        <p:txBody>
+          <a:bodyPr vert="horz" lIns="91440" tIns="45720" rIns="91440" bIns="45720" rtlCol="0"/>
+          <a:lstStyle/>
+          <a:p>
+            <a:r>
+              <a:rPr lang="en-US"/>
+              <a:t>บางครั้งเมื่อคุณทำการ Request ไปแล้ว แต่จู่ ๆ รู้สึกว่าเฮ้ยไม่อยากรอละ หรือไม่ได้สนใจผลลัพธ์นั้นแล้ว เจ้า axios เค้า Provide การทำ Cancel request มาให้คุณด้วย สามารถเอาไปประยุกต์ใช้ได้ อย่างคูล!!</a:t>
+            </a:r>
+          </a:p>
+          <a:p>
+            <a:endParaRPr lang="en-US"/>
+          </a:p>
+          <a:p>
+            <a:r>
+              <a:rPr lang="en-US"/>
+              <a:t>วิธีการทำ Cancel request นั้น คุณจะต้อง Create cancel token ขึ้นมาก่อน โดยการเรียกจาก Library ได้เลย ดูตัวอย่างได้ในโค้ด</a:t>
+            </a:r>
+          </a:p>
+        </p:txBody>
+      </p:sp>
+      <p:sp>
+        <p:nvSpPr>
+          <p:cNvPr id="6" name="Footer Placeholder 5"/>
+          <p:cNvSpPr>
+            <a:spLocks noGrp="1"/>
+          </p:cNvSpPr>
+          <p:nvPr>
+            <p:ph type="ftr" sz="quarter" idx="4"/>
+          </p:nvPr>
+        </p:nvSpPr>
+        <p:spPr>
+          <a:xfrm>
+            <a:off x="0" y="6502400"/>
+            <a:ext cx="3962400" cy="341313"/>
+          </a:xfrm>
+          <a:prstGeom prst="rect">
+            <a:avLst/>
+          </a:prstGeom>
+        </p:spPr>
+        <p:txBody>
+          <a:bodyPr vert="horz" lIns="91440" tIns="45720" rIns="91440" bIns="45720" rtlCol="0" anchor="b"/>
+          <a:lstStyle>
+            <a:lvl1pPr algn="l">
+              <a:defRPr sz="1200"/>
+            </a:lvl1pPr>
+          </a:lstStyle>
+          <a:p>
+            <a:endParaRPr/>
+          </a:p>
+        </p:txBody>
+      </p:sp>
+      <p:sp>
+        <p:nvSpPr>
+          <p:cNvPr id="7" name="Slide Number Placeholder 6"/>
+          <p:cNvSpPr>
+            <a:spLocks noGrp="1"/>
+          </p:cNvSpPr>
+          <p:nvPr>
+            <p:ph type="sldNum" sz="quarter" idx="5"/>
+          </p:nvPr>
+        </p:nvSpPr>
+        <p:spPr>
+          <a:xfrm>
+            <a:off x="5180013" y="6502400"/>
+            <a:ext cx="3962400" cy="341313"/>
+          </a:xfrm>
+          <a:prstGeom prst="rect">
+            <a:avLst/>
+          </a:prstGeom>
+        </p:spPr>
+        <p:txBody>
+          <a:bodyPr vert="horz" lIns="91440" tIns="45720" rIns="91440" bIns="45720" rtlCol="0" anchor="b"/>
+          <a:lstStyle>
+            <a:lvl1pPr algn="r">
+              <a:defRPr sz="1200"/>
+            </a:lvl1pPr>
+          </a:lstStyle>
+          <a:p>
+            <a:r>
+              <a:rPr lang="cs-CZ"/>
+              <a:t>‹#›</a:t>
+            </a:r>
+          </a:p>
+        </p:txBody>
+      </p:sp>
+    </p:spTree>
+  </p:cSld>
+  <p:clrMapOvr>
+    <a:masterClrMapping/>
+  </p:clrMapOvr>
+</p:notes>
+</file>
+
+<file path=ppt/notesSlides/notesSlide17.xml><?xml version="1.0" encoding="utf-8"?>
+<p:notes xmlns:a="http://schemas.openxmlformats.org/drawingml/2006/main" xmlns:r="http://schemas.openxmlformats.org/officeDocument/2006/relationships" xmlns:p="http://schemas.openxmlformats.org/presentationml/2006/main">
+  <p:cSld>
+    <p:spTree>
+      <p:nvGrpSpPr>
+        <p:cNvPr id="1" name=""/>
+        <p:cNvGrpSpPr/>
+        <p:nvPr/>
+      </p:nvGrpSpPr>
+      <p:grpSpPr>
+        <a:xfrm>
+          <a:off x="0" y="0"/>
+          <a:ext cx="0" cy="0"/>
+          <a:chOff x="0" y="0"/>
+          <a:chExt cx="0" cy="0"/>
+        </a:xfrm>
+      </p:grpSpPr>
+      <p:sp>
+        <p:nvSpPr>
+          <p:cNvPr id="2" name="Header Placeholder 1"/>
+          <p:cNvSpPr>
+            <a:spLocks noGrp="1"/>
+          </p:cNvSpPr>
+          <p:nvPr>
+            <p:ph type="hdr" sz="quarter"/>
+          </p:nvPr>
+        </p:nvSpPr>
+        <p:spPr>
+          <a:xfrm>
+            <a:off x="0" y="0"/>
+            <a:ext cx="3962400" cy="342900"/>
+          </a:xfrm>
+          <a:prstGeom prst="rect">
+            <a:avLst/>
+          </a:prstGeom>
+        </p:spPr>
+        <p:txBody>
+          <a:bodyPr vert="horz" lIns="91440" tIns="45720" rIns="91440" bIns="45720" rtlCol="0"/>
+          <a:lstStyle>
+            <a:lvl1pPr algn="l">
+              <a:defRPr sz="1200"/>
+            </a:lvl1pPr>
+          </a:lstStyle>
+          <a:p>
+            <a:endParaRPr/>
+          </a:p>
+        </p:txBody>
+      </p:sp>
+      <p:sp>
+        <p:nvSpPr>
+          <p:cNvPr id="3" name="Date Placeholder 2"/>
+          <p:cNvSpPr>
+            <a:spLocks noGrp="1"/>
+          </p:cNvSpPr>
+          <p:nvPr>
+            <p:ph type="dt" idx="1"/>
+          </p:nvPr>
+        </p:nvSpPr>
+        <p:spPr>
+          <a:xfrm>
+            <a:off x="5180013" y="0"/>
+            <a:ext cx="3962400" cy="342900"/>
+          </a:xfrm>
+          <a:prstGeom prst="rect">
+            <a:avLst/>
+          </a:prstGeom>
+        </p:spPr>
+        <p:txBody>
+          <a:bodyPr vert="horz" lIns="91440" tIns="45720" rIns="91440" bIns="45720" rtlCol="0"/>
+          <a:lstStyle>
+            <a:lvl1pPr algn="r">
+              <a:defRPr sz="1200"/>
+            </a:lvl1pPr>
+          </a:lstStyle>
+          <a:p>
+            <a:r>
+              <a:rPr lang="cs-CZ"/>
+              <a:t>1.7.2013</a:t>
+            </a:r>
+          </a:p>
+        </p:txBody>
+      </p:sp>
+      <p:sp>
+        <p:nvSpPr>
+          <p:cNvPr id="4" name="Slide Image Placeholder 3"/>
+          <p:cNvSpPr>
+            <a:spLocks noGrp="1" noRot="1" noChangeAspect="1"/>
+          </p:cNvSpPr>
+          <p:nvPr>
+            <p:ph type="sldImg" idx="2"/>
+          </p:nvPr>
+        </p:nvSpPr>
+        <p:spPr>
+          <a:xfrm>
+            <a:off x="2290763" y="512763"/>
+            <a:ext cx="4562475" cy="2566987"/>
+          </a:xfrm>
+          <a:prstGeom prst="rect">
+            <a:avLst/>
+          </a:prstGeom>
+          <a:noFill/>
+          <a:ln w="12700">
+            <a:solidFill>
+              <a:prstClr val="black"/>
+            </a:solidFill>
+          </a:ln>
+        </p:spPr>
+        <p:txBody>
+          <a:bodyPr vert="horz" lIns="91440" tIns="45720" rIns="91440" bIns="45720" rtlCol="0" anchor="ctr"/>
+          <a:lstStyle/>
+          <a:p>
+            <a:endParaRPr/>
+          </a:p>
+        </p:txBody>
+      </p:sp>
+      <p:sp>
+        <p:nvSpPr>
+          <p:cNvPr id="5" name="Notes Placeholder 4"/>
+          <p:cNvSpPr>
+            <a:spLocks noGrp="1"/>
+          </p:cNvSpPr>
+          <p:nvPr>
+            <p:ph type="body" sz="quarter" idx="3"/>
+          </p:nvPr>
+        </p:nvSpPr>
+        <p:spPr>
+          <a:xfrm>
+            <a:off x="914400" y="3251200"/>
+            <a:ext cx="7315200" cy="3081338"/>
+          </a:xfrm>
+          <a:prstGeom prst="rect">
+            <a:avLst/>
+          </a:prstGeom>
+        </p:spPr>
+        <p:txBody>
+          <a:bodyPr vert="horz" lIns="91440" tIns="45720" rIns="91440" bIns="45720" rtlCol="0"/>
+          <a:lstStyle/>
+          <a:p>
             <a:r>
               <a:rPr lang="en-US"/>
               <a:t>มาถึงตรงนี้ก็ต้องบอกว่า ไม่ว่าจะ node-fetch หรือ axios ทั้งคู่ต่างก็ทำออกมาให้ Browser เจ้าหลักทุกเจ้ารองรับกันอยู่แล้ว ทั้ง Google Chrome, Mozilla Firefox, Safari หรือ แม้กระทั่ง Internet Explorer แต่ที่เห็นจะดีหน่อยคือ Axios รองรับ Internet Explorer ตั้งแต่ Version 8 เป็นต้นไป ซึ่งตรงนี้ทำให้การใช้งาน Library ของคุณรองรับ Browser ที่เก่าหน่อยได้ด้วย</a:t>
@@ -2427,9 +3644,129 @@
           <a:bodyPr vert="horz" lIns="91440" tIns="45720" rIns="91440" bIns="45720" rtlCol="0"/>
           <a:lstStyle/>
           <a:p>
-            <a:r>
-              <a:rPr lang="en-US"/>
-              <a:t>axios และ Node-Fetch ทั้งคู่ล้วนเป็น Promise-based request library เพื่อที่จะทำ Perform HTTP request ที่จริงยังมีตัวอื่นอีกที่ถูกพัฒนาขึ้นมา แต่วันนี้เราจะพาไปดูข้อดีของ axios และ ลองทำการเปรียบเทียบระหว่าง axios กับ Node-fetch ในบางส่วนกันครับ</a:t>
+            <a:pPr algn="l"/>
+            <a:r>
+              <a:rPr lang="en-US" b="0" i="0" u="none" strike="noStrike" dirty="0">
+                <a:solidFill>
+                  <a:srgbClr val="171717"/>
+                </a:solidFill>
+                <a:effectLst/>
+                <a:latin typeface="-apple-system"/>
+              </a:rPr>
+              <a:t>The first thing we do is import React, </a:t>
+            </a:r>
+            <a:r>
+              <a:rPr lang="en-US" b="0" i="0" u="none" strike="noStrike" dirty="0" err="1">
+                <a:solidFill>
+                  <a:srgbClr val="171717"/>
+                </a:solidFill>
+                <a:effectLst/>
+                <a:latin typeface="-apple-system"/>
+              </a:rPr>
+              <a:t>useEffect</a:t>
+            </a:r>
+            <a:r>
+              <a:rPr lang="en-US" b="0" i="0" u="none" strike="noStrike" dirty="0">
+                <a:solidFill>
+                  <a:srgbClr val="171717"/>
+                </a:solidFill>
+                <a:effectLst/>
+                <a:latin typeface="-apple-system"/>
+              </a:rPr>
+              <a:t> , and </a:t>
+            </a:r>
+            <a:r>
+              <a:rPr lang="en-US" b="0" i="0" u="none" strike="noStrike" dirty="0" err="1">
+                <a:solidFill>
+                  <a:srgbClr val="171717"/>
+                </a:solidFill>
+                <a:effectLst/>
+                <a:latin typeface="-apple-system"/>
+              </a:rPr>
+              <a:t>useState</a:t>
+            </a:r>
+            <a:r>
+              <a:rPr lang="en-US" b="0" i="0" u="none" strike="noStrike" dirty="0">
+                <a:solidFill>
+                  <a:srgbClr val="171717"/>
+                </a:solidFill>
+                <a:effectLst/>
+                <a:latin typeface="-apple-system"/>
+              </a:rPr>
+              <a:t> hooks. We also import </a:t>
+            </a:r>
+            <a:r>
+              <a:rPr lang="en-US" b="0" i="0" u="none" strike="noStrike" dirty="0" err="1">
+                <a:solidFill>
+                  <a:srgbClr val="171717"/>
+                </a:solidFill>
+                <a:effectLst/>
+                <a:latin typeface="-apple-system"/>
+              </a:rPr>
+              <a:t>Axios</a:t>
+            </a:r>
+            <a:r>
+              <a:rPr lang="en-US" b="0" i="0" u="none" strike="noStrike" dirty="0">
+                <a:solidFill>
+                  <a:srgbClr val="171717"/>
+                </a:solidFill>
+                <a:effectLst/>
+                <a:latin typeface="-apple-system"/>
+              </a:rPr>
+              <a:t> so we can make HTTP requests. In the </a:t>
+            </a:r>
+            <a:r>
+              <a:rPr lang="en-US" b="0" i="0" u="none" strike="noStrike" dirty="0" err="1">
+                <a:solidFill>
+                  <a:srgbClr val="171717"/>
+                </a:solidFill>
+                <a:effectLst/>
+                <a:latin typeface="-apple-system"/>
+              </a:rPr>
+              <a:t>useEffect</a:t>
+            </a:r>
+            <a:r>
+              <a:rPr lang="en-US" b="0" i="0" u="none" strike="noStrike" dirty="0">
+                <a:solidFill>
+                  <a:srgbClr val="171717"/>
+                </a:solidFill>
+                <a:effectLst/>
+                <a:latin typeface="-apple-system"/>
+              </a:rPr>
+              <a:t> hooks, we use the GET method to make </a:t>
+            </a:r>
+            <a:r>
+              <a:rPr lang="en-US" b="0" i="0" u="none" strike="noStrike" dirty="0" err="1">
+                <a:solidFill>
+                  <a:srgbClr val="171717"/>
+                </a:solidFill>
+                <a:effectLst/>
+                <a:latin typeface="-apple-system"/>
+              </a:rPr>
+              <a:t>aGET</a:t>
+            </a:r>
+            <a:r>
+              <a:rPr lang="en-US" b="0" i="0" u="none" strike="noStrike" dirty="0">
+                <a:solidFill>
+                  <a:srgbClr val="171717"/>
+                </a:solidFill>
+                <a:effectLst/>
+                <a:latin typeface="-apple-system"/>
+              </a:rPr>
+              <a:t> request to our endpoint, then use the then()method to get back all of the response data we use to update our user's state.</a:t>
+            </a:r>
+          </a:p>
+          <a:p>
+            <a:pPr algn="l"/>
+            <a:r>
+              <a:rPr lang="en-US" b="0" i="0" u="none" strike="noStrike" dirty="0">
+                <a:solidFill>
+                  <a:srgbClr val="171717"/>
+                </a:solidFill>
+                <a:effectLst/>
+                <a:latin typeface="-apple-system"/>
+              </a:rPr>
+              <a:t>We received an object as a response. A data array with properties address, company, email, id, name, phone, username, and website is accessed. The properties are then assigned to the user's state and made available in the component.</a:t>
             </a:r>
           </a:p>
         </p:txBody>
@@ -2500,6 +3837,11 @@
         </p:txBody>
       </p:sp>
     </p:spTree>
+    <p:extLst>
+      <p:ext uri="{BB962C8B-B14F-4D97-AF65-F5344CB8AC3E}">
+        <p14:creationId xmlns:p14="http://schemas.microsoft.com/office/powerpoint/2010/main" val="3687272301"/>
+      </p:ext>
+    </p:extLst>
   </p:cSld>
   <p:clrMapOvr>
     <a:masterClrMapping/>
@@ -2645,7 +3987,130 @@
           <a:bodyPr vert="horz" lIns="91440" tIns="45720" rIns="91440" bIns="45720" rtlCol="0"/>
           <a:lstStyle/>
           <a:p>
-            <a:endParaRPr lang="en-US"/>
+            <a:pPr algn="l"/>
+            <a:r>
+              <a:rPr lang="en-US" b="0" i="0" u="none" strike="noStrike" dirty="0">
+                <a:solidFill>
+                  <a:srgbClr val="171717"/>
+                </a:solidFill>
+                <a:effectLst/>
+                <a:latin typeface="-apple-system"/>
+              </a:rPr>
+              <a:t>The first thing we do is import React, </a:t>
+            </a:r>
+            <a:r>
+              <a:rPr lang="en-US" b="0" i="0" u="none" strike="noStrike" dirty="0" err="1">
+                <a:solidFill>
+                  <a:srgbClr val="171717"/>
+                </a:solidFill>
+                <a:effectLst/>
+                <a:latin typeface="-apple-system"/>
+              </a:rPr>
+              <a:t>useEffect</a:t>
+            </a:r>
+            <a:r>
+              <a:rPr lang="en-US" b="0" i="0" u="none" strike="noStrike" dirty="0">
+                <a:solidFill>
+                  <a:srgbClr val="171717"/>
+                </a:solidFill>
+                <a:effectLst/>
+                <a:latin typeface="-apple-system"/>
+              </a:rPr>
+              <a:t> , and </a:t>
+            </a:r>
+            <a:r>
+              <a:rPr lang="en-US" b="0" i="0" u="none" strike="noStrike" dirty="0" err="1">
+                <a:solidFill>
+                  <a:srgbClr val="171717"/>
+                </a:solidFill>
+                <a:effectLst/>
+                <a:latin typeface="-apple-system"/>
+              </a:rPr>
+              <a:t>useState</a:t>
+            </a:r>
+            <a:r>
+              <a:rPr lang="en-US" b="0" i="0" u="none" strike="noStrike" dirty="0">
+                <a:solidFill>
+                  <a:srgbClr val="171717"/>
+                </a:solidFill>
+                <a:effectLst/>
+                <a:latin typeface="-apple-system"/>
+              </a:rPr>
+              <a:t> hooks. We also import </a:t>
+            </a:r>
+            <a:r>
+              <a:rPr lang="en-US" b="0" i="0" u="none" strike="noStrike" dirty="0" err="1">
+                <a:solidFill>
+                  <a:srgbClr val="171717"/>
+                </a:solidFill>
+                <a:effectLst/>
+                <a:latin typeface="-apple-system"/>
+              </a:rPr>
+              <a:t>Axios</a:t>
+            </a:r>
+            <a:r>
+              <a:rPr lang="en-US" b="0" i="0" u="none" strike="noStrike" dirty="0">
+                <a:solidFill>
+                  <a:srgbClr val="171717"/>
+                </a:solidFill>
+                <a:effectLst/>
+                <a:latin typeface="-apple-system"/>
+              </a:rPr>
+              <a:t> so we can make HTTP requests. In the </a:t>
+            </a:r>
+            <a:r>
+              <a:rPr lang="en-US" b="0" i="0" u="none" strike="noStrike" dirty="0" err="1">
+                <a:solidFill>
+                  <a:srgbClr val="171717"/>
+                </a:solidFill>
+                <a:effectLst/>
+                <a:latin typeface="-apple-system"/>
+              </a:rPr>
+              <a:t>useEffect</a:t>
+            </a:r>
+            <a:r>
+              <a:rPr lang="en-US" b="0" i="0" u="none" strike="noStrike" dirty="0">
+                <a:solidFill>
+                  <a:srgbClr val="171717"/>
+                </a:solidFill>
+                <a:effectLst/>
+                <a:latin typeface="-apple-system"/>
+              </a:rPr>
+              <a:t> hooks, we use the GET method to make </a:t>
+            </a:r>
+            <a:r>
+              <a:rPr lang="en-US" b="0" i="0" u="none" strike="noStrike" dirty="0" err="1">
+                <a:solidFill>
+                  <a:srgbClr val="171717"/>
+                </a:solidFill>
+                <a:effectLst/>
+                <a:latin typeface="-apple-system"/>
+              </a:rPr>
+              <a:t>aGET</a:t>
+            </a:r>
+            <a:r>
+              <a:rPr lang="en-US" b="0" i="0" u="none" strike="noStrike" dirty="0">
+                <a:solidFill>
+                  <a:srgbClr val="171717"/>
+                </a:solidFill>
+                <a:effectLst/>
+                <a:latin typeface="-apple-system"/>
+              </a:rPr>
+              <a:t> request to our endpoint, then use the then()method to get back all of the response data we use to update our user's state.</a:t>
+            </a:r>
+          </a:p>
+          <a:p>
+            <a:pPr algn="l"/>
+            <a:r>
+              <a:rPr lang="en-US" b="0" i="0" u="none" strike="noStrike" dirty="0">
+                <a:solidFill>
+                  <a:srgbClr val="171717"/>
+                </a:solidFill>
+                <a:effectLst/>
+                <a:latin typeface="-apple-system"/>
+              </a:rPr>
+              <a:t>We received an object as a response. A data array with properties address, company, email, id, name, phone, username, and website is accessed. The properties are then assigned to the user's state and made available in the component.</a:t>
+            </a:r>
           </a:p>
         </p:txBody>
       </p:sp>
@@ -2715,6 +4180,11 @@
         </p:txBody>
       </p:sp>
     </p:spTree>
+    <p:extLst>
+      <p:ext uri="{BB962C8B-B14F-4D97-AF65-F5344CB8AC3E}">
+        <p14:creationId xmlns:p14="http://schemas.microsoft.com/office/powerpoint/2010/main" val="832973561"/>
+      </p:ext>
+    </p:extLst>
   </p:cSld>
   <p:clrMapOvr>
     <a:masterClrMapping/>
@@ -2860,9 +4330,129 @@
           <a:bodyPr vert="horz" lIns="91440" tIns="45720" rIns="91440" bIns="45720" rtlCol="0"/>
           <a:lstStyle/>
           <a:p>
-            <a:r>
-              <a:rPr lang="en-US"/>
-              <a:t>สิ่งที่ทำให้ axios ได้รับความนิยมก็คือ การจัดการกับข้อผิดพลาด เนื่องจากการเขียนด้วย axios มีการ Implement ที่สั้น ทำให้อ่านแล้วเข้าใจได้ง่ายกว่า</a:t>
+            <a:pPr algn="l"/>
+            <a:r>
+              <a:rPr lang="en-US" b="0" i="0" u="none" strike="noStrike" dirty="0">
+                <a:solidFill>
+                  <a:srgbClr val="171717"/>
+                </a:solidFill>
+                <a:effectLst/>
+                <a:latin typeface="-apple-system"/>
+              </a:rPr>
+              <a:t>The first thing we do is import React, </a:t>
+            </a:r>
+            <a:r>
+              <a:rPr lang="en-US" b="0" i="0" u="none" strike="noStrike" dirty="0" err="1">
+                <a:solidFill>
+                  <a:srgbClr val="171717"/>
+                </a:solidFill>
+                <a:effectLst/>
+                <a:latin typeface="-apple-system"/>
+              </a:rPr>
+              <a:t>useEffect</a:t>
+            </a:r>
+            <a:r>
+              <a:rPr lang="en-US" b="0" i="0" u="none" strike="noStrike" dirty="0">
+                <a:solidFill>
+                  <a:srgbClr val="171717"/>
+                </a:solidFill>
+                <a:effectLst/>
+                <a:latin typeface="-apple-system"/>
+              </a:rPr>
+              <a:t> , and </a:t>
+            </a:r>
+            <a:r>
+              <a:rPr lang="en-US" b="0" i="0" u="none" strike="noStrike" dirty="0" err="1">
+                <a:solidFill>
+                  <a:srgbClr val="171717"/>
+                </a:solidFill>
+                <a:effectLst/>
+                <a:latin typeface="-apple-system"/>
+              </a:rPr>
+              <a:t>useState</a:t>
+            </a:r>
+            <a:r>
+              <a:rPr lang="en-US" b="0" i="0" u="none" strike="noStrike" dirty="0">
+                <a:solidFill>
+                  <a:srgbClr val="171717"/>
+                </a:solidFill>
+                <a:effectLst/>
+                <a:latin typeface="-apple-system"/>
+              </a:rPr>
+              <a:t> hooks. We also import </a:t>
+            </a:r>
+            <a:r>
+              <a:rPr lang="en-US" b="0" i="0" u="none" strike="noStrike" dirty="0" err="1">
+                <a:solidFill>
+                  <a:srgbClr val="171717"/>
+                </a:solidFill>
+                <a:effectLst/>
+                <a:latin typeface="-apple-system"/>
+              </a:rPr>
+              <a:t>Axios</a:t>
+            </a:r>
+            <a:r>
+              <a:rPr lang="en-US" b="0" i="0" u="none" strike="noStrike" dirty="0">
+                <a:solidFill>
+                  <a:srgbClr val="171717"/>
+                </a:solidFill>
+                <a:effectLst/>
+                <a:latin typeface="-apple-system"/>
+              </a:rPr>
+              <a:t> so we can make HTTP requests. In the </a:t>
+            </a:r>
+            <a:r>
+              <a:rPr lang="en-US" b="0" i="0" u="none" strike="noStrike" dirty="0" err="1">
+                <a:solidFill>
+                  <a:srgbClr val="171717"/>
+                </a:solidFill>
+                <a:effectLst/>
+                <a:latin typeface="-apple-system"/>
+              </a:rPr>
+              <a:t>useEffect</a:t>
+            </a:r>
+            <a:r>
+              <a:rPr lang="en-US" b="0" i="0" u="none" strike="noStrike" dirty="0">
+                <a:solidFill>
+                  <a:srgbClr val="171717"/>
+                </a:solidFill>
+                <a:effectLst/>
+                <a:latin typeface="-apple-system"/>
+              </a:rPr>
+              <a:t> hooks, we use the GET method to make </a:t>
+            </a:r>
+            <a:r>
+              <a:rPr lang="en-US" b="0" i="0" u="none" strike="noStrike" dirty="0" err="1">
+                <a:solidFill>
+                  <a:srgbClr val="171717"/>
+                </a:solidFill>
+                <a:effectLst/>
+                <a:latin typeface="-apple-system"/>
+              </a:rPr>
+              <a:t>aGET</a:t>
+            </a:r>
+            <a:r>
+              <a:rPr lang="en-US" b="0" i="0" u="none" strike="noStrike" dirty="0">
+                <a:solidFill>
+                  <a:srgbClr val="171717"/>
+                </a:solidFill>
+                <a:effectLst/>
+                <a:latin typeface="-apple-system"/>
+              </a:rPr>
+              <a:t> request to our endpoint, then use the then()method to get back all of the response data we use to update our user's state.</a:t>
+            </a:r>
+          </a:p>
+          <a:p>
+            <a:pPr algn="l"/>
+            <a:r>
+              <a:rPr lang="en-US" b="0" i="0" u="none" strike="noStrike" dirty="0">
+                <a:solidFill>
+                  <a:srgbClr val="171717"/>
+                </a:solidFill>
+                <a:effectLst/>
+                <a:latin typeface="-apple-system"/>
+              </a:rPr>
+              <a:t>We received an object as a response. A data array with properties address, company, email, id, name, phone, username, and website is accessed. The properties are then assigned to the user's state and made available in the component.</a:t>
             </a:r>
           </a:p>
         </p:txBody>
@@ -2933,6 +4523,11 @@
         </p:txBody>
       </p:sp>
     </p:spTree>
+    <p:extLst>
+      <p:ext uri="{BB962C8B-B14F-4D97-AF65-F5344CB8AC3E}">
+        <p14:creationId xmlns:p14="http://schemas.microsoft.com/office/powerpoint/2010/main" val="2266017380"/>
+      </p:ext>
+    </p:extLst>
   </p:cSld>
   <p:clrMapOvr>
     <a:masterClrMapping/>
@@ -3078,9 +4673,129 @@
           <a:bodyPr vert="horz" lIns="91440" tIns="45720" rIns="91440" bIns="45720" rtlCol="0"/>
           <a:lstStyle/>
           <a:p>
-            <a:r>
-              <a:rPr lang="en-US"/>
-              <a:t>สิ่งที่ทำให้ axios ได้รับความนิยมก็คือ การจัดการกับข้อผิดพลาด เนื่องจากการเขียนด้วย axios มีการ Implement ที่สั้น ทำให้อ่านแล้วเข้าใจได้ง่ายกว่า</a:t>
+            <a:pPr algn="l"/>
+            <a:r>
+              <a:rPr lang="en-US" b="0" i="0" u="none" strike="noStrike" dirty="0">
+                <a:solidFill>
+                  <a:srgbClr val="171717"/>
+                </a:solidFill>
+                <a:effectLst/>
+                <a:latin typeface="-apple-system"/>
+              </a:rPr>
+              <a:t>The first thing we do is import React, </a:t>
+            </a:r>
+            <a:r>
+              <a:rPr lang="en-US" b="0" i="0" u="none" strike="noStrike" dirty="0" err="1">
+                <a:solidFill>
+                  <a:srgbClr val="171717"/>
+                </a:solidFill>
+                <a:effectLst/>
+                <a:latin typeface="-apple-system"/>
+              </a:rPr>
+              <a:t>useEffect</a:t>
+            </a:r>
+            <a:r>
+              <a:rPr lang="en-US" b="0" i="0" u="none" strike="noStrike" dirty="0">
+                <a:solidFill>
+                  <a:srgbClr val="171717"/>
+                </a:solidFill>
+                <a:effectLst/>
+                <a:latin typeface="-apple-system"/>
+              </a:rPr>
+              <a:t> , and </a:t>
+            </a:r>
+            <a:r>
+              <a:rPr lang="en-US" b="0" i="0" u="none" strike="noStrike" dirty="0" err="1">
+                <a:solidFill>
+                  <a:srgbClr val="171717"/>
+                </a:solidFill>
+                <a:effectLst/>
+                <a:latin typeface="-apple-system"/>
+              </a:rPr>
+              <a:t>useState</a:t>
+            </a:r>
+            <a:r>
+              <a:rPr lang="en-US" b="0" i="0" u="none" strike="noStrike" dirty="0">
+                <a:solidFill>
+                  <a:srgbClr val="171717"/>
+                </a:solidFill>
+                <a:effectLst/>
+                <a:latin typeface="-apple-system"/>
+              </a:rPr>
+              <a:t> hooks. We also import </a:t>
+            </a:r>
+            <a:r>
+              <a:rPr lang="en-US" b="0" i="0" u="none" strike="noStrike" dirty="0" err="1">
+                <a:solidFill>
+                  <a:srgbClr val="171717"/>
+                </a:solidFill>
+                <a:effectLst/>
+                <a:latin typeface="-apple-system"/>
+              </a:rPr>
+              <a:t>Axios</a:t>
+            </a:r>
+            <a:r>
+              <a:rPr lang="en-US" b="0" i="0" u="none" strike="noStrike" dirty="0">
+                <a:solidFill>
+                  <a:srgbClr val="171717"/>
+                </a:solidFill>
+                <a:effectLst/>
+                <a:latin typeface="-apple-system"/>
+              </a:rPr>
+              <a:t> so we can make HTTP requests. In the </a:t>
+            </a:r>
+            <a:r>
+              <a:rPr lang="en-US" b="0" i="0" u="none" strike="noStrike" dirty="0" err="1">
+                <a:solidFill>
+                  <a:srgbClr val="171717"/>
+                </a:solidFill>
+                <a:effectLst/>
+                <a:latin typeface="-apple-system"/>
+              </a:rPr>
+              <a:t>useEffect</a:t>
+            </a:r>
+            <a:r>
+              <a:rPr lang="en-US" b="0" i="0" u="none" strike="noStrike" dirty="0">
+                <a:solidFill>
+                  <a:srgbClr val="171717"/>
+                </a:solidFill>
+                <a:effectLst/>
+                <a:latin typeface="-apple-system"/>
+              </a:rPr>
+              <a:t> hooks, we use the GET method to make </a:t>
+            </a:r>
+            <a:r>
+              <a:rPr lang="en-US" b="0" i="0" u="none" strike="noStrike" dirty="0" err="1">
+                <a:solidFill>
+                  <a:srgbClr val="171717"/>
+                </a:solidFill>
+                <a:effectLst/>
+                <a:latin typeface="-apple-system"/>
+              </a:rPr>
+              <a:t>aGET</a:t>
+            </a:r>
+            <a:r>
+              <a:rPr lang="en-US" b="0" i="0" u="none" strike="noStrike" dirty="0">
+                <a:solidFill>
+                  <a:srgbClr val="171717"/>
+                </a:solidFill>
+                <a:effectLst/>
+                <a:latin typeface="-apple-system"/>
+              </a:rPr>
+              <a:t> request to our endpoint, then use the then()method to get back all of the response data we use to update our user's state.</a:t>
+            </a:r>
+          </a:p>
+          <a:p>
+            <a:pPr algn="l"/>
+            <a:r>
+              <a:rPr lang="en-US" b="0" i="0" u="none" strike="noStrike" dirty="0">
+                <a:solidFill>
+                  <a:srgbClr val="171717"/>
+                </a:solidFill>
+                <a:effectLst/>
+                <a:latin typeface="-apple-system"/>
+              </a:rPr>
+              <a:t>We received an object as a response. A data array with properties address, company, email, id, name, phone, username, and website is accessed. The properties are then assigned to the user's state and made available in the component.</a:t>
             </a:r>
           </a:p>
         </p:txBody>
@@ -3151,6 +4866,11 @@
         </p:txBody>
       </p:sp>
     </p:spTree>
+    <p:extLst>
+      <p:ext uri="{BB962C8B-B14F-4D97-AF65-F5344CB8AC3E}">
+        <p14:creationId xmlns:p14="http://schemas.microsoft.com/office/powerpoint/2010/main" val="119264140"/>
+      </p:ext>
+    </p:extLst>
   </p:cSld>
   <p:clrMapOvr>
     <a:masterClrMapping/>
@@ -3338,7 +5058,7 @@
             <a:fld id="{1D8BD707-D9CF-40AE-B4C6-C98DA3205C09}" type="datetimeFigureOut">
               <a:rPr lang="en-US" smtClean="0"/>
               <a:pPr/>
-              <a:t>6/18/23</a:t>
+              <a:t>6/23/23</a:t>
             </a:fld>
             <a:endParaRPr lang="en-US"/>
           </a:p>
@@ -3503,7 +5223,7 @@
             <a:fld id="{1D8BD707-D9CF-40AE-B4C6-C98DA3205C09}" type="datetimeFigureOut">
               <a:rPr lang="en-US" smtClean="0"/>
               <a:pPr/>
-              <a:t>6/18/23</a:t>
+              <a:t>6/23/23</a:t>
             </a:fld>
             <a:endParaRPr lang="en-US"/>
           </a:p>
@@ -3678,7 +5398,7 @@
             <a:fld id="{1D8BD707-D9CF-40AE-B4C6-C98DA3205C09}" type="datetimeFigureOut">
               <a:rPr lang="en-US" smtClean="0"/>
               <a:pPr/>
-              <a:t>6/18/23</a:t>
+              <a:t>6/23/23</a:t>
             </a:fld>
             <a:endParaRPr lang="en-US"/>
           </a:p>
@@ -3843,7 +5563,7 @@
             <a:fld id="{1D8BD707-D9CF-40AE-B4C6-C98DA3205C09}" type="datetimeFigureOut">
               <a:rPr lang="en-US" smtClean="0"/>
               <a:pPr/>
-              <a:t>6/18/23</a:t>
+              <a:t>6/23/23</a:t>
             </a:fld>
             <a:endParaRPr lang="en-US"/>
           </a:p>
@@ -4085,7 +5805,7 @@
             <a:fld id="{1D8BD707-D9CF-40AE-B4C6-C98DA3205C09}" type="datetimeFigureOut">
               <a:rPr lang="en-US" smtClean="0"/>
               <a:pPr/>
-              <a:t>6/18/23</a:t>
+              <a:t>6/23/23</a:t>
             </a:fld>
             <a:endParaRPr lang="en-US"/>
           </a:p>
@@ -4367,7 +6087,7 @@
             <a:fld id="{1D8BD707-D9CF-40AE-B4C6-C98DA3205C09}" type="datetimeFigureOut">
               <a:rPr lang="en-US" smtClean="0"/>
               <a:pPr/>
-              <a:t>6/18/23</a:t>
+              <a:t>6/23/23</a:t>
             </a:fld>
             <a:endParaRPr lang="en-US"/>
           </a:p>
@@ -4783,7 +6503,7 @@
             <a:fld id="{1D8BD707-D9CF-40AE-B4C6-C98DA3205C09}" type="datetimeFigureOut">
               <a:rPr lang="en-US" smtClean="0"/>
               <a:pPr/>
-              <a:t>6/18/23</a:t>
+              <a:t>6/23/23</a:t>
             </a:fld>
             <a:endParaRPr lang="en-US"/>
           </a:p>
@@ -4897,7 +6617,7 @@
             <a:fld id="{1D8BD707-D9CF-40AE-B4C6-C98DA3205C09}" type="datetimeFigureOut">
               <a:rPr lang="en-US" smtClean="0"/>
               <a:pPr/>
-              <a:t>6/18/23</a:t>
+              <a:t>6/23/23</a:t>
             </a:fld>
             <a:endParaRPr lang="en-US"/>
           </a:p>
@@ -4989,7 +6709,7 @@
             <a:fld id="{1D8BD707-D9CF-40AE-B4C6-C98DA3205C09}" type="datetimeFigureOut">
               <a:rPr lang="en-US" smtClean="0"/>
               <a:pPr/>
-              <a:t>6/18/23</a:t>
+              <a:t>6/23/23</a:t>
             </a:fld>
             <a:endParaRPr lang="en-US"/>
           </a:p>
@@ -5261,7 +6981,7 @@
             <a:fld id="{1D8BD707-D9CF-40AE-B4C6-C98DA3205C09}" type="datetimeFigureOut">
               <a:rPr lang="en-US" smtClean="0"/>
               <a:pPr/>
-              <a:t>6/18/23</a:t>
+              <a:t>6/23/23</a:t>
             </a:fld>
             <a:endParaRPr lang="en-US"/>
           </a:p>
@@ -5510,7 +7230,7 @@
             <a:fld id="{1D8BD707-D9CF-40AE-B4C6-C98DA3205C09}" type="datetimeFigureOut">
               <a:rPr lang="en-US" smtClean="0"/>
               <a:pPr/>
-              <a:t>6/18/23</a:t>
+              <a:t>6/23/23</a:t>
             </a:fld>
             <a:endParaRPr lang="en-US"/>
           </a:p>
@@ -5718,7 +7438,7 @@
             <a:fld id="{1D8BD707-D9CF-40AE-B4C6-C98DA3205C09}" type="datetimeFigureOut">
               <a:rPr lang="en-US" smtClean="0"/>
               <a:pPr/>
-              <a:t>6/18/23</a:t>
+              <a:t>6/23/23</a:t>
             </a:fld>
             <a:endParaRPr lang="en-US"/>
           </a:p>
@@ -6415,6 +8135,38 @@
           <a:chExt cx="0" cy="0"/>
         </a:xfrm>
       </p:grpSpPr>
+      <p:pic>
+        <p:nvPicPr>
+          <p:cNvPr id="22" name="Picture 21">
+            <a:extLst>
+              <a:ext uri="{FF2B5EF4-FFF2-40B4-BE49-F238E27FC236}">
+                <a16:creationId xmlns:a16="http://schemas.microsoft.com/office/drawing/2014/main" id="{47744916-4A79-F3F1-7973-9FC1EB081AF7}"/>
+              </a:ext>
+            </a:extLst>
+          </p:cNvPr>
+          <p:cNvPicPr>
+            <a:picLocks noChangeAspect="1"/>
+          </p:cNvPicPr>
+          <p:nvPr/>
+        </p:nvPicPr>
+        <p:blipFill>
+          <a:blip r:embed="rId3">
+            <a:alphaModFix amt="50000"/>
+          </a:blip>
+          <a:stretch>
+            <a:fillRect/>
+          </a:stretch>
+        </p:blipFill>
+        <p:spPr>
+          <a:xfrm>
+            <a:off x="609600" y="1489435"/>
+            <a:ext cx="9602769" cy="8073665"/>
+          </a:xfrm>
+          <a:prstGeom prst="rect">
+            <a:avLst/>
+          </a:prstGeom>
+        </p:spPr>
+      </p:pic>
       <p:sp>
         <p:nvSpPr>
           <p:cNvPr id="2" name="Freeform 2"/>
@@ -6454,7 +8206,7 @@
             </a:pathLst>
           </a:custGeom>
           <a:blipFill>
-            <a:blip r:embed="rId3"/>
+            <a:blip r:embed="rId4"/>
             <a:stretch>
               <a:fillRect l="-369" r="-1333" b="-548111"/>
             </a:stretch>
@@ -6491,161 +8243,6 @@
                 </a:lnTo>
                 <a:lnTo>
                   <a:pt x="0" y="784860"/>
-                </a:lnTo>
-                <a:lnTo>
-                  <a:pt x="0" y="0"/>
-                </a:lnTo>
-                <a:close/>
-              </a:path>
-            </a:pathLst>
-          </a:custGeom>
-          <a:blipFill>
-            <a:blip r:embed="rId4"/>
-            <a:stretch>
-              <a:fillRect/>
-            </a:stretch>
-          </a:blipFill>
-        </p:spPr>
-      </p:sp>
-      <p:sp>
-        <p:nvSpPr>
-          <p:cNvPr id="4" name="TextBox 4"/>
-          <p:cNvSpPr txBox="1"/>
-          <p:nvPr/>
-        </p:nvSpPr>
-        <p:spPr>
-          <a:xfrm>
-            <a:off x="1028700" y="394716"/>
-            <a:ext cx="15582406" cy="642484"/>
-          </a:xfrm>
-          <a:prstGeom prst="rect">
-            <a:avLst/>
-          </a:prstGeom>
-        </p:spPr>
-        <p:txBody>
-          <a:bodyPr lIns="0" tIns="0" rIns="0" bIns="0" rtlCol="0" anchor="t">
-            <a:spAutoFit/>
-          </a:bodyPr>
-          <a:lstStyle/>
-          <a:p>
-            <a:pPr>
-              <a:lnSpc>
-                <a:spcPts val="4998"/>
-              </a:lnSpc>
-              <a:spcBef>
-                <a:spcPct val="0"/>
-              </a:spcBef>
-            </a:pPr>
-            <a:r>
-              <a:rPr lang="en-US" sz="4200" b="1" spc="105" dirty="0" err="1">
-                <a:solidFill>
-                  <a:srgbClr val="FFFFFF"/>
-                </a:solidFill>
-                <a:latin typeface="TH SarabunPSK" panose="020B0500040200020003" pitchFamily="34" charset="-34"/>
-                <a:cs typeface="TH SarabunPSK" panose="020B0500040200020003" pitchFamily="34" charset="-34"/>
-              </a:rPr>
-              <a:t>เปรียบเทียบการใช้งานระหว่าง</a:t>
-            </a:r>
-            <a:r>
-              <a:rPr lang="en-US" sz="4200" b="1" spc="105" dirty="0">
-                <a:solidFill>
-                  <a:srgbClr val="FFFFFF"/>
-                </a:solidFill>
-                <a:latin typeface="TH SarabunPSK" panose="020B0500040200020003" pitchFamily="34" charset="-34"/>
-                <a:cs typeface="TH SarabunPSK" panose="020B0500040200020003" pitchFamily="34" charset="-34"/>
-              </a:rPr>
-              <a:t> </a:t>
-            </a:r>
-            <a:r>
-              <a:rPr lang="en-US" sz="4200" b="1" spc="105" dirty="0">
-                <a:solidFill>
-                  <a:srgbClr val="FFBD59"/>
-                </a:solidFill>
-                <a:latin typeface="TH SarabunPSK" panose="020B0500040200020003" pitchFamily="34" charset="-34"/>
-                <a:cs typeface="TH SarabunPSK" panose="020B0500040200020003" pitchFamily="34" charset="-34"/>
-              </a:rPr>
-              <a:t>fetch</a:t>
-            </a:r>
-            <a:r>
-              <a:rPr lang="en-US" sz="4200" b="1" spc="105" dirty="0">
-                <a:solidFill>
-                  <a:srgbClr val="FFFFFF"/>
-                </a:solidFill>
-                <a:latin typeface="TH SarabunPSK" panose="020B0500040200020003" pitchFamily="34" charset="-34"/>
-                <a:cs typeface="TH SarabunPSK" panose="020B0500040200020003" pitchFamily="34" charset="-34"/>
-              </a:rPr>
-              <a:t> </a:t>
-            </a:r>
-            <a:r>
-              <a:rPr lang="en-US" sz="4200" b="1" spc="105" dirty="0" err="1">
-                <a:solidFill>
-                  <a:srgbClr val="FFFFFF"/>
-                </a:solidFill>
-                <a:latin typeface="TH SarabunPSK" panose="020B0500040200020003" pitchFamily="34" charset="-34"/>
-                <a:cs typeface="TH SarabunPSK" panose="020B0500040200020003" pitchFamily="34" charset="-34"/>
-              </a:rPr>
-              <a:t>และ</a:t>
-            </a:r>
-            <a:r>
-              <a:rPr lang="en-US" sz="4200" b="1" spc="105" dirty="0">
-                <a:solidFill>
-                  <a:srgbClr val="FFFFFF"/>
-                </a:solidFill>
-                <a:latin typeface="TH SarabunPSK" panose="020B0500040200020003" pitchFamily="34" charset="-34"/>
-                <a:cs typeface="TH SarabunPSK" panose="020B0500040200020003" pitchFamily="34" charset="-34"/>
-              </a:rPr>
-              <a:t> </a:t>
-            </a:r>
-            <a:r>
-              <a:rPr lang="en-US" sz="4200" b="1" spc="105" dirty="0" err="1">
-                <a:solidFill>
-                  <a:srgbClr val="FFBD59"/>
-                </a:solidFill>
-                <a:latin typeface="TH SarabunPSK" panose="020B0500040200020003" pitchFamily="34" charset="-34"/>
-                <a:cs typeface="TH SarabunPSK" panose="020B0500040200020003" pitchFamily="34" charset="-34"/>
-              </a:rPr>
-              <a:t>axios</a:t>
-            </a:r>
-            <a:endParaRPr lang="en-US" sz="4200" b="1" spc="105" dirty="0">
-              <a:solidFill>
-                <a:srgbClr val="FFBD59"/>
-              </a:solidFill>
-              <a:latin typeface="TH SarabunPSK" panose="020B0500040200020003" pitchFamily="34" charset="-34"/>
-              <a:cs typeface="TH SarabunPSK" panose="020B0500040200020003" pitchFamily="34" charset="-34"/>
-            </a:endParaRPr>
-          </a:p>
-        </p:txBody>
-      </p:sp>
-      <p:sp>
-        <p:nvSpPr>
-          <p:cNvPr id="5" name="Freeform 5"/>
-          <p:cNvSpPr/>
-          <p:nvPr/>
-        </p:nvSpPr>
-        <p:spPr>
-          <a:xfrm>
-            <a:off x="1028700" y="2798586"/>
-            <a:ext cx="7752989" cy="5907649"/>
-          </a:xfrm>
-          <a:custGeom>
-            <a:avLst/>
-            <a:gdLst/>
-            <a:ahLst/>
-            <a:cxnLst/>
-            <a:rect l="l" t="t" r="r" b="b"/>
-            <a:pathLst>
-              <a:path w="7752989" h="5907649">
-                <a:moveTo>
-                  <a:pt x="0" y="0"/>
-                </a:moveTo>
-                <a:lnTo>
-                  <a:pt x="7752989" y="0"/>
-                </a:lnTo>
-                <a:lnTo>
-                  <a:pt x="7752989" y="5907649"/>
-                </a:lnTo>
-                <a:lnTo>
-                  <a:pt x="0" y="5907649"/>
                 </a:lnTo>
                 <a:lnTo>
                   <a:pt x="0" y="0"/>
@@ -6664,60 +8261,14 @@
       </p:sp>
       <p:sp>
         <p:nvSpPr>
-          <p:cNvPr id="6" name="Freeform 6"/>
-          <p:cNvSpPr/>
-          <p:nvPr/>
-        </p:nvSpPr>
-        <p:spPr>
-          <a:xfrm>
-            <a:off x="8769685" y="2798586"/>
-            <a:ext cx="8489615" cy="5907649"/>
-          </a:xfrm>
-          <a:custGeom>
-            <a:avLst/>
-            <a:gdLst/>
-            <a:ahLst/>
-            <a:cxnLst/>
-            <a:rect l="l" t="t" r="r" b="b"/>
-            <a:pathLst>
-              <a:path w="8489615" h="5907649">
-                <a:moveTo>
-                  <a:pt x="0" y="0"/>
-                </a:moveTo>
-                <a:lnTo>
-                  <a:pt x="8489615" y="0"/>
-                </a:lnTo>
-                <a:lnTo>
-                  <a:pt x="8489615" y="5907649"/>
-                </a:lnTo>
-                <a:lnTo>
-                  <a:pt x="0" y="5907649"/>
-                </a:lnTo>
-                <a:lnTo>
-                  <a:pt x="0" y="0"/>
-                </a:lnTo>
-                <a:close/>
-              </a:path>
-            </a:pathLst>
-          </a:custGeom>
-          <a:blipFill>
-            <a:blip r:embed="rId6"/>
-            <a:stretch>
-              <a:fillRect/>
-            </a:stretch>
-          </a:blipFill>
-        </p:spPr>
-      </p:sp>
-      <p:sp>
-        <p:nvSpPr>
-          <p:cNvPr id="7" name="TextBox 7"/>
+          <p:cNvPr id="4" name="TextBox 4"/>
           <p:cNvSpPr txBox="1"/>
           <p:nvPr/>
         </p:nvSpPr>
         <p:spPr>
           <a:xfrm>
-            <a:off x="1028700" y="1953649"/>
-            <a:ext cx="7575904" cy="642484"/>
+            <a:off x="1028700" y="394716"/>
+            <a:ext cx="15582406" cy="642484"/>
           </a:xfrm>
           <a:prstGeom prst="rect">
             <a:avLst/>
@@ -6729,7 +8280,7 @@
           </a:bodyPr>
           <a:lstStyle/>
           <a:p>
-            <a:pPr marL="0" lvl="0" indent="0" algn="ctr">
+            <a:pPr>
               <a:lnSpc>
                 <a:spcPts val="4998"/>
               </a:lnSpc>
@@ -6738,28 +8289,200 @@
               </a:spcBef>
             </a:pPr>
             <a:r>
+              <a:rPr lang="th-TH" sz="4200" b="1" spc="105" dirty="0">
+                <a:solidFill>
+                  <a:srgbClr val="FFFFFF"/>
+                </a:solidFill>
+                <a:latin typeface="TH SarabunPSK" panose="020B0500040200020003" pitchFamily="34" charset="-34"/>
+                <a:cs typeface="TH SarabunPSK" panose="020B0500040200020003" pitchFamily="34" charset="-34"/>
+              </a:rPr>
+              <a:t>การใช้</a:t>
+            </a:r>
+            <a:r>
+              <a:rPr lang="en-US" sz="4200" b="1" spc="105" dirty="0" err="1">
+                <a:solidFill>
+                  <a:srgbClr val="FFFFFF"/>
+                </a:solidFill>
+                <a:latin typeface="TH SarabunPSK" panose="020B0500040200020003" pitchFamily="34" charset="-34"/>
+                <a:cs typeface="TH SarabunPSK" panose="020B0500040200020003" pitchFamily="34" charset="-34"/>
+              </a:rPr>
+              <a:t>งาน</a:t>
+            </a:r>
+            <a:r>
               <a:rPr lang="en-US" sz="4200" b="1" spc="105" dirty="0">
                 <a:solidFill>
-                  <a:srgbClr val="244357"/>
-                </a:solidFill>
-                <a:latin typeface="TH SarabunPSK" panose="020B0500040200020003" pitchFamily="34" charset="-34"/>
-                <a:cs typeface="TH SarabunPSK" panose="020B0500040200020003" pitchFamily="34" charset="-34"/>
-              </a:rPr>
-              <a:t>fetch</a:t>
-            </a:r>
-          </a:p>
-        </p:txBody>
-      </p:sp>
-      <p:sp>
-        <p:nvSpPr>
-          <p:cNvPr id="8" name="TextBox 8"/>
+                  <a:srgbClr val="FFFFFF"/>
+                </a:solidFill>
+                <a:latin typeface="TH SarabunPSK" panose="020B0500040200020003" pitchFamily="34" charset="-34"/>
+                <a:cs typeface="TH SarabunPSK" panose="020B0500040200020003" pitchFamily="34" charset="-34"/>
+              </a:rPr>
+              <a:t> </a:t>
+            </a:r>
+            <a:r>
+              <a:rPr lang="en-US" sz="4200" b="1" spc="105" dirty="0" err="1">
+                <a:solidFill>
+                  <a:srgbClr val="FFBD59"/>
+                </a:solidFill>
+                <a:latin typeface="TH SarabunPSK" panose="020B0500040200020003" pitchFamily="34" charset="-34"/>
+                <a:cs typeface="TH SarabunPSK" panose="020B0500040200020003" pitchFamily="34" charset="-34"/>
+              </a:rPr>
+              <a:t>axios</a:t>
+            </a:r>
+            <a:r>
+              <a:rPr lang="th-TH" sz="4200" b="1" spc="105" dirty="0">
+                <a:solidFill>
+                  <a:srgbClr val="FFBD59"/>
+                </a:solidFill>
+                <a:latin typeface="TH SarabunPSK" panose="020B0500040200020003" pitchFamily="34" charset="-34"/>
+                <a:cs typeface="TH SarabunPSK" panose="020B0500040200020003" pitchFamily="34" charset="-34"/>
+              </a:rPr>
+              <a:t> </a:t>
+            </a:r>
+            <a:r>
+              <a:rPr lang="th-TH" sz="4200" b="1" spc="105" dirty="0">
+                <a:solidFill>
+                  <a:srgbClr val="FFFFFF"/>
+                </a:solidFill>
+                <a:latin typeface="TH SarabunPSK" panose="020B0500040200020003" pitchFamily="34" charset="-34"/>
+                <a:cs typeface="TH SarabunPSK" panose="020B0500040200020003" pitchFamily="34" charset="-34"/>
+              </a:rPr>
+              <a:t>ร่วมกับ </a:t>
+            </a:r>
+            <a:r>
+              <a:rPr lang="en-US" sz="4200" b="1" spc="105" dirty="0" err="1">
+                <a:solidFill>
+                  <a:schemeClr val="accent6"/>
+                </a:solidFill>
+                <a:latin typeface="TH SarabunPSK" panose="020B0500040200020003" pitchFamily="34" charset="-34"/>
+                <a:cs typeface="TH SarabunPSK" panose="020B0500040200020003" pitchFamily="34" charset="-34"/>
+              </a:rPr>
+              <a:t>useEffect</a:t>
+            </a:r>
+            <a:r>
+              <a:rPr lang="en-US" sz="4200" b="1" spc="105" dirty="0">
+                <a:solidFill>
+                  <a:srgbClr val="FFFFFF"/>
+                </a:solidFill>
+                <a:latin typeface="TH SarabunPSK" panose="020B0500040200020003" pitchFamily="34" charset="-34"/>
+                <a:cs typeface="TH SarabunPSK" panose="020B0500040200020003" pitchFamily="34" charset="-34"/>
+              </a:rPr>
+              <a:t> </a:t>
+            </a:r>
+            <a:r>
+              <a:rPr lang="th-TH" sz="4200" b="1" spc="105" dirty="0">
+                <a:solidFill>
+                  <a:srgbClr val="FFFFFF"/>
+                </a:solidFill>
+                <a:latin typeface="TH SarabunPSK" panose="020B0500040200020003" pitchFamily="34" charset="-34"/>
+                <a:cs typeface="TH SarabunPSK" panose="020B0500040200020003" pitchFamily="34" charset="-34"/>
+              </a:rPr>
+              <a:t>และ </a:t>
+            </a:r>
+            <a:r>
+              <a:rPr lang="en-US" sz="4200" b="1" spc="105" dirty="0" err="1">
+                <a:solidFill>
+                  <a:schemeClr val="accent6"/>
+                </a:solidFill>
+                <a:latin typeface="TH SarabunPSK" panose="020B0500040200020003" pitchFamily="34" charset="-34"/>
+                <a:cs typeface="TH SarabunPSK" panose="020B0500040200020003" pitchFamily="34" charset="-34"/>
+              </a:rPr>
+              <a:t>useState</a:t>
+            </a:r>
+            <a:r>
+              <a:rPr lang="en-US" sz="4200" b="1" spc="105" dirty="0">
+                <a:solidFill>
+                  <a:schemeClr val="accent6"/>
+                </a:solidFill>
+                <a:latin typeface="TH SarabunPSK" panose="020B0500040200020003" pitchFamily="34" charset="-34"/>
+                <a:cs typeface="TH SarabunPSK" panose="020B0500040200020003" pitchFamily="34" charset="-34"/>
+              </a:rPr>
+              <a:t> </a:t>
+            </a:r>
+            <a:r>
+              <a:rPr lang="en-US" sz="4200" b="1" spc="105" dirty="0" err="1">
+                <a:solidFill>
+                  <a:srgbClr val="FFFFFF"/>
+                </a:solidFill>
+                <a:latin typeface="TH SarabunPSK" panose="020B0500040200020003" pitchFamily="34" charset="-34"/>
+                <a:cs typeface="TH SarabunPSK" panose="020B0500040200020003" pitchFamily="34" charset="-34"/>
+              </a:rPr>
+              <a:t>เพื่อดึงข้อมูลจาก</a:t>
+            </a:r>
+            <a:r>
+              <a:rPr lang="en-US" sz="4200" b="1" spc="105" dirty="0">
+                <a:solidFill>
+                  <a:srgbClr val="FFFFFF"/>
+                </a:solidFill>
+                <a:latin typeface="TH SarabunPSK" panose="020B0500040200020003" pitchFamily="34" charset="-34"/>
+                <a:cs typeface="TH SarabunPSK" panose="020B0500040200020003" pitchFamily="34" charset="-34"/>
+              </a:rPr>
+              <a:t> API</a:t>
+            </a:r>
+            <a:r>
+              <a:rPr lang="th-TH" sz="4200" b="1" spc="105" dirty="0">
+                <a:solidFill>
+                  <a:srgbClr val="FFBD59"/>
+                </a:solidFill>
+                <a:latin typeface="TH SarabunPSK" panose="020B0500040200020003" pitchFamily="34" charset="-34"/>
+                <a:cs typeface="TH SarabunPSK" panose="020B0500040200020003" pitchFamily="34" charset="-34"/>
+              </a:rPr>
+              <a:t> </a:t>
+            </a:r>
+            <a:endParaRPr lang="en-US" sz="4200" b="1" spc="105" dirty="0">
+              <a:solidFill>
+                <a:srgbClr val="FFBD59"/>
+              </a:solidFill>
+              <a:latin typeface="TH SarabunPSK" panose="020B0500040200020003" pitchFamily="34" charset="-34"/>
+              <a:cs typeface="TH SarabunPSK" panose="020B0500040200020003" pitchFamily="34" charset="-34"/>
+            </a:endParaRPr>
+          </a:p>
+        </p:txBody>
+      </p:sp>
+      <p:pic>
+        <p:nvPicPr>
+          <p:cNvPr id="10" name="Picture 9">
+            <a:extLst>
+              <a:ext uri="{FF2B5EF4-FFF2-40B4-BE49-F238E27FC236}">
+                <a16:creationId xmlns:a16="http://schemas.microsoft.com/office/drawing/2014/main" id="{B6298B65-C6F3-CB0B-F9D2-E65E40707B44}"/>
+              </a:ext>
+            </a:extLst>
+          </p:cNvPr>
+          <p:cNvPicPr>
+            <a:picLocks noChangeAspect="1"/>
+          </p:cNvPicPr>
+          <p:nvPr/>
+        </p:nvPicPr>
+        <p:blipFill rotWithShape="1">
+          <a:blip r:embed="rId3"/>
+          <a:srcRect t="6893" r="809" b="81945"/>
+          <a:stretch/>
+        </p:blipFill>
+        <p:spPr>
+          <a:xfrm>
+            <a:off x="609601" y="2032576"/>
+            <a:ext cx="9525000" cy="901124"/>
+          </a:xfrm>
+          <a:prstGeom prst="rect">
+            <a:avLst/>
+          </a:prstGeom>
+        </p:spPr>
+      </p:pic>
+      <p:sp>
+        <p:nvSpPr>
+          <p:cNvPr id="16" name="TextBox 6">
+            <a:extLst>
+              <a:ext uri="{FF2B5EF4-FFF2-40B4-BE49-F238E27FC236}">
+                <a16:creationId xmlns:a16="http://schemas.microsoft.com/office/drawing/2014/main" id="{16404781-03B0-2EA5-D8D3-689B0F68AA78}"/>
+              </a:ext>
+            </a:extLst>
+          </p:cNvPr>
           <p:cNvSpPr txBox="1"/>
           <p:nvPr/>
         </p:nvSpPr>
         <p:spPr>
           <a:xfrm>
-            <a:off x="8983014" y="1953649"/>
-            <a:ext cx="8276286" cy="642484"/>
+            <a:off x="10382921" y="3913669"/>
+            <a:ext cx="7439159" cy="2566087"/>
           </a:xfrm>
           <a:prstGeom prst="rect">
             <a:avLst/>
@@ -6771,7 +8494,7 @@
           </a:bodyPr>
           <a:lstStyle/>
           <a:p>
-            <a:pPr marL="0" lvl="0" indent="0" algn="ctr">
+            <a:pPr>
               <a:lnSpc>
                 <a:spcPts val="4998"/>
               </a:lnSpc>
@@ -6780,19 +8503,158 @@
               </a:spcBef>
             </a:pPr>
             <a:r>
-              <a:rPr lang="en-US" sz="4200" b="1" spc="105">
-                <a:solidFill>
-                  <a:srgbClr val="244357"/>
+              <a:rPr lang="th-TH" sz="4200" spc="105" dirty="0">
+                <a:solidFill>
+                  <a:srgbClr val="000000"/>
+                </a:solidFill>
+                <a:latin typeface="TH SarabunPSK" panose="020B0500040200020003" pitchFamily="34" charset="-34"/>
+                <a:cs typeface="TH SarabunPSK" panose="020B0500040200020003" pitchFamily="34" charset="-34"/>
+              </a:rPr>
+              <a:t>อิมพอร์ต </a:t>
+            </a:r>
+            <a:r>
+              <a:rPr lang="en-US" sz="4200" b="1" spc="105" dirty="0" err="1">
+                <a:solidFill>
+                  <a:schemeClr val="accent6"/>
+                </a:solidFill>
+                <a:latin typeface="TH SarabunPSK" panose="020B0500040200020003" pitchFamily="34" charset="-34"/>
+                <a:cs typeface="TH SarabunPSK" panose="020B0500040200020003" pitchFamily="34" charset="-34"/>
+              </a:rPr>
+              <a:t>useEffect</a:t>
+            </a:r>
+            <a:r>
+              <a:rPr lang="en-US" sz="4200" b="1" spc="105" dirty="0">
+                <a:solidFill>
+                  <a:schemeClr val="accent6"/>
+                </a:solidFill>
+                <a:latin typeface="TH SarabunPSK" panose="020B0500040200020003" pitchFamily="34" charset="-34"/>
+                <a:cs typeface="TH SarabunPSK" panose="020B0500040200020003" pitchFamily="34" charset="-34"/>
+              </a:rPr>
+              <a:t>, </a:t>
+            </a:r>
+            <a:r>
+              <a:rPr lang="en-US" sz="4200" b="1" spc="105" dirty="0" err="1">
+                <a:solidFill>
+                  <a:schemeClr val="accent6"/>
+                </a:solidFill>
+                <a:latin typeface="TH SarabunPSK" panose="020B0500040200020003" pitchFamily="34" charset="-34"/>
+                <a:cs typeface="TH SarabunPSK" panose="020B0500040200020003" pitchFamily="34" charset="-34"/>
+              </a:rPr>
+              <a:t>useState</a:t>
+            </a:r>
+            <a:r>
+              <a:rPr lang="en-US" sz="4200" spc="105" dirty="0">
+                <a:solidFill>
+                  <a:srgbClr val="000000"/>
+                </a:solidFill>
+                <a:latin typeface="TH SarabunPSK" panose="020B0500040200020003" pitchFamily="34" charset="-34"/>
+                <a:cs typeface="TH SarabunPSK" panose="020B0500040200020003" pitchFamily="34" charset="-34"/>
+              </a:rPr>
+              <a:t> </a:t>
+            </a:r>
+            <a:r>
+              <a:rPr lang="th-TH" sz="4200" spc="105" dirty="0">
+                <a:solidFill>
+                  <a:srgbClr val="000000"/>
+                </a:solidFill>
+                <a:latin typeface="TH SarabunPSK" panose="020B0500040200020003" pitchFamily="34" charset="-34"/>
+                <a:cs typeface="TH SarabunPSK" panose="020B0500040200020003" pitchFamily="34" charset="-34"/>
+              </a:rPr>
+              <a:t>เพื่อใช้งาน </a:t>
+            </a:r>
+            <a:r>
+              <a:rPr lang="en-US" sz="4200" b="1" spc="105" dirty="0">
+                <a:solidFill>
+                  <a:schemeClr val="accent6"/>
+                </a:solidFill>
+                <a:latin typeface="TH SarabunPSK" panose="020B0500040200020003" pitchFamily="34" charset="-34"/>
+                <a:cs typeface="TH SarabunPSK" panose="020B0500040200020003" pitchFamily="34" charset="-34"/>
+              </a:rPr>
+              <a:t>Hooks</a:t>
+            </a:r>
+            <a:endParaRPr lang="th-TH" sz="4200" b="1" spc="105" dirty="0">
+              <a:solidFill>
+                <a:schemeClr val="accent6"/>
+              </a:solidFill>
+              <a:latin typeface="TH SarabunPSK" panose="020B0500040200020003" pitchFamily="34" charset="-34"/>
+              <a:cs typeface="TH SarabunPSK" panose="020B0500040200020003" pitchFamily="34" charset="-34"/>
+            </a:endParaRPr>
+          </a:p>
+          <a:p>
+            <a:pPr>
+              <a:lnSpc>
+                <a:spcPts val="4998"/>
+              </a:lnSpc>
+              <a:spcBef>
+                <a:spcPct val="0"/>
+              </a:spcBef>
+            </a:pPr>
+            <a:r>
+              <a:rPr lang="th-TH" sz="4200" spc="105" dirty="0">
+                <a:solidFill>
+                  <a:srgbClr val="000000"/>
+                </a:solidFill>
+                <a:latin typeface="TH SarabunPSK" panose="020B0500040200020003" pitchFamily="34" charset="-34"/>
+                <a:cs typeface="TH SarabunPSK" panose="020B0500040200020003" pitchFamily="34" charset="-34"/>
+              </a:rPr>
+              <a:t>อิมพอร์ต </a:t>
+            </a:r>
+            <a:r>
+              <a:rPr lang="en-US" sz="4200" b="1" spc="105" dirty="0" err="1">
+                <a:solidFill>
+                  <a:schemeClr val="accent6"/>
                 </a:solidFill>
                 <a:latin typeface="TH SarabunPSK" panose="020B0500040200020003" pitchFamily="34" charset="-34"/>
                 <a:cs typeface="TH SarabunPSK" panose="020B0500040200020003" pitchFamily="34" charset="-34"/>
               </a:rPr>
               <a:t>axios</a:t>
             </a:r>
+            <a:r>
+              <a:rPr lang="en-US" sz="4200" spc="105" dirty="0">
+                <a:solidFill>
+                  <a:srgbClr val="000000"/>
+                </a:solidFill>
+                <a:latin typeface="TH SarabunPSK" panose="020B0500040200020003" pitchFamily="34" charset="-34"/>
+                <a:cs typeface="TH SarabunPSK" panose="020B0500040200020003" pitchFamily="34" charset="-34"/>
+              </a:rPr>
+              <a:t> </a:t>
+            </a:r>
+            <a:r>
+              <a:rPr lang="th-TH" sz="4200" spc="105" dirty="0">
+                <a:solidFill>
+                  <a:srgbClr val="000000"/>
+                </a:solidFill>
+                <a:latin typeface="TH SarabunPSK" panose="020B0500040200020003" pitchFamily="34" charset="-34"/>
+                <a:cs typeface="TH SarabunPSK" panose="020B0500040200020003" pitchFamily="34" charset="-34"/>
+              </a:rPr>
+              <a:t>เพื่อใช้รับข้อมูลด้วยโปรโตคอล </a:t>
+            </a:r>
+            <a:r>
+              <a:rPr lang="en-US" sz="4200" spc="105" dirty="0">
+                <a:solidFill>
+                  <a:srgbClr val="000000"/>
+                </a:solidFill>
+                <a:latin typeface="TH SarabunPSK" panose="020B0500040200020003" pitchFamily="34" charset="-34"/>
+                <a:cs typeface="TH SarabunPSK" panose="020B0500040200020003" pitchFamily="34" charset="-34"/>
+              </a:rPr>
+              <a:t>HTTP</a:t>
+            </a:r>
+            <a:endParaRPr lang="th-TH" sz="4200" spc="105" dirty="0">
+              <a:solidFill>
+                <a:srgbClr val="000000"/>
+              </a:solidFill>
+              <a:latin typeface="TH SarabunPSK" panose="020B0500040200020003" pitchFamily="34" charset="-34"/>
+              <a:cs typeface="TH SarabunPSK" panose="020B0500040200020003" pitchFamily="34" charset="-34"/>
+            </a:endParaRPr>
           </a:p>
         </p:txBody>
       </p:sp>
     </p:spTree>
+    <p:extLst>
+      <p:ext uri="{BB962C8B-B14F-4D97-AF65-F5344CB8AC3E}">
+        <p14:creationId xmlns:p14="http://schemas.microsoft.com/office/powerpoint/2010/main" val="2842063777"/>
+      </p:ext>
+    </p:extLst>
   </p:cSld>
   <p:clrMapOvr>
     <a:masterClrMapping/>
@@ -6825,6 +8687,38 @@
           <a:chExt cx="0" cy="0"/>
         </a:xfrm>
       </p:grpSpPr>
+      <p:pic>
+        <p:nvPicPr>
+          <p:cNvPr id="22" name="Picture 21">
+            <a:extLst>
+              <a:ext uri="{FF2B5EF4-FFF2-40B4-BE49-F238E27FC236}">
+                <a16:creationId xmlns:a16="http://schemas.microsoft.com/office/drawing/2014/main" id="{47744916-4A79-F3F1-7973-9FC1EB081AF7}"/>
+              </a:ext>
+            </a:extLst>
+          </p:cNvPr>
+          <p:cNvPicPr>
+            <a:picLocks noChangeAspect="1"/>
+          </p:cNvPicPr>
+          <p:nvPr/>
+        </p:nvPicPr>
+        <p:blipFill>
+          <a:blip r:embed="rId3">
+            <a:alphaModFix amt="50000"/>
+          </a:blip>
+          <a:stretch>
+            <a:fillRect/>
+          </a:stretch>
+        </p:blipFill>
+        <p:spPr>
+          <a:xfrm>
+            <a:off x="609600" y="1489435"/>
+            <a:ext cx="9602769" cy="8073665"/>
+          </a:xfrm>
+          <a:prstGeom prst="rect">
+            <a:avLst/>
+          </a:prstGeom>
+        </p:spPr>
+      </p:pic>
       <p:sp>
         <p:nvSpPr>
           <p:cNvPr id="2" name="Freeform 2"/>
@@ -6864,7 +8758,7 @@
             </a:pathLst>
           </a:custGeom>
           <a:blipFill>
-            <a:blip r:embed="rId3"/>
+            <a:blip r:embed="rId4"/>
             <a:stretch>
               <a:fillRect l="-369" r="-1333" b="-548111"/>
             </a:stretch>
@@ -6901,52 +8795,6 @@
                 </a:lnTo>
                 <a:lnTo>
                   <a:pt x="0" y="784860"/>
-                </a:lnTo>
-                <a:lnTo>
-                  <a:pt x="0" y="0"/>
-                </a:lnTo>
-                <a:close/>
-              </a:path>
-            </a:pathLst>
-          </a:custGeom>
-          <a:blipFill>
-            <a:blip r:embed="rId4"/>
-            <a:stretch>
-              <a:fillRect/>
-            </a:stretch>
-          </a:blipFill>
-        </p:spPr>
-      </p:sp>
-      <p:sp>
-        <p:nvSpPr>
-          <p:cNvPr id="4" name="Freeform 4"/>
-          <p:cNvSpPr/>
-          <p:nvPr/>
-        </p:nvSpPr>
-        <p:spPr>
-          <a:xfrm>
-            <a:off x="1028700" y="2771872"/>
-            <a:ext cx="9095325" cy="5703527"/>
-          </a:xfrm>
-          <a:custGeom>
-            <a:avLst/>
-            <a:gdLst/>
-            <a:ahLst/>
-            <a:cxnLst/>
-            <a:rect l="l" t="t" r="r" b="b"/>
-            <a:pathLst>
-              <a:path w="9095325" h="5703527">
-                <a:moveTo>
-                  <a:pt x="0" y="0"/>
-                </a:moveTo>
-                <a:lnTo>
-                  <a:pt x="9095325" y="0"/>
-                </a:lnTo>
-                <a:lnTo>
-                  <a:pt x="9095325" y="5703527"/>
-                </a:lnTo>
-                <a:lnTo>
-                  <a:pt x="0" y="5703527"/>
                 </a:lnTo>
                 <a:lnTo>
                   <a:pt x="0" y="0"/>
@@ -6965,7 +8813,7 @@
       </p:sp>
       <p:sp>
         <p:nvSpPr>
-          <p:cNvPr id="5" name="TextBox 5"/>
+          <p:cNvPr id="4" name="TextBox 4"/>
           <p:cNvSpPr txBox="1"/>
           <p:nvPr/>
         </p:nvSpPr>
@@ -6993,6 +8841,16 @@
               </a:spcBef>
             </a:pPr>
             <a:r>
+              <a:rPr lang="th-TH" sz="4200" b="1" spc="105" dirty="0">
+                <a:solidFill>
+                  <a:srgbClr val="FFFFFF"/>
+                </a:solidFill>
+                <a:latin typeface="TH SarabunPSK" panose="020B0500040200020003" pitchFamily="34" charset="-34"/>
+                <a:cs typeface="TH SarabunPSK" panose="020B0500040200020003" pitchFamily="34" charset="-34"/>
+              </a:rPr>
+              <a:t>การใช้</a:t>
+            </a:r>
+            <a:r>
               <a:rPr lang="en-US" sz="4200" b="1" spc="105" dirty="0" err="1">
                 <a:solidFill>
                   <a:srgbClr val="FFFFFF"/>
@@ -7000,7 +8858,7 @@
                 <a:latin typeface="TH SarabunPSK" panose="020B0500040200020003" pitchFamily="34" charset="-34"/>
                 <a:cs typeface="TH SarabunPSK" panose="020B0500040200020003" pitchFamily="34" charset="-34"/>
               </a:rPr>
-              <a:t>เปรียบเทียบการใช้งานระหว่าง</a:t>
+              <a:t>งาน</a:t>
             </a:r>
             <a:r>
               <a:rPr lang="en-US" sz="4200" b="1" spc="105" dirty="0">
@@ -7013,54 +8871,114 @@
               <a:t> </a:t>
             </a:r>
             <a:r>
+              <a:rPr lang="en-US" sz="4200" b="1" spc="105" dirty="0" err="1">
+                <a:solidFill>
+                  <a:srgbClr val="FFBD59"/>
+                </a:solidFill>
+                <a:latin typeface="TH SarabunPSK" panose="020B0500040200020003" pitchFamily="34" charset="-34"/>
+                <a:cs typeface="TH SarabunPSK" panose="020B0500040200020003" pitchFamily="34" charset="-34"/>
+              </a:rPr>
+              <a:t>axios</a:t>
+            </a:r>
+            <a:r>
+              <a:rPr lang="th-TH" sz="4200" b="1" spc="105" dirty="0">
+                <a:solidFill>
+                  <a:srgbClr val="FFBD59"/>
+                </a:solidFill>
+                <a:latin typeface="TH SarabunPSK" panose="020B0500040200020003" pitchFamily="34" charset="-34"/>
+                <a:cs typeface="TH SarabunPSK" panose="020B0500040200020003" pitchFamily="34" charset="-34"/>
+              </a:rPr>
+              <a:t> </a:t>
+            </a:r>
+            <a:r>
+              <a:rPr lang="th-TH" sz="4200" b="1" spc="105" dirty="0">
+                <a:solidFill>
+                  <a:srgbClr val="FFFFFF"/>
+                </a:solidFill>
+                <a:latin typeface="TH SarabunPSK" panose="020B0500040200020003" pitchFamily="34" charset="-34"/>
+                <a:cs typeface="TH SarabunPSK" panose="020B0500040200020003" pitchFamily="34" charset="-34"/>
+              </a:rPr>
+              <a:t>ร่วมกับ </a:t>
+            </a:r>
+            <a:r>
+              <a:rPr lang="en-US" sz="4200" b="1" spc="105" dirty="0" err="1">
+                <a:solidFill>
+                  <a:schemeClr val="accent6"/>
+                </a:solidFill>
+                <a:latin typeface="TH SarabunPSK" panose="020B0500040200020003" pitchFamily="34" charset="-34"/>
+                <a:cs typeface="TH SarabunPSK" panose="020B0500040200020003" pitchFamily="34" charset="-34"/>
+              </a:rPr>
+              <a:t>useEffect</a:t>
+            </a:r>
+            <a:r>
               <a:rPr lang="en-US" sz="4200" b="1" spc="105" dirty="0">
                 <a:solidFill>
+                  <a:srgbClr val="FFFFFF"/>
+                </a:solidFill>
+                <a:latin typeface="TH SarabunPSK" panose="020B0500040200020003" pitchFamily="34" charset="-34"/>
+                <a:cs typeface="TH SarabunPSK" panose="020B0500040200020003" pitchFamily="34" charset="-34"/>
+              </a:rPr>
+              <a:t> </a:t>
+            </a:r>
+            <a:r>
+              <a:rPr lang="th-TH" sz="4200" b="1" spc="105" dirty="0">
+                <a:solidFill>
+                  <a:srgbClr val="FFFFFF"/>
+                </a:solidFill>
+                <a:latin typeface="TH SarabunPSK" panose="020B0500040200020003" pitchFamily="34" charset="-34"/>
+                <a:cs typeface="TH SarabunPSK" panose="020B0500040200020003" pitchFamily="34" charset="-34"/>
+              </a:rPr>
+              <a:t>และ </a:t>
+            </a:r>
+            <a:r>
+              <a:rPr lang="en-US" sz="4200" b="1" spc="105" dirty="0" err="1">
+                <a:solidFill>
+                  <a:schemeClr val="accent6"/>
+                </a:solidFill>
+                <a:latin typeface="TH SarabunPSK" panose="020B0500040200020003" pitchFamily="34" charset="-34"/>
+                <a:cs typeface="TH SarabunPSK" panose="020B0500040200020003" pitchFamily="34" charset="-34"/>
+              </a:rPr>
+              <a:t>useState</a:t>
+            </a:r>
+            <a:r>
+              <a:rPr lang="en-US" sz="4200" b="1" spc="105" dirty="0">
+                <a:solidFill>
+                  <a:schemeClr val="accent6"/>
+                </a:solidFill>
+                <a:latin typeface="TH SarabunPSK" panose="020B0500040200020003" pitchFamily="34" charset="-34"/>
+                <a:cs typeface="TH SarabunPSK" panose="020B0500040200020003" pitchFamily="34" charset="-34"/>
+              </a:rPr>
+              <a:t> </a:t>
+            </a:r>
+            <a:r>
+              <a:rPr lang="en-US" sz="4200" b="1" spc="105" dirty="0" err="1">
+                <a:solidFill>
+                  <a:srgbClr val="FFFFFF"/>
+                </a:solidFill>
+                <a:latin typeface="TH SarabunPSK" panose="020B0500040200020003" pitchFamily="34" charset="-34"/>
+                <a:cs typeface="TH SarabunPSK" panose="020B0500040200020003" pitchFamily="34" charset="-34"/>
+              </a:rPr>
+              <a:t>เพื่อดึงข้อมูลจาก</a:t>
+            </a:r>
+            <a:r>
+              <a:rPr lang="en-US" sz="4200" b="1" spc="105" dirty="0">
+                <a:solidFill>
+                  <a:srgbClr val="FFFFFF"/>
+                </a:solidFill>
+                <a:latin typeface="TH SarabunPSK" panose="020B0500040200020003" pitchFamily="34" charset="-34"/>
+                <a:cs typeface="TH SarabunPSK" panose="020B0500040200020003" pitchFamily="34" charset="-34"/>
+              </a:rPr>
+              <a:t> API</a:t>
+            </a:r>
+            <a:r>
+              <a:rPr lang="th-TH" sz="4200" b="1" spc="105" dirty="0">
+                <a:solidFill>
                   <a:srgbClr val="FFBD59"/>
                 </a:solidFill>
                 <a:latin typeface="TH SarabunPSK" panose="020B0500040200020003" pitchFamily="34" charset="-34"/>
                 <a:cs typeface="TH SarabunPSK" panose="020B0500040200020003" pitchFamily="34" charset="-34"/>
               </a:rPr>
-              <a:t>fetch</a:t>
-            </a:r>
-            <a:r>
-              <a:rPr lang="en-US" sz="4200" b="1" spc="105" dirty="0">
-                <a:solidFill>
-                  <a:srgbClr val="FFFFFF"/>
-                </a:solidFill>
-                <a:latin typeface="TH SarabunPSK" panose="020B0500040200020003" pitchFamily="34" charset="-34"/>
-                <a:cs typeface="TH SarabunPSK" panose="020B0500040200020003" pitchFamily="34" charset="-34"/>
-              </a:rPr>
               <a:t> </a:t>
-            </a:r>
-            <a:r>
-              <a:rPr lang="en-US" sz="4200" b="1" spc="105" dirty="0" err="1">
-                <a:solidFill>
-                  <a:srgbClr val="FFFFFF"/>
-                </a:solidFill>
-                <a:latin typeface="TH SarabunPSK" panose="020B0500040200020003" pitchFamily="34" charset="-34"/>
-                <a:cs typeface="TH SarabunPSK" panose="020B0500040200020003" pitchFamily="34" charset="-34"/>
-              </a:rPr>
-              <a:t>และ</a:t>
-            </a:r>
-            <a:r>
-              <a:rPr lang="en-US" sz="4200" b="1" spc="105" dirty="0">
-                <a:solidFill>
-                  <a:srgbClr val="FFFFFF"/>
-                </a:solidFill>
-                <a:latin typeface="TH SarabunPSK" panose="020B0500040200020003" pitchFamily="34" charset="-34"/>
-                <a:cs typeface="TH SarabunPSK" panose="020B0500040200020003" pitchFamily="34" charset="-34"/>
-              </a:rPr>
-              <a:t> </a:t>
-            </a:r>
-            <a:r>
-              <a:rPr lang="en-US" sz="4200" b="1" spc="105" dirty="0" err="1">
-                <a:solidFill>
-                  <a:srgbClr val="FFBD59"/>
-                </a:solidFill>
-                <a:latin typeface="TH SarabunPSK" panose="020B0500040200020003" pitchFamily="34" charset="-34"/>
-                <a:cs typeface="TH SarabunPSK" panose="020B0500040200020003" pitchFamily="34" charset="-34"/>
-              </a:rPr>
-              <a:t>axios</a:t>
             </a:r>
             <a:endParaRPr lang="en-US" sz="4200" b="1" spc="105" dirty="0">
               <a:solidFill>
@@ -7072,9 +8990,44 @@
           </a:p>
         </p:txBody>
       </p:sp>
-      <p:sp>
-        <p:nvSpPr>
-          <p:cNvPr id="6" name="TextBox 6"/>
+      <p:pic>
+        <p:nvPicPr>
+          <p:cNvPr id="10" name="Picture 9">
+            <a:extLst>
+              <a:ext uri="{FF2B5EF4-FFF2-40B4-BE49-F238E27FC236}">
+                <a16:creationId xmlns:a16="http://schemas.microsoft.com/office/drawing/2014/main" id="{B6298B65-C6F3-CB0B-F9D2-E65E40707B44}"/>
+              </a:ext>
+            </a:extLst>
+          </p:cNvPr>
+          <p:cNvPicPr>
+            <a:picLocks noChangeAspect="1"/>
+          </p:cNvPicPr>
+          <p:nvPr/>
+        </p:nvPicPr>
+        <p:blipFill rotWithShape="1">
+          <a:blip r:embed="rId3"/>
+          <a:srcRect t="21831" r="809" b="74394"/>
+          <a:stretch/>
+        </p:blipFill>
+        <p:spPr>
+          <a:xfrm>
+            <a:off x="609601" y="3238500"/>
+            <a:ext cx="9525000" cy="304800"/>
+          </a:xfrm>
+          <a:prstGeom prst="rect">
+            <a:avLst/>
+          </a:prstGeom>
+        </p:spPr>
+      </p:pic>
+      <p:sp>
+        <p:nvSpPr>
+          <p:cNvPr id="16" name="TextBox 6">
+            <a:extLst>
+              <a:ext uri="{FF2B5EF4-FFF2-40B4-BE49-F238E27FC236}">
+                <a16:creationId xmlns:a16="http://schemas.microsoft.com/office/drawing/2014/main" id="{16404781-03B0-2EA5-D8D3-689B0F68AA78}"/>
+              </a:ext>
+            </a:extLst>
+          </p:cNvPr>
           <p:cNvSpPr txBox="1"/>
           <p:nvPr/>
         </p:nvSpPr>
@@ -7102,14 +9055,124 @@
               </a:spcBef>
             </a:pPr>
             <a:r>
+              <a:rPr lang="th-TH" sz="4200" spc="105" dirty="0">
+                <a:solidFill>
+                  <a:srgbClr val="000000"/>
+                </a:solidFill>
+                <a:latin typeface="TH SarabunPSK" panose="020B0500040200020003" pitchFamily="34" charset="-34"/>
+                <a:cs typeface="TH SarabunPSK" panose="020B0500040200020003" pitchFamily="34" charset="-34"/>
+              </a:rPr>
+              <a:t>ประกาศตัวแปร </a:t>
+            </a:r>
+            <a:r>
+              <a:rPr lang="en-US" sz="4200" b="1" spc="105" dirty="0">
+                <a:solidFill>
+                  <a:schemeClr val="accent6"/>
+                </a:solidFill>
+                <a:latin typeface="TH SarabunPSK" panose="020B0500040200020003" pitchFamily="34" charset="-34"/>
+                <a:cs typeface="TH SarabunPSK" panose="020B0500040200020003" pitchFamily="34" charset="-34"/>
+              </a:rPr>
+              <a:t>post</a:t>
+            </a:r>
+            <a:r>
+              <a:rPr lang="en-US" sz="4200" spc="105" dirty="0">
+                <a:solidFill>
+                  <a:srgbClr val="000000"/>
+                </a:solidFill>
+                <a:latin typeface="TH SarabunPSK" panose="020B0500040200020003" pitchFamily="34" charset="-34"/>
+                <a:cs typeface="TH SarabunPSK" panose="020B0500040200020003" pitchFamily="34" charset="-34"/>
+              </a:rPr>
+              <a:t> </a:t>
+            </a:r>
+            <a:r>
+              <a:rPr lang="th-TH" sz="4200" spc="105" dirty="0">
+                <a:solidFill>
+                  <a:srgbClr val="000000"/>
+                </a:solidFill>
+                <a:latin typeface="TH SarabunPSK" panose="020B0500040200020003" pitchFamily="34" charset="-34"/>
+                <a:cs typeface="TH SarabunPSK" panose="020B0500040200020003" pitchFamily="34" charset="-34"/>
+              </a:rPr>
+              <a:t>ไว้สำหรับเก็บข้อมูล</a:t>
+            </a:r>
+            <a:r>
+              <a:rPr lang="en-US" sz="4200" spc="105" dirty="0">
+                <a:solidFill>
+                  <a:srgbClr val="000000"/>
+                </a:solidFill>
+                <a:latin typeface="TH SarabunPSK" panose="020B0500040200020003" pitchFamily="34" charset="-34"/>
+                <a:cs typeface="TH SarabunPSK" panose="020B0500040200020003" pitchFamily="34" charset="-34"/>
+              </a:rPr>
+              <a:t> </a:t>
+            </a:r>
+            <a:r>
+              <a:rPr lang="th-TH" sz="4200" spc="105" dirty="0">
+                <a:solidFill>
+                  <a:srgbClr val="000000"/>
+                </a:solidFill>
+                <a:latin typeface="TH SarabunPSK" panose="020B0500040200020003" pitchFamily="34" charset="-34"/>
+                <a:cs typeface="TH SarabunPSK" panose="020B0500040200020003" pitchFamily="34" charset="-34"/>
+              </a:rPr>
+              <a:t>และสร้าง</a:t>
+            </a:r>
+            <a:r>
+              <a:rPr lang="th-TH" sz="4200" spc="105" dirty="0" err="1">
+                <a:solidFill>
+                  <a:srgbClr val="000000"/>
+                </a:solidFill>
+                <a:latin typeface="TH SarabunPSK" panose="020B0500040200020003" pitchFamily="34" charset="-34"/>
+                <a:cs typeface="TH SarabunPSK" panose="020B0500040200020003" pitchFamily="34" charset="-34"/>
+              </a:rPr>
+              <a:t>ฟั</a:t>
+            </a:r>
+            <a:r>
+              <a:rPr lang="th-TH" sz="4200" spc="105" dirty="0">
+                <a:solidFill>
+                  <a:srgbClr val="000000"/>
+                </a:solidFill>
+                <a:latin typeface="TH SarabunPSK" panose="020B0500040200020003" pitchFamily="34" charset="-34"/>
+                <a:cs typeface="TH SarabunPSK" panose="020B0500040200020003" pitchFamily="34" charset="-34"/>
+              </a:rPr>
+              <a:t>งก</a:t>
+            </a:r>
+            <a:r>
+              <a:rPr lang="th-TH" sz="4200" spc="105" dirty="0" err="1">
+                <a:solidFill>
+                  <a:srgbClr val="000000"/>
+                </a:solidFill>
+                <a:latin typeface="TH SarabunPSK" panose="020B0500040200020003" pitchFamily="34" charset="-34"/>
+                <a:cs typeface="TH SarabunPSK" panose="020B0500040200020003" pitchFamily="34" charset="-34"/>
+              </a:rPr>
+              <a:t>์ชั่น</a:t>
+            </a:r>
+            <a:r>
+              <a:rPr lang="th-TH" sz="4200" spc="105" dirty="0">
+                <a:solidFill>
+                  <a:srgbClr val="000000"/>
+                </a:solidFill>
+                <a:latin typeface="TH SarabunPSK" panose="020B0500040200020003" pitchFamily="34" charset="-34"/>
+                <a:cs typeface="TH SarabunPSK" panose="020B0500040200020003" pitchFamily="34" charset="-34"/>
+              </a:rPr>
+              <a:t> </a:t>
+            </a:r>
+            <a:r>
               <a:rPr lang="en-US" sz="4200" b="1" spc="105" dirty="0" err="1">
                 <a:solidFill>
-                  <a:srgbClr val="FFBD59"/>
-                </a:solidFill>
-                <a:latin typeface="TH SarabunPSK" panose="020B0500040200020003" pitchFamily="34" charset="-34"/>
-                <a:cs typeface="TH SarabunPSK" panose="020B0500040200020003" pitchFamily="34" charset="-34"/>
-              </a:rPr>
-              <a:t>axios</a:t>
+                  <a:schemeClr val="accent6"/>
+                </a:solidFill>
+                <a:latin typeface="TH SarabunPSK" panose="020B0500040200020003" pitchFamily="34" charset="-34"/>
+                <a:cs typeface="TH SarabunPSK" panose="020B0500040200020003" pitchFamily="34" charset="-34"/>
+              </a:rPr>
+              <a:t>setPost</a:t>
+            </a:r>
+            <a:r>
+              <a:rPr lang="en-US" sz="4200" b="1" spc="105" dirty="0">
+                <a:solidFill>
+                  <a:schemeClr val="accent6"/>
+                </a:solidFill>
+                <a:latin typeface="TH SarabunPSK" panose="020B0500040200020003" pitchFamily="34" charset="-34"/>
+                <a:cs typeface="TH SarabunPSK" panose="020B0500040200020003" pitchFamily="34" charset="-34"/>
+              </a:rPr>
+              <a:t>()</a:t>
             </a:r>
             <a:r>
               <a:rPr lang="en-US" sz="4200" spc="105" dirty="0">
@@ -7122,14 +9185,14 @@
               <a:t> </a:t>
             </a:r>
             <a:r>
-              <a:rPr lang="en-US" sz="4200" spc="105" dirty="0" err="1">
+              <a:rPr lang="th-TH" sz="4200" spc="105" dirty="0">
                 <a:solidFill>
                   <a:srgbClr val="000000"/>
                 </a:solidFill>
                 <a:latin typeface="TH SarabunPSK" panose="020B0500040200020003" pitchFamily="34" charset="-34"/>
                 <a:cs typeface="TH SarabunPSK" panose="020B0500040200020003" pitchFamily="34" charset="-34"/>
               </a:rPr>
-              <a:t>แปลงข้อมูลที่เป็น</a:t>
+              <a:t>ไว้สำหรับ </a:t>
             </a:r>
             <a:r>
               <a:rPr lang="en-US" sz="4200" spc="105" dirty="0">
@@ -7139,27 +9202,17 @@
                 <a:latin typeface="TH SarabunPSK" panose="020B0500040200020003" pitchFamily="34" charset="-34"/>
                 <a:cs typeface="TH SarabunPSK" panose="020B0500040200020003" pitchFamily="34" charset="-34"/>
               </a:rPr>
-              <a:t> JSON </a:t>
-            </a:r>
-          </a:p>
-          <a:p>
-            <a:pPr>
-              <a:lnSpc>
-                <a:spcPts val="4998"/>
-              </a:lnSpc>
-              <a:spcBef>
-                <a:spcPct val="0"/>
-              </a:spcBef>
-            </a:pPr>
-            <a:r>
-              <a:rPr lang="en-US" sz="4200" spc="105" dirty="0" err="1">
+              <a:t>set </a:t>
+            </a:r>
+            <a:r>
+              <a:rPr lang="th-TH" sz="4200" spc="105" dirty="0">
                 <a:solidFill>
                   <a:srgbClr val="000000"/>
                 </a:solidFill>
                 <a:latin typeface="TH SarabunPSK" panose="020B0500040200020003" pitchFamily="34" charset="-34"/>
                 <a:cs typeface="TH SarabunPSK" panose="020B0500040200020003" pitchFamily="34" charset="-34"/>
               </a:rPr>
-              <a:t>ให้เราโดยอัตโนมัติ</a:t>
+              <a:t>ค่าให้ตัวแปร </a:t>
             </a:r>
             <a:r>
               <a:rPr lang="en-US" sz="4200" spc="105" dirty="0">
@@ -7169,139 +9222,115 @@
                 <a:latin typeface="TH SarabunPSK" panose="020B0500040200020003" pitchFamily="34" charset="-34"/>
                 <a:cs typeface="TH SarabunPSK" panose="020B0500040200020003" pitchFamily="34" charset="-34"/>
               </a:rPr>
+              <a:t>post </a:t>
+            </a:r>
+            <a:r>
+              <a:rPr lang="th-TH" sz="4200" spc="105" dirty="0">
+                <a:solidFill>
+                  <a:srgbClr val="000000"/>
+                </a:solidFill>
+                <a:latin typeface="TH SarabunPSK" panose="020B0500040200020003" pitchFamily="34" charset="-34"/>
+                <a:cs typeface="TH SarabunPSK" panose="020B0500040200020003" pitchFamily="34" charset="-34"/>
+              </a:rPr>
+              <a:t>ด้วย </a:t>
+            </a:r>
+            <a:r>
+              <a:rPr lang="en-US" sz="4200" b="1" spc="105" dirty="0" err="1">
+                <a:solidFill>
+                  <a:schemeClr val="accent6"/>
+                </a:solidFill>
+                <a:latin typeface="TH SarabunPSK" panose="020B0500040200020003" pitchFamily="34" charset="-34"/>
+                <a:cs typeface="TH SarabunPSK" panose="020B0500040200020003" pitchFamily="34" charset="-34"/>
+              </a:rPr>
+              <a:t>useState</a:t>
+            </a:r>
+            <a:r>
+              <a:rPr lang="en-US" sz="4200" b="1" spc="105" dirty="0">
+                <a:solidFill>
+                  <a:srgbClr val="000000"/>
+                </a:solidFill>
+                <a:latin typeface="TH SarabunPSK" panose="020B0500040200020003" pitchFamily="34" charset="-34"/>
+                <a:cs typeface="TH SarabunPSK" panose="020B0500040200020003" pitchFamily="34" charset="-34"/>
+              </a:rPr>
               <a:t> </a:t>
             </a:r>
-          </a:p>
-          <a:p>
-            <a:pPr>
-              <a:lnSpc>
-                <a:spcPts val="4998"/>
-              </a:lnSpc>
-              <a:spcBef>
-                <a:spcPct val="0"/>
-              </a:spcBef>
-            </a:pPr>
-            <a:endParaRPr lang="en-US" sz="4200" spc="105" dirty="0">
+            <a:r>
+              <a:rPr lang="en-US" sz="4200" b="1" spc="105" dirty="0">
+                <a:solidFill>
+                  <a:schemeClr val="accent6"/>
+                </a:solidFill>
+                <a:latin typeface="TH SarabunPSK" panose="020B0500040200020003" pitchFamily="34" charset="-34"/>
+                <a:cs typeface="TH SarabunPSK" panose="020B0500040200020003" pitchFamily="34" charset="-34"/>
+              </a:rPr>
+              <a:t>hook</a:t>
+            </a:r>
+            <a:r>
+              <a:rPr lang="th-TH" sz="4200" b="1" spc="105" dirty="0">
+                <a:solidFill>
+                  <a:schemeClr val="accent6"/>
+                </a:solidFill>
+                <a:latin typeface="TH SarabunPSK" panose="020B0500040200020003" pitchFamily="34" charset="-34"/>
+                <a:cs typeface="TH SarabunPSK" panose="020B0500040200020003" pitchFamily="34" charset="-34"/>
+              </a:rPr>
+              <a:t> </a:t>
+            </a:r>
+            <a:r>
+              <a:rPr lang="th-TH" sz="4200" spc="105" dirty="0">
+                <a:latin typeface="TH SarabunPSK" panose="020B0500040200020003" pitchFamily="34" charset="-34"/>
+                <a:cs typeface="TH SarabunPSK" panose="020B0500040200020003" pitchFamily="34" charset="-34"/>
+              </a:rPr>
+              <a:t>พร้อมด้วยค่าเริ่มต้นเป็นอา</a:t>
+            </a:r>
+            <a:r>
+              <a:rPr lang="th-TH" sz="4200" spc="105" dirty="0" err="1">
+                <a:latin typeface="TH SarabunPSK" panose="020B0500040200020003" pitchFamily="34" charset="-34"/>
+                <a:cs typeface="TH SarabunPSK" panose="020B0500040200020003" pitchFamily="34" charset="-34"/>
+              </a:rPr>
+              <a:t>เรย์เป</a:t>
+            </a:r>
+            <a:r>
+              <a:rPr lang="th-TH" sz="4200" spc="105" dirty="0">
+                <a:latin typeface="TH SarabunPSK" panose="020B0500040200020003" pitchFamily="34" charset="-34"/>
+                <a:cs typeface="TH SarabunPSK" panose="020B0500040200020003" pitchFamily="34" charset="-34"/>
+              </a:rPr>
+              <a:t>ล่า</a:t>
+            </a:r>
+            <a:r>
+              <a:rPr lang="th-TH" sz="4200" b="1" spc="105" dirty="0">
+                <a:solidFill>
+                  <a:schemeClr val="accent6"/>
+                </a:solidFill>
+                <a:latin typeface="TH SarabunPSK" panose="020B0500040200020003" pitchFamily="34" charset="-34"/>
+                <a:cs typeface="TH SarabunPSK" panose="020B0500040200020003" pitchFamily="34" charset="-34"/>
+              </a:rPr>
+              <a:t> </a:t>
+            </a:r>
+            <a:r>
+              <a:rPr lang="en-US" sz="4200" b="1" spc="105" dirty="0">
+                <a:solidFill>
+                  <a:schemeClr val="accent6"/>
+                </a:solidFill>
+                <a:latin typeface="TH SarabunPSK" panose="020B0500040200020003" pitchFamily="34" charset="-34"/>
+                <a:cs typeface="TH SarabunPSK" panose="020B0500040200020003" pitchFamily="34" charset="-34"/>
+              </a:rPr>
+              <a:t>[]</a:t>
+            </a:r>
+            <a:endParaRPr lang="th-TH" sz="4200" b="1" spc="105" dirty="0">
               <a:solidFill>
-                <a:srgbClr val="000000"/>
+                <a:schemeClr val="accent6"/>
               </a:solidFill>
               <a:latin typeface="TH SarabunPSK" panose="020B0500040200020003" pitchFamily="34" charset="-34"/>
               <a:cs typeface="TH SarabunPSK" panose="020B0500040200020003" pitchFamily="34" charset="-34"/>
             </a:endParaRPr>
           </a:p>
-          <a:p>
-            <a:pPr>
-              <a:lnSpc>
-                <a:spcPts val="4998"/>
-              </a:lnSpc>
-              <a:spcBef>
-                <a:spcPct val="0"/>
-              </a:spcBef>
-            </a:pPr>
-            <a:r>
-              <a:rPr lang="en-US" sz="4200" spc="105" dirty="0" err="1">
-                <a:solidFill>
-                  <a:srgbClr val="000000"/>
-                </a:solidFill>
-                <a:latin typeface="TH SarabunPSK" panose="020B0500040200020003" pitchFamily="34" charset="-34"/>
-                <a:cs typeface="TH SarabunPSK" panose="020B0500040200020003" pitchFamily="34" charset="-34"/>
-              </a:rPr>
-              <a:t>ส่วน</a:t>
-            </a:r>
-            <a:r>
-              <a:rPr lang="en-US" sz="4200" spc="105" dirty="0">
-                <a:solidFill>
-                  <a:srgbClr val="000000"/>
-                </a:solidFill>
-                <a:latin typeface="TH SarabunPSK" panose="020B0500040200020003" pitchFamily="34" charset="-34"/>
-                <a:cs typeface="TH SarabunPSK" panose="020B0500040200020003" pitchFamily="34" charset="-34"/>
-              </a:rPr>
-              <a:t> </a:t>
-            </a:r>
-            <a:r>
-              <a:rPr lang="en-US" sz="4200" b="1" spc="105" dirty="0">
-                <a:solidFill>
-                  <a:srgbClr val="FFBD59"/>
-                </a:solidFill>
-                <a:latin typeface="TH SarabunPSK" panose="020B0500040200020003" pitchFamily="34" charset="-34"/>
-                <a:cs typeface="TH SarabunPSK" panose="020B0500040200020003" pitchFamily="34" charset="-34"/>
-              </a:rPr>
-              <a:t>fetch</a:t>
-            </a:r>
-            <a:r>
-              <a:rPr lang="en-US" sz="4200" spc="105" dirty="0">
-                <a:solidFill>
-                  <a:srgbClr val="000000"/>
-                </a:solidFill>
-                <a:latin typeface="TH SarabunPSK" panose="020B0500040200020003" pitchFamily="34" charset="-34"/>
-                <a:cs typeface="TH SarabunPSK" panose="020B0500040200020003" pitchFamily="34" charset="-34"/>
-              </a:rPr>
-              <a:t> </a:t>
-            </a:r>
-            <a:r>
-              <a:rPr lang="en-US" sz="4200" spc="105" dirty="0" err="1">
-                <a:solidFill>
-                  <a:srgbClr val="000000"/>
-                </a:solidFill>
-                <a:latin typeface="TH SarabunPSK" panose="020B0500040200020003" pitchFamily="34" charset="-34"/>
-                <a:cs typeface="TH SarabunPSK" panose="020B0500040200020003" pitchFamily="34" charset="-34"/>
-              </a:rPr>
-              <a:t>จะต้องมาทำ</a:t>
-            </a:r>
-            <a:r>
-              <a:rPr lang="en-US" sz="4200" spc="105" dirty="0">
-                <a:solidFill>
-                  <a:srgbClr val="000000"/>
-                </a:solidFill>
-                <a:latin typeface="TH SarabunPSK" panose="020B0500040200020003" pitchFamily="34" charset="-34"/>
-                <a:cs typeface="TH SarabunPSK" panose="020B0500040200020003" pitchFamily="34" charset="-34"/>
-              </a:rPr>
-              <a:t> </a:t>
-            </a:r>
-            <a:r>
-              <a:rPr lang="en-US" sz="4200" spc="105" dirty="0" err="1">
-                <a:solidFill>
-                  <a:srgbClr val="000000"/>
-                </a:solidFill>
-                <a:latin typeface="TH SarabunPSK" panose="020B0500040200020003" pitchFamily="34" charset="-34"/>
-                <a:cs typeface="TH SarabunPSK" panose="020B0500040200020003" pitchFamily="34" charset="-34"/>
-              </a:rPr>
-              <a:t>response.json</a:t>
-            </a:r>
-            <a:r>
-              <a:rPr lang="en-US" sz="4200" spc="105" dirty="0">
-                <a:solidFill>
-                  <a:srgbClr val="000000"/>
-                </a:solidFill>
-                <a:latin typeface="TH SarabunPSK" panose="020B0500040200020003" pitchFamily="34" charset="-34"/>
-                <a:cs typeface="TH SarabunPSK" panose="020B0500040200020003" pitchFamily="34" charset="-34"/>
-              </a:rPr>
-              <a:t>() </a:t>
-            </a:r>
-            <a:r>
-              <a:rPr lang="en-US" sz="4200" spc="105" dirty="0" err="1">
-                <a:solidFill>
-                  <a:srgbClr val="000000"/>
-                </a:solidFill>
-                <a:latin typeface="TH SarabunPSK" panose="020B0500040200020003" pitchFamily="34" charset="-34"/>
-                <a:cs typeface="TH SarabunPSK" panose="020B0500040200020003" pitchFamily="34" charset="-34"/>
-              </a:rPr>
-              <a:t>เอง</a:t>
-            </a:r>
-            <a:r>
-              <a:rPr lang="en-US" sz="4200" spc="105" dirty="0">
-                <a:solidFill>
-                  <a:srgbClr val="000000"/>
-                </a:solidFill>
-                <a:latin typeface="TH SarabunPSK" panose="020B0500040200020003" pitchFamily="34" charset="-34"/>
-                <a:cs typeface="TH SarabunPSK" panose="020B0500040200020003" pitchFamily="34" charset="-34"/>
-              </a:rPr>
-              <a:t> </a:t>
-            </a:r>
-          </a:p>
         </p:txBody>
       </p:sp>
     </p:spTree>
+    <p:extLst>
+      <p:ext uri="{BB962C8B-B14F-4D97-AF65-F5344CB8AC3E}">
+        <p14:creationId xmlns:p14="http://schemas.microsoft.com/office/powerpoint/2010/main" val="4275292280"/>
+      </p:ext>
+    </p:extLst>
   </p:cSld>
   <p:clrMapOvr>
     <a:masterClrMapping/>
@@ -7334,6 +9363,38 @@
           <a:chExt cx="0" cy="0"/>
         </a:xfrm>
       </p:grpSpPr>
+      <p:pic>
+        <p:nvPicPr>
+          <p:cNvPr id="22" name="Picture 21">
+            <a:extLst>
+              <a:ext uri="{FF2B5EF4-FFF2-40B4-BE49-F238E27FC236}">
+                <a16:creationId xmlns:a16="http://schemas.microsoft.com/office/drawing/2014/main" id="{47744916-4A79-F3F1-7973-9FC1EB081AF7}"/>
+              </a:ext>
+            </a:extLst>
+          </p:cNvPr>
+          <p:cNvPicPr>
+            <a:picLocks noChangeAspect="1"/>
+          </p:cNvPicPr>
+          <p:nvPr/>
+        </p:nvPicPr>
+        <p:blipFill>
+          <a:blip r:embed="rId3">
+            <a:alphaModFix amt="50000"/>
+          </a:blip>
+          <a:stretch>
+            <a:fillRect/>
+          </a:stretch>
+        </p:blipFill>
+        <p:spPr>
+          <a:xfrm>
+            <a:off x="609600" y="1489435"/>
+            <a:ext cx="9602769" cy="8073665"/>
+          </a:xfrm>
+          <a:prstGeom prst="rect">
+            <a:avLst/>
+          </a:prstGeom>
+        </p:spPr>
+      </p:pic>
       <p:sp>
         <p:nvSpPr>
           <p:cNvPr id="2" name="Freeform 2"/>
@@ -7373,7 +9434,7 @@
             </a:pathLst>
           </a:custGeom>
           <a:blipFill>
-            <a:blip r:embed="rId3"/>
+            <a:blip r:embed="rId4"/>
             <a:stretch>
               <a:fillRect l="-369" r="-1333" b="-548111"/>
             </a:stretch>
@@ -7410,52 +9471,6 @@
                 </a:lnTo>
                 <a:lnTo>
                   <a:pt x="0" y="784860"/>
-                </a:lnTo>
-                <a:lnTo>
-                  <a:pt x="0" y="0"/>
-                </a:lnTo>
-                <a:close/>
-              </a:path>
-            </a:pathLst>
-          </a:custGeom>
-          <a:blipFill>
-            <a:blip r:embed="rId4"/>
-            <a:stretch>
-              <a:fillRect/>
-            </a:stretch>
-          </a:blipFill>
-        </p:spPr>
-      </p:sp>
-      <p:sp>
-        <p:nvSpPr>
-          <p:cNvPr id="4" name="Freeform 4"/>
-          <p:cNvSpPr/>
-          <p:nvPr/>
-        </p:nvSpPr>
-        <p:spPr>
-          <a:xfrm>
-            <a:off x="1028700" y="2419357"/>
-            <a:ext cx="8638886" cy="6137209"/>
-          </a:xfrm>
-          <a:custGeom>
-            <a:avLst/>
-            <a:gdLst/>
-            <a:ahLst/>
-            <a:cxnLst/>
-            <a:rect l="l" t="t" r="r" b="b"/>
-            <a:pathLst>
-              <a:path w="8638886" h="6137209">
-                <a:moveTo>
-                  <a:pt x="0" y="0"/>
-                </a:moveTo>
-                <a:lnTo>
-                  <a:pt x="8638886" y="0"/>
-                </a:lnTo>
-                <a:lnTo>
-                  <a:pt x="8638886" y="6137208"/>
-                </a:lnTo>
-                <a:lnTo>
-                  <a:pt x="0" y="6137208"/>
                 </a:lnTo>
                 <a:lnTo>
                   <a:pt x="0" y="0"/>
@@ -7474,7 +9489,7 @@
       </p:sp>
       <p:sp>
         <p:nvSpPr>
-          <p:cNvPr id="5" name="TextBox 5"/>
+          <p:cNvPr id="4" name="TextBox 4"/>
           <p:cNvSpPr txBox="1"/>
           <p:nvPr/>
         </p:nvSpPr>
@@ -7502,6 +9517,16 @@
               </a:spcBef>
             </a:pPr>
             <a:r>
+              <a:rPr lang="th-TH" sz="4200" b="1" spc="105" dirty="0">
+                <a:solidFill>
+                  <a:srgbClr val="FFFFFF"/>
+                </a:solidFill>
+                <a:latin typeface="TH SarabunPSK" panose="020B0500040200020003" pitchFamily="34" charset="-34"/>
+                <a:cs typeface="TH SarabunPSK" panose="020B0500040200020003" pitchFamily="34" charset="-34"/>
+              </a:rPr>
+              <a:t>การใช้</a:t>
+            </a:r>
+            <a:r>
               <a:rPr lang="en-US" sz="4200" b="1" spc="105" dirty="0" err="1">
                 <a:solidFill>
                   <a:srgbClr val="FFFFFF"/>
@@ -7509,7 +9534,7 @@
                 <a:latin typeface="TH SarabunPSK" panose="020B0500040200020003" pitchFamily="34" charset="-34"/>
                 <a:cs typeface="TH SarabunPSK" panose="020B0500040200020003" pitchFamily="34" charset="-34"/>
               </a:rPr>
-              <a:t>เปรียบเทียบการใช้งานระหว่าง</a:t>
+              <a:t>งาน</a:t>
             </a:r>
             <a:r>
               <a:rPr lang="en-US" sz="4200" b="1" spc="105" dirty="0">
@@ -7522,54 +9547,114 @@
               <a:t> </a:t>
             </a:r>
             <a:r>
+              <a:rPr lang="en-US" sz="4200" b="1" spc="105" dirty="0" err="1">
+                <a:solidFill>
+                  <a:srgbClr val="FFBD59"/>
+                </a:solidFill>
+                <a:latin typeface="TH SarabunPSK" panose="020B0500040200020003" pitchFamily="34" charset="-34"/>
+                <a:cs typeface="TH SarabunPSK" panose="020B0500040200020003" pitchFamily="34" charset="-34"/>
+              </a:rPr>
+              <a:t>axios</a:t>
+            </a:r>
+            <a:r>
+              <a:rPr lang="th-TH" sz="4200" b="1" spc="105" dirty="0">
+                <a:solidFill>
+                  <a:srgbClr val="FFBD59"/>
+                </a:solidFill>
+                <a:latin typeface="TH SarabunPSK" panose="020B0500040200020003" pitchFamily="34" charset="-34"/>
+                <a:cs typeface="TH SarabunPSK" panose="020B0500040200020003" pitchFamily="34" charset="-34"/>
+              </a:rPr>
+              <a:t> </a:t>
+            </a:r>
+            <a:r>
+              <a:rPr lang="th-TH" sz="4200" b="1" spc="105" dirty="0">
+                <a:solidFill>
+                  <a:srgbClr val="FFFFFF"/>
+                </a:solidFill>
+                <a:latin typeface="TH SarabunPSK" panose="020B0500040200020003" pitchFamily="34" charset="-34"/>
+                <a:cs typeface="TH SarabunPSK" panose="020B0500040200020003" pitchFamily="34" charset="-34"/>
+              </a:rPr>
+              <a:t>ร่วมกับ </a:t>
+            </a:r>
+            <a:r>
+              <a:rPr lang="en-US" sz="4200" b="1" spc="105" dirty="0" err="1">
+                <a:solidFill>
+                  <a:schemeClr val="accent6"/>
+                </a:solidFill>
+                <a:latin typeface="TH SarabunPSK" panose="020B0500040200020003" pitchFamily="34" charset="-34"/>
+                <a:cs typeface="TH SarabunPSK" panose="020B0500040200020003" pitchFamily="34" charset="-34"/>
+              </a:rPr>
+              <a:t>useEffect</a:t>
+            </a:r>
+            <a:r>
               <a:rPr lang="en-US" sz="4200" b="1" spc="105" dirty="0">
                 <a:solidFill>
+                  <a:srgbClr val="FFFFFF"/>
+                </a:solidFill>
+                <a:latin typeface="TH SarabunPSK" panose="020B0500040200020003" pitchFamily="34" charset="-34"/>
+                <a:cs typeface="TH SarabunPSK" panose="020B0500040200020003" pitchFamily="34" charset="-34"/>
+              </a:rPr>
+              <a:t> </a:t>
+            </a:r>
+            <a:r>
+              <a:rPr lang="th-TH" sz="4200" b="1" spc="105" dirty="0">
+                <a:solidFill>
+                  <a:srgbClr val="FFFFFF"/>
+                </a:solidFill>
+                <a:latin typeface="TH SarabunPSK" panose="020B0500040200020003" pitchFamily="34" charset="-34"/>
+                <a:cs typeface="TH SarabunPSK" panose="020B0500040200020003" pitchFamily="34" charset="-34"/>
+              </a:rPr>
+              <a:t>และ </a:t>
+            </a:r>
+            <a:r>
+              <a:rPr lang="en-US" sz="4200" b="1" spc="105" dirty="0" err="1">
+                <a:solidFill>
+                  <a:schemeClr val="accent6"/>
+                </a:solidFill>
+                <a:latin typeface="TH SarabunPSK" panose="020B0500040200020003" pitchFamily="34" charset="-34"/>
+                <a:cs typeface="TH SarabunPSK" panose="020B0500040200020003" pitchFamily="34" charset="-34"/>
+              </a:rPr>
+              <a:t>useState</a:t>
+            </a:r>
+            <a:r>
+              <a:rPr lang="en-US" sz="4200" b="1" spc="105" dirty="0">
+                <a:solidFill>
+                  <a:schemeClr val="accent6"/>
+                </a:solidFill>
+                <a:latin typeface="TH SarabunPSK" panose="020B0500040200020003" pitchFamily="34" charset="-34"/>
+                <a:cs typeface="TH SarabunPSK" panose="020B0500040200020003" pitchFamily="34" charset="-34"/>
+              </a:rPr>
+              <a:t> </a:t>
+            </a:r>
+            <a:r>
+              <a:rPr lang="en-US" sz="4200" b="1" spc="105" dirty="0" err="1">
+                <a:solidFill>
+                  <a:srgbClr val="FFFFFF"/>
+                </a:solidFill>
+                <a:latin typeface="TH SarabunPSK" panose="020B0500040200020003" pitchFamily="34" charset="-34"/>
+                <a:cs typeface="TH SarabunPSK" panose="020B0500040200020003" pitchFamily="34" charset="-34"/>
+              </a:rPr>
+              <a:t>เพื่อดึงข้อมูลจาก</a:t>
+            </a:r>
+            <a:r>
+              <a:rPr lang="en-US" sz="4200" b="1" spc="105" dirty="0">
+                <a:solidFill>
+                  <a:srgbClr val="FFFFFF"/>
+                </a:solidFill>
+                <a:latin typeface="TH SarabunPSK" panose="020B0500040200020003" pitchFamily="34" charset="-34"/>
+                <a:cs typeface="TH SarabunPSK" panose="020B0500040200020003" pitchFamily="34" charset="-34"/>
+              </a:rPr>
+              <a:t> API</a:t>
+            </a:r>
+            <a:r>
+              <a:rPr lang="th-TH" sz="4200" b="1" spc="105" dirty="0">
+                <a:solidFill>
                   <a:srgbClr val="FFBD59"/>
                 </a:solidFill>
                 <a:latin typeface="TH SarabunPSK" panose="020B0500040200020003" pitchFamily="34" charset="-34"/>
                 <a:cs typeface="TH SarabunPSK" panose="020B0500040200020003" pitchFamily="34" charset="-34"/>
               </a:rPr>
-              <a:t>fetch</a:t>
-            </a:r>
-            <a:r>
-              <a:rPr lang="en-US" sz="4200" b="1" spc="105" dirty="0">
-                <a:solidFill>
-                  <a:srgbClr val="FFFFFF"/>
-                </a:solidFill>
-                <a:latin typeface="TH SarabunPSK" panose="020B0500040200020003" pitchFamily="34" charset="-34"/>
-                <a:cs typeface="TH SarabunPSK" panose="020B0500040200020003" pitchFamily="34" charset="-34"/>
-              </a:rPr>
               <a:t> </a:t>
-            </a:r>
-            <a:r>
-              <a:rPr lang="en-US" sz="4200" b="1" spc="105" dirty="0" err="1">
-                <a:solidFill>
-                  <a:srgbClr val="FFFFFF"/>
-                </a:solidFill>
-                <a:latin typeface="TH SarabunPSK" panose="020B0500040200020003" pitchFamily="34" charset="-34"/>
-                <a:cs typeface="TH SarabunPSK" panose="020B0500040200020003" pitchFamily="34" charset="-34"/>
-              </a:rPr>
-              <a:t>และ</a:t>
-            </a:r>
-            <a:r>
-              <a:rPr lang="en-US" sz="4200" b="1" spc="105" dirty="0">
-                <a:solidFill>
-                  <a:srgbClr val="FFFFFF"/>
-                </a:solidFill>
-                <a:latin typeface="TH SarabunPSK" panose="020B0500040200020003" pitchFamily="34" charset="-34"/>
-                <a:cs typeface="TH SarabunPSK" panose="020B0500040200020003" pitchFamily="34" charset="-34"/>
-              </a:rPr>
-              <a:t> </a:t>
-            </a:r>
-            <a:r>
-              <a:rPr lang="en-US" sz="4200" b="1" spc="105" dirty="0" err="1">
-                <a:solidFill>
-                  <a:srgbClr val="FFBD59"/>
-                </a:solidFill>
-                <a:latin typeface="TH SarabunPSK" panose="020B0500040200020003" pitchFamily="34" charset="-34"/>
-                <a:cs typeface="TH SarabunPSK" panose="020B0500040200020003" pitchFamily="34" charset="-34"/>
-              </a:rPr>
-              <a:t>axios</a:t>
             </a:r>
             <a:endParaRPr lang="en-US" sz="4200" b="1" spc="105" dirty="0">
               <a:solidFill>
@@ -7581,16 +9666,51 @@
           </a:p>
         </p:txBody>
       </p:sp>
-      <p:sp>
-        <p:nvSpPr>
-          <p:cNvPr id="6" name="TextBox 6"/>
+      <p:pic>
+        <p:nvPicPr>
+          <p:cNvPr id="10" name="Picture 9">
+            <a:extLst>
+              <a:ext uri="{FF2B5EF4-FFF2-40B4-BE49-F238E27FC236}">
+                <a16:creationId xmlns:a16="http://schemas.microsoft.com/office/drawing/2014/main" id="{B6298B65-C6F3-CB0B-F9D2-E65E40707B44}"/>
+              </a:ext>
+            </a:extLst>
+          </p:cNvPr>
+          <p:cNvPicPr>
+            <a:picLocks noChangeAspect="1"/>
+          </p:cNvPicPr>
+          <p:nvPr/>
+        </p:nvPicPr>
+        <p:blipFill rotWithShape="1">
+          <a:blip r:embed="rId3"/>
+          <a:srcRect t="26549" r="809" b="52115"/>
+          <a:stretch/>
+        </p:blipFill>
+        <p:spPr>
+          <a:xfrm>
+            <a:off x="609601" y="3619500"/>
+            <a:ext cx="9525000" cy="1722486"/>
+          </a:xfrm>
+          <a:prstGeom prst="rect">
+            <a:avLst/>
+          </a:prstGeom>
+        </p:spPr>
+      </p:pic>
+      <p:sp>
+        <p:nvSpPr>
+          <p:cNvPr id="16" name="TextBox 6">
+            <a:extLst>
+              <a:ext uri="{FF2B5EF4-FFF2-40B4-BE49-F238E27FC236}">
+                <a16:creationId xmlns:a16="http://schemas.microsoft.com/office/drawing/2014/main" id="{16404781-03B0-2EA5-D8D3-689B0F68AA78}"/>
+              </a:ext>
+            </a:extLst>
+          </p:cNvPr>
           <p:cNvSpPr txBox="1"/>
           <p:nvPr/>
         </p:nvSpPr>
         <p:spPr>
           <a:xfrm>
-            <a:off x="10053876" y="3913669"/>
-            <a:ext cx="7439159" cy="1924886"/>
+            <a:off x="10382921" y="3913669"/>
+            <a:ext cx="7439159" cy="3207288"/>
           </a:xfrm>
           <a:prstGeom prst="rect">
             <a:avLst/>
@@ -7611,14 +9731,54 @@
               </a:spcBef>
             </a:pPr>
             <a:r>
+              <a:rPr lang="th-TH" sz="4200" spc="105" dirty="0">
+                <a:solidFill>
+                  <a:srgbClr val="000000"/>
+                </a:solidFill>
+                <a:latin typeface="TH SarabunPSK" panose="020B0500040200020003" pitchFamily="34" charset="-34"/>
+                <a:cs typeface="TH SarabunPSK" panose="020B0500040200020003" pitchFamily="34" charset="-34"/>
+              </a:rPr>
+              <a:t>ใช้เมธอด </a:t>
+            </a:r>
+            <a:r>
+              <a:rPr lang="en-US" sz="4200" b="1" spc="105" dirty="0" err="1">
+                <a:solidFill>
+                  <a:schemeClr val="accent6"/>
+                </a:solidFill>
+                <a:latin typeface="TH SarabunPSK" panose="020B0500040200020003" pitchFamily="34" charset="-34"/>
+                <a:cs typeface="TH SarabunPSK" panose="020B0500040200020003" pitchFamily="34" charset="-34"/>
+              </a:rPr>
+              <a:t>axios.get</a:t>
+            </a:r>
+            <a:r>
               <a:rPr lang="en-US" sz="4200" b="1" spc="105" dirty="0">
                 <a:solidFill>
-                  <a:srgbClr val="FFBD59"/>
-                </a:solidFill>
-                <a:latin typeface="TH SarabunPSK" panose="020B0500040200020003" pitchFamily="34" charset="-34"/>
-                <a:cs typeface="TH SarabunPSK" panose="020B0500040200020003" pitchFamily="34" charset="-34"/>
-              </a:rPr>
-              <a:t>fetch</a:t>
+                  <a:schemeClr val="accent6"/>
+                </a:solidFill>
+                <a:latin typeface="TH SarabunPSK" panose="020B0500040200020003" pitchFamily="34" charset="-34"/>
+                <a:cs typeface="TH SarabunPSK" panose="020B0500040200020003" pitchFamily="34" charset="-34"/>
+              </a:rPr>
+              <a:t>()</a:t>
+            </a:r>
+            <a:r>
+              <a:rPr lang="th-TH" sz="4200" b="1" spc="105" dirty="0">
+                <a:solidFill>
+                  <a:schemeClr val="accent6"/>
+                </a:solidFill>
+                <a:latin typeface="TH SarabunPSK" panose="020B0500040200020003" pitchFamily="34" charset="-34"/>
+                <a:cs typeface="TH SarabunPSK" panose="020B0500040200020003" pitchFamily="34" charset="-34"/>
+              </a:rPr>
+              <a:t> </a:t>
+            </a:r>
+            <a:r>
+              <a:rPr lang="th-TH" sz="4200" spc="105" dirty="0">
+                <a:solidFill>
+                  <a:srgbClr val="000000"/>
+                </a:solidFill>
+                <a:latin typeface="TH SarabunPSK" panose="020B0500040200020003" pitchFamily="34" charset="-34"/>
+                <a:cs typeface="TH SarabunPSK" panose="020B0500040200020003" pitchFamily="34" charset="-34"/>
+              </a:rPr>
+              <a:t>เพื่อสร้าง </a:t>
             </a:r>
             <a:r>
               <a:rPr lang="en-US" sz="4200" spc="105" dirty="0">
@@ -7628,105 +9788,28 @@
                 <a:latin typeface="TH SarabunPSK" panose="020B0500040200020003" pitchFamily="34" charset="-34"/>
                 <a:cs typeface="TH SarabunPSK" panose="020B0500040200020003" pitchFamily="34" charset="-34"/>
               </a:rPr>
-              <a:t> </a:t>
-            </a:r>
-            <a:r>
-              <a:rPr lang="en-US" sz="4200" spc="105" dirty="0" err="1">
-                <a:solidFill>
-                  <a:srgbClr val="244357"/>
-                </a:solidFill>
-                <a:latin typeface="TH SarabunPSK" panose="020B0500040200020003" pitchFamily="34" charset="-34"/>
-                <a:cs typeface="TH SarabunPSK" panose="020B0500040200020003" pitchFamily="34" charset="-34"/>
-              </a:rPr>
-              <a:t>จัดการกับ</a:t>
+              <a:t>request </a:t>
+            </a:r>
+            <a:r>
+              <a:rPr lang="th-TH" sz="4200" spc="105" dirty="0">
+                <a:solidFill>
+                  <a:srgbClr val="000000"/>
+                </a:solidFill>
+                <a:latin typeface="TH SarabunPSK" panose="020B0500040200020003" pitchFamily="34" charset="-34"/>
+                <a:cs typeface="TH SarabunPSK" panose="020B0500040200020003" pitchFamily="34" charset="-34"/>
+              </a:rPr>
+              <a:t>ไปขอข้อมูลจาก </a:t>
             </a:r>
             <a:r>
               <a:rPr lang="en-US" sz="4200" spc="105" dirty="0">
                 <a:solidFill>
-                  <a:srgbClr val="244357"/>
-                </a:solidFill>
-                <a:latin typeface="TH SarabunPSK" panose="020B0500040200020003" pitchFamily="34" charset="-34"/>
-                <a:cs typeface="TH SarabunPSK" panose="020B0500040200020003" pitchFamily="34" charset="-34"/>
-              </a:rPr>
-              <a:t> </a:t>
-            </a:r>
-            <a:r>
-              <a:rPr lang="en-US" sz="4200" spc="105" dirty="0">
-                <a:solidFill>
-                  <a:srgbClr val="FFBD59"/>
-                </a:solidFill>
-                <a:latin typeface="TH SarabunPSK" panose="020B0500040200020003" pitchFamily="34" charset="-34"/>
-                <a:cs typeface="TH SarabunPSK" panose="020B0500040200020003" pitchFamily="34" charset="-34"/>
-              </a:rPr>
-              <a:t>Error Handling</a:t>
-            </a:r>
-            <a:r>
-              <a:rPr lang="en-US" sz="4200" spc="105" dirty="0">
-                <a:solidFill>
-                  <a:srgbClr val="244357"/>
-                </a:solidFill>
-                <a:latin typeface="TH SarabunPSK" panose="020B0500040200020003" pitchFamily="34" charset="-34"/>
-                <a:cs typeface="TH SarabunPSK" panose="020B0500040200020003" pitchFamily="34" charset="-34"/>
-              </a:rPr>
-              <a:t> </a:t>
-            </a:r>
-            <a:r>
-              <a:rPr lang="en-US" sz="4200" spc="105" dirty="0" err="1">
-                <a:solidFill>
-                  <a:srgbClr val="244357"/>
-                </a:solidFill>
-                <a:latin typeface="TH SarabunPSK" panose="020B0500040200020003" pitchFamily="34" charset="-34"/>
-                <a:cs typeface="TH SarabunPSK" panose="020B0500040200020003" pitchFamily="34" charset="-34"/>
-              </a:rPr>
-              <a:t>ด้วยการที่เราต้องเขียน</a:t>
-            </a:r>
-            <a:r>
-              <a:rPr lang="en-US" sz="4200" spc="105" dirty="0">
-                <a:solidFill>
-                  <a:srgbClr val="244357"/>
-                </a:solidFill>
-                <a:latin typeface="TH SarabunPSK" panose="020B0500040200020003" pitchFamily="34" charset="-34"/>
-                <a:cs typeface="TH SarabunPSK" panose="020B0500040200020003" pitchFamily="34" charset="-34"/>
-              </a:rPr>
-              <a:t> function </a:t>
-            </a:r>
-            <a:r>
-              <a:rPr lang="en-US" sz="4200" spc="105" dirty="0" err="1">
-                <a:solidFill>
-                  <a:srgbClr val="244357"/>
-                </a:solidFill>
-                <a:latin typeface="TH SarabunPSK" panose="020B0500040200020003" pitchFamily="34" charset="-34"/>
-                <a:cs typeface="TH SarabunPSK" panose="020B0500040200020003" pitchFamily="34" charset="-34"/>
-              </a:rPr>
-              <a:t>สำหรับ</a:t>
-            </a:r>
-            <a:r>
-              <a:rPr lang="en-US" sz="4200" spc="105" dirty="0">
-                <a:solidFill>
-                  <a:srgbClr val="244357"/>
-                </a:solidFill>
-                <a:latin typeface="TH SarabunPSK" panose="020B0500040200020003" pitchFamily="34" charset="-34"/>
-                <a:cs typeface="TH SarabunPSK" panose="020B0500040200020003" pitchFamily="34" charset="-34"/>
-              </a:rPr>
-              <a:t> handle </a:t>
-            </a:r>
-            <a:r>
-              <a:rPr lang="en-US" sz="4200" spc="105" dirty="0" err="1">
-                <a:solidFill>
-                  <a:srgbClr val="244357"/>
-                </a:solidFill>
-                <a:latin typeface="TH SarabunPSK" panose="020B0500040200020003" pitchFamily="34" charset="-34"/>
-                <a:cs typeface="TH SarabunPSK" panose="020B0500040200020003" pitchFamily="34" charset="-34"/>
-              </a:rPr>
-              <a:t>ขึ้นมาเอง</a:t>
-            </a:r>
-            <a:endParaRPr lang="en-US" sz="4200" spc="105" dirty="0">
-              <a:solidFill>
-                <a:srgbClr val="244357"/>
-              </a:solidFill>
-              <a:latin typeface="TH SarabunPSK" panose="020B0500040200020003" pitchFamily="34" charset="-34"/>
-              <a:cs typeface="TH SarabunPSK" panose="020B0500040200020003" pitchFamily="34" charset="-34"/>
-            </a:endParaRPr>
+                  <a:srgbClr val="000000"/>
+                </a:solidFill>
+                <a:latin typeface="TH SarabunPSK" panose="020B0500040200020003" pitchFamily="34" charset="-34"/>
+                <a:cs typeface="TH SarabunPSK" panose="020B0500040200020003" pitchFamily="34" charset="-34"/>
+              </a:rPr>
+              <a:t>URL</a:t>
+            </a:r>
           </a:p>
           <a:p>
             <a:pPr>
@@ -7739,15 +9822,117 @@
             </a:pPr>
             <a:endParaRPr lang="en-US" sz="4200" spc="105" dirty="0">
               <a:solidFill>
-                <a:srgbClr val="244357"/>
+                <a:srgbClr val="000000"/>
               </a:solidFill>
               <a:latin typeface="TH SarabunPSK" panose="020B0500040200020003" pitchFamily="34" charset="-34"/>
               <a:cs typeface="TH SarabunPSK" panose="020B0500040200020003" pitchFamily="34" charset="-34"/>
             </a:endParaRPr>
           </a:p>
+          <a:p>
+            <a:pPr>
+              <a:lnSpc>
+                <a:spcPts val="4998"/>
+              </a:lnSpc>
+              <a:spcBef>
+                <a:spcPct val="0"/>
+              </a:spcBef>
+            </a:pPr>
+            <a:r>
+              <a:rPr lang="th-TH" sz="4200" spc="105" dirty="0">
+                <a:solidFill>
+                  <a:srgbClr val="000000"/>
+                </a:solidFill>
+                <a:latin typeface="TH SarabunPSK" panose="020B0500040200020003" pitchFamily="34" charset="-34"/>
+                <a:cs typeface="TH SarabunPSK" panose="020B0500040200020003" pitchFamily="34" charset="-34"/>
+              </a:rPr>
+              <a:t>จากนั้น ใช้เมธอด </a:t>
+            </a:r>
+            <a:r>
+              <a:rPr lang="en-US" sz="4200" b="1" spc="105" dirty="0">
+                <a:solidFill>
+                  <a:schemeClr val="accent6"/>
+                </a:solidFill>
+                <a:latin typeface="TH SarabunPSK" panose="020B0500040200020003" pitchFamily="34" charset="-34"/>
+                <a:cs typeface="TH SarabunPSK" panose="020B0500040200020003" pitchFamily="34" charset="-34"/>
+              </a:rPr>
+              <a:t>then()</a:t>
+            </a:r>
+            <a:r>
+              <a:rPr lang="th-TH" sz="4200" spc="105" dirty="0">
+                <a:solidFill>
+                  <a:srgbClr val="000000"/>
+                </a:solidFill>
+                <a:latin typeface="TH SarabunPSK" panose="020B0500040200020003" pitchFamily="34" charset="-34"/>
+                <a:cs typeface="TH SarabunPSK" panose="020B0500040200020003" pitchFamily="34" charset="-34"/>
+              </a:rPr>
+              <a:t> เพื่อรับข้อมูลไปเก็บไว้ในตัวแปร </a:t>
+            </a:r>
+            <a:r>
+              <a:rPr lang="en-US" sz="4200" b="1" spc="105" dirty="0">
+                <a:solidFill>
+                  <a:schemeClr val="accent6"/>
+                </a:solidFill>
+                <a:latin typeface="TH SarabunPSK" panose="020B0500040200020003" pitchFamily="34" charset="-34"/>
+                <a:cs typeface="TH SarabunPSK" panose="020B0500040200020003" pitchFamily="34" charset="-34"/>
+              </a:rPr>
+              <a:t>post</a:t>
+            </a:r>
+            <a:r>
+              <a:rPr lang="en-US" sz="4200" spc="105" dirty="0">
+                <a:solidFill>
+                  <a:srgbClr val="000000"/>
+                </a:solidFill>
+                <a:latin typeface="TH SarabunPSK" panose="020B0500040200020003" pitchFamily="34" charset="-34"/>
+                <a:cs typeface="TH SarabunPSK" panose="020B0500040200020003" pitchFamily="34" charset="-34"/>
+              </a:rPr>
+              <a:t> </a:t>
+            </a:r>
+            <a:r>
+              <a:rPr lang="th-TH" sz="4200" spc="105" dirty="0">
+                <a:solidFill>
+                  <a:srgbClr val="000000"/>
+                </a:solidFill>
+                <a:latin typeface="TH SarabunPSK" panose="020B0500040200020003" pitchFamily="34" charset="-34"/>
+                <a:cs typeface="TH SarabunPSK" panose="020B0500040200020003" pitchFamily="34" charset="-34"/>
+              </a:rPr>
+              <a:t>ด้วย </a:t>
+            </a:r>
+            <a:r>
+              <a:rPr lang="en-US" sz="4200" b="1" spc="105" dirty="0" err="1">
+                <a:solidFill>
+                  <a:schemeClr val="accent6"/>
+                </a:solidFill>
+                <a:latin typeface="TH SarabunPSK" panose="020B0500040200020003" pitchFamily="34" charset="-34"/>
+                <a:cs typeface="TH SarabunPSK" panose="020B0500040200020003" pitchFamily="34" charset="-34"/>
+              </a:rPr>
+              <a:t>setPost</a:t>
+            </a:r>
+            <a:r>
+              <a:rPr lang="en-US" sz="4200" b="1" spc="105" dirty="0">
+                <a:solidFill>
+                  <a:schemeClr val="accent6"/>
+                </a:solidFill>
+                <a:latin typeface="TH SarabunPSK" panose="020B0500040200020003" pitchFamily="34" charset="-34"/>
+                <a:cs typeface="TH SarabunPSK" panose="020B0500040200020003" pitchFamily="34" charset="-34"/>
+              </a:rPr>
+              <a:t>()</a:t>
+            </a:r>
+            <a:endParaRPr lang="en-US" sz="4200" spc="105" dirty="0">
+              <a:solidFill>
+                <a:srgbClr val="000000"/>
+              </a:solidFill>
+              <a:latin typeface="TH SarabunPSK" panose="020B0500040200020003" pitchFamily="34" charset="-34"/>
+              <a:cs typeface="TH SarabunPSK" panose="020B0500040200020003" pitchFamily="34" charset="-34"/>
+            </a:endParaRPr>
+          </a:p>
         </p:txBody>
       </p:sp>
     </p:spTree>
+    <p:extLst>
+      <p:ext uri="{BB962C8B-B14F-4D97-AF65-F5344CB8AC3E}">
+        <p14:creationId xmlns:p14="http://schemas.microsoft.com/office/powerpoint/2010/main" val="4135755466"/>
+      </p:ext>
+    </p:extLst>
   </p:cSld>
   <p:clrMapOvr>
     <a:masterClrMapping/>
@@ -7780,6 +9965,38 @@
           <a:chExt cx="0" cy="0"/>
         </a:xfrm>
       </p:grpSpPr>
+      <p:pic>
+        <p:nvPicPr>
+          <p:cNvPr id="22" name="Picture 21">
+            <a:extLst>
+              <a:ext uri="{FF2B5EF4-FFF2-40B4-BE49-F238E27FC236}">
+                <a16:creationId xmlns:a16="http://schemas.microsoft.com/office/drawing/2014/main" id="{47744916-4A79-F3F1-7973-9FC1EB081AF7}"/>
+              </a:ext>
+            </a:extLst>
+          </p:cNvPr>
+          <p:cNvPicPr>
+            <a:picLocks noChangeAspect="1"/>
+          </p:cNvPicPr>
+          <p:nvPr/>
+        </p:nvPicPr>
+        <p:blipFill>
+          <a:blip r:embed="rId3">
+            <a:alphaModFix amt="50000"/>
+          </a:blip>
+          <a:stretch>
+            <a:fillRect/>
+          </a:stretch>
+        </p:blipFill>
+        <p:spPr>
+          <a:xfrm>
+            <a:off x="609600" y="1489435"/>
+            <a:ext cx="9602769" cy="8073665"/>
+          </a:xfrm>
+          <a:prstGeom prst="rect">
+            <a:avLst/>
+          </a:prstGeom>
+        </p:spPr>
+      </p:pic>
       <p:sp>
         <p:nvSpPr>
           <p:cNvPr id="2" name="Freeform 2"/>
@@ -7819,7 +10036,7 @@
             </a:pathLst>
           </a:custGeom>
           <a:blipFill>
-            <a:blip r:embed="rId3"/>
+            <a:blip r:embed="rId4"/>
             <a:stretch>
               <a:fillRect l="-369" r="-1333" b="-548111"/>
             </a:stretch>
@@ -7856,52 +10073,6 @@
                 </a:lnTo>
                 <a:lnTo>
                   <a:pt x="0" y="784860"/>
-                </a:lnTo>
-                <a:lnTo>
-                  <a:pt x="0" y="0"/>
-                </a:lnTo>
-                <a:close/>
-              </a:path>
-            </a:pathLst>
-          </a:custGeom>
-          <a:blipFill>
-            <a:blip r:embed="rId4"/>
-            <a:stretch>
-              <a:fillRect/>
-            </a:stretch>
-          </a:blipFill>
-        </p:spPr>
-      </p:sp>
-      <p:sp>
-        <p:nvSpPr>
-          <p:cNvPr id="4" name="Freeform 4"/>
-          <p:cNvSpPr/>
-          <p:nvPr/>
-        </p:nvSpPr>
-        <p:spPr>
-          <a:xfrm>
-            <a:off x="8819903" y="3081213"/>
-            <a:ext cx="8818619" cy="4813496"/>
-          </a:xfrm>
-          <a:custGeom>
-            <a:avLst/>
-            <a:gdLst/>
-            <a:ahLst/>
-            <a:cxnLst/>
-            <a:rect l="l" t="t" r="r" b="b"/>
-            <a:pathLst>
-              <a:path w="8818619" h="4813496">
-                <a:moveTo>
-                  <a:pt x="0" y="0"/>
-                </a:moveTo>
-                <a:lnTo>
-                  <a:pt x="8818619" y="0"/>
-                </a:lnTo>
-                <a:lnTo>
-                  <a:pt x="8818619" y="4813496"/>
-                </a:lnTo>
-                <a:lnTo>
-                  <a:pt x="0" y="4813496"/>
                 </a:lnTo>
                 <a:lnTo>
                   <a:pt x="0" y="0"/>
@@ -7920,7 +10091,7 @@
       </p:sp>
       <p:sp>
         <p:nvSpPr>
-          <p:cNvPr id="5" name="TextBox 5"/>
+          <p:cNvPr id="4" name="TextBox 4"/>
           <p:cNvSpPr txBox="1"/>
           <p:nvPr/>
         </p:nvSpPr>
@@ -7948,6 +10119,16 @@
               </a:spcBef>
             </a:pPr>
             <a:r>
+              <a:rPr lang="th-TH" sz="4200" b="1" spc="105" dirty="0">
+                <a:solidFill>
+                  <a:srgbClr val="FFFFFF"/>
+                </a:solidFill>
+                <a:latin typeface="TH SarabunPSK" panose="020B0500040200020003" pitchFamily="34" charset="-34"/>
+                <a:cs typeface="TH SarabunPSK" panose="020B0500040200020003" pitchFamily="34" charset="-34"/>
+              </a:rPr>
+              <a:t>การใช้</a:t>
+            </a:r>
+            <a:r>
               <a:rPr lang="en-US" sz="4200" b="1" spc="105" dirty="0" err="1">
                 <a:solidFill>
                   <a:srgbClr val="FFFFFF"/>
@@ -7955,7 +10136,7 @@
                 <a:latin typeface="TH SarabunPSK" panose="020B0500040200020003" pitchFamily="34" charset="-34"/>
                 <a:cs typeface="TH SarabunPSK" panose="020B0500040200020003" pitchFamily="34" charset="-34"/>
               </a:rPr>
-              <a:t>เปรียบเทียบการใช้งานระหว่าง</a:t>
+              <a:t>งาน</a:t>
             </a:r>
             <a:r>
               <a:rPr lang="en-US" sz="4200" b="1" spc="105" dirty="0">
@@ -7968,54 +10149,114 @@
               <a:t> </a:t>
             </a:r>
             <a:r>
+              <a:rPr lang="en-US" sz="4200" b="1" spc="105" dirty="0" err="1">
+                <a:solidFill>
+                  <a:srgbClr val="FFBD59"/>
+                </a:solidFill>
+                <a:latin typeface="TH SarabunPSK" panose="020B0500040200020003" pitchFamily="34" charset="-34"/>
+                <a:cs typeface="TH SarabunPSK" panose="020B0500040200020003" pitchFamily="34" charset="-34"/>
+              </a:rPr>
+              <a:t>axios</a:t>
+            </a:r>
+            <a:r>
+              <a:rPr lang="th-TH" sz="4200" b="1" spc="105" dirty="0">
+                <a:solidFill>
+                  <a:srgbClr val="FFBD59"/>
+                </a:solidFill>
+                <a:latin typeface="TH SarabunPSK" panose="020B0500040200020003" pitchFamily="34" charset="-34"/>
+                <a:cs typeface="TH SarabunPSK" panose="020B0500040200020003" pitchFamily="34" charset="-34"/>
+              </a:rPr>
+              <a:t> </a:t>
+            </a:r>
+            <a:r>
+              <a:rPr lang="th-TH" sz="4200" b="1" spc="105" dirty="0">
+                <a:solidFill>
+                  <a:srgbClr val="FFFFFF"/>
+                </a:solidFill>
+                <a:latin typeface="TH SarabunPSK" panose="020B0500040200020003" pitchFamily="34" charset="-34"/>
+                <a:cs typeface="TH SarabunPSK" panose="020B0500040200020003" pitchFamily="34" charset="-34"/>
+              </a:rPr>
+              <a:t>ร่วมกับ </a:t>
+            </a:r>
+            <a:r>
+              <a:rPr lang="en-US" sz="4200" b="1" spc="105" dirty="0" err="1">
+                <a:solidFill>
+                  <a:schemeClr val="accent6"/>
+                </a:solidFill>
+                <a:latin typeface="TH SarabunPSK" panose="020B0500040200020003" pitchFamily="34" charset="-34"/>
+                <a:cs typeface="TH SarabunPSK" panose="020B0500040200020003" pitchFamily="34" charset="-34"/>
+              </a:rPr>
+              <a:t>useEffect</a:t>
+            </a:r>
+            <a:r>
               <a:rPr lang="en-US" sz="4200" b="1" spc="105" dirty="0">
                 <a:solidFill>
+                  <a:srgbClr val="FFFFFF"/>
+                </a:solidFill>
+                <a:latin typeface="TH SarabunPSK" panose="020B0500040200020003" pitchFamily="34" charset="-34"/>
+                <a:cs typeface="TH SarabunPSK" panose="020B0500040200020003" pitchFamily="34" charset="-34"/>
+              </a:rPr>
+              <a:t> </a:t>
+            </a:r>
+            <a:r>
+              <a:rPr lang="th-TH" sz="4200" b="1" spc="105" dirty="0">
+                <a:solidFill>
+                  <a:srgbClr val="FFFFFF"/>
+                </a:solidFill>
+                <a:latin typeface="TH SarabunPSK" panose="020B0500040200020003" pitchFamily="34" charset="-34"/>
+                <a:cs typeface="TH SarabunPSK" panose="020B0500040200020003" pitchFamily="34" charset="-34"/>
+              </a:rPr>
+              <a:t>และ </a:t>
+            </a:r>
+            <a:r>
+              <a:rPr lang="en-US" sz="4200" b="1" spc="105" dirty="0" err="1">
+                <a:solidFill>
+                  <a:schemeClr val="accent6"/>
+                </a:solidFill>
+                <a:latin typeface="TH SarabunPSK" panose="020B0500040200020003" pitchFamily="34" charset="-34"/>
+                <a:cs typeface="TH SarabunPSK" panose="020B0500040200020003" pitchFamily="34" charset="-34"/>
+              </a:rPr>
+              <a:t>useState</a:t>
+            </a:r>
+            <a:r>
+              <a:rPr lang="en-US" sz="4200" b="1" spc="105" dirty="0">
+                <a:solidFill>
+                  <a:schemeClr val="accent6"/>
+                </a:solidFill>
+                <a:latin typeface="TH SarabunPSK" panose="020B0500040200020003" pitchFamily="34" charset="-34"/>
+                <a:cs typeface="TH SarabunPSK" panose="020B0500040200020003" pitchFamily="34" charset="-34"/>
+              </a:rPr>
+              <a:t> </a:t>
+            </a:r>
+            <a:r>
+              <a:rPr lang="en-US" sz="4200" b="1" spc="105" dirty="0" err="1">
+                <a:solidFill>
+                  <a:srgbClr val="FFFFFF"/>
+                </a:solidFill>
+                <a:latin typeface="TH SarabunPSK" panose="020B0500040200020003" pitchFamily="34" charset="-34"/>
+                <a:cs typeface="TH SarabunPSK" panose="020B0500040200020003" pitchFamily="34" charset="-34"/>
+              </a:rPr>
+              <a:t>เพื่อดึงข้อมูลจาก</a:t>
+            </a:r>
+            <a:r>
+              <a:rPr lang="en-US" sz="4200" b="1" spc="105" dirty="0">
+                <a:solidFill>
+                  <a:srgbClr val="FFFFFF"/>
+                </a:solidFill>
+                <a:latin typeface="TH SarabunPSK" panose="020B0500040200020003" pitchFamily="34" charset="-34"/>
+                <a:cs typeface="TH SarabunPSK" panose="020B0500040200020003" pitchFamily="34" charset="-34"/>
+              </a:rPr>
+              <a:t> API</a:t>
+            </a:r>
+            <a:r>
+              <a:rPr lang="th-TH" sz="4200" b="1" spc="105" dirty="0">
+                <a:solidFill>
                   <a:srgbClr val="FFBD59"/>
                 </a:solidFill>
                 <a:latin typeface="TH SarabunPSK" panose="020B0500040200020003" pitchFamily="34" charset="-34"/>
                 <a:cs typeface="TH SarabunPSK" panose="020B0500040200020003" pitchFamily="34" charset="-34"/>
               </a:rPr>
-              <a:t>fetch</a:t>
-            </a:r>
-            <a:r>
-              <a:rPr lang="en-US" sz="4200" b="1" spc="105" dirty="0">
-                <a:solidFill>
-                  <a:srgbClr val="FFFFFF"/>
-                </a:solidFill>
-                <a:latin typeface="TH SarabunPSK" panose="020B0500040200020003" pitchFamily="34" charset="-34"/>
-                <a:cs typeface="TH SarabunPSK" panose="020B0500040200020003" pitchFamily="34" charset="-34"/>
-              </a:rPr>
               <a:t> </a:t>
-            </a:r>
-            <a:r>
-              <a:rPr lang="en-US" sz="4200" b="1" spc="105" dirty="0" err="1">
-                <a:solidFill>
-                  <a:srgbClr val="FFFFFF"/>
-                </a:solidFill>
-                <a:latin typeface="TH SarabunPSK" panose="020B0500040200020003" pitchFamily="34" charset="-34"/>
-                <a:cs typeface="TH SarabunPSK" panose="020B0500040200020003" pitchFamily="34" charset="-34"/>
-              </a:rPr>
-              <a:t>และ</a:t>
-            </a:r>
-            <a:r>
-              <a:rPr lang="en-US" sz="4200" b="1" spc="105" dirty="0">
-                <a:solidFill>
-                  <a:srgbClr val="FFFFFF"/>
-                </a:solidFill>
-                <a:latin typeface="TH SarabunPSK" panose="020B0500040200020003" pitchFamily="34" charset="-34"/>
-                <a:cs typeface="TH SarabunPSK" panose="020B0500040200020003" pitchFamily="34" charset="-34"/>
-              </a:rPr>
-              <a:t> </a:t>
-            </a:r>
-            <a:r>
-              <a:rPr lang="en-US" sz="4200" b="1" spc="105" dirty="0" err="1">
-                <a:solidFill>
-                  <a:srgbClr val="FFBD59"/>
-                </a:solidFill>
-                <a:latin typeface="TH SarabunPSK" panose="020B0500040200020003" pitchFamily="34" charset="-34"/>
-                <a:cs typeface="TH SarabunPSK" panose="020B0500040200020003" pitchFamily="34" charset="-34"/>
-              </a:rPr>
-              <a:t>axios</a:t>
             </a:r>
             <a:endParaRPr lang="en-US" sz="4200" b="1" spc="105" dirty="0">
               <a:solidFill>
@@ -8027,23 +10268,58 @@
           </a:p>
         </p:txBody>
       </p:sp>
-      <p:sp>
-        <p:nvSpPr>
-          <p:cNvPr id="6" name="TextBox 6"/>
+      <p:pic>
+        <p:nvPicPr>
+          <p:cNvPr id="10" name="Picture 9">
+            <a:extLst>
+              <a:ext uri="{FF2B5EF4-FFF2-40B4-BE49-F238E27FC236}">
+                <a16:creationId xmlns:a16="http://schemas.microsoft.com/office/drawing/2014/main" id="{B6298B65-C6F3-CB0B-F9D2-E65E40707B44}"/>
+              </a:ext>
+            </a:extLst>
+          </p:cNvPr>
+          <p:cNvPicPr>
+            <a:picLocks noChangeAspect="1"/>
+          </p:cNvPicPr>
+          <p:nvPr/>
+        </p:nvPicPr>
+        <p:blipFill rotWithShape="1">
+          <a:blip r:embed="rId3"/>
+          <a:srcRect t="57696" r="809" b="20594"/>
+          <a:stretch/>
+        </p:blipFill>
+        <p:spPr>
+          <a:xfrm>
+            <a:off x="609601" y="6134100"/>
+            <a:ext cx="9525000" cy="1752600"/>
+          </a:xfrm>
+          <a:prstGeom prst="rect">
+            <a:avLst/>
+          </a:prstGeom>
+        </p:spPr>
+      </p:pic>
+      <p:sp>
+        <p:nvSpPr>
+          <p:cNvPr id="16" name="TextBox 6">
+            <a:extLst>
+              <a:ext uri="{FF2B5EF4-FFF2-40B4-BE49-F238E27FC236}">
+                <a16:creationId xmlns:a16="http://schemas.microsoft.com/office/drawing/2014/main" id="{16404781-03B0-2EA5-D8D3-689B0F68AA78}"/>
+              </a:ext>
+            </a:extLst>
+          </p:cNvPr>
           <p:cNvSpPr txBox="1"/>
           <p:nvPr/>
         </p:nvSpPr>
         <p:spPr>
           <a:xfrm>
-            <a:off x="1380745" y="3883533"/>
-            <a:ext cx="6772656" cy="1924886"/>
+            <a:off x="10382921" y="3913669"/>
+            <a:ext cx="7439159" cy="1283685"/>
           </a:xfrm>
           <a:prstGeom prst="rect">
             <a:avLst/>
           </a:prstGeom>
         </p:spPr>
         <p:txBody>
-          <a:bodyPr wrap="square" lIns="0" tIns="0" rIns="0" bIns="0" rtlCol="0" anchor="t">
+          <a:bodyPr lIns="0" tIns="0" rIns="0" bIns="0" rtlCol="0" anchor="t">
             <a:spAutoFit/>
           </a:bodyPr>
           <a:lstStyle/>
@@ -8057,118 +10333,98 @@
               </a:spcBef>
             </a:pPr>
             <a:r>
+              <a:rPr lang="th-TH" sz="4200" spc="105" dirty="0">
+                <a:solidFill>
+                  <a:srgbClr val="000000"/>
+                </a:solidFill>
+                <a:latin typeface="TH SarabunPSK" panose="020B0500040200020003" pitchFamily="34" charset="-34"/>
+                <a:cs typeface="TH SarabunPSK" panose="020B0500040200020003" pitchFamily="34" charset="-34"/>
+              </a:rPr>
+              <a:t>ลูปแสดงผลข้อมูลอาเรย์ในตัวแปร </a:t>
+            </a:r>
+            <a:r>
+              <a:rPr lang="en-US" sz="4200" spc="105" dirty="0">
+                <a:solidFill>
+                  <a:srgbClr val="000000"/>
+                </a:solidFill>
+                <a:latin typeface="TH SarabunPSK" panose="020B0500040200020003" pitchFamily="34" charset="-34"/>
+                <a:cs typeface="TH SarabunPSK" panose="020B0500040200020003" pitchFamily="34" charset="-34"/>
+              </a:rPr>
+              <a:t>post </a:t>
+            </a:r>
+            <a:r>
+              <a:rPr lang="th-TH" sz="4200" spc="105" dirty="0">
+                <a:solidFill>
+                  <a:srgbClr val="000000"/>
+                </a:solidFill>
+                <a:latin typeface="TH SarabunPSK" panose="020B0500040200020003" pitchFamily="34" charset="-34"/>
+                <a:cs typeface="TH SarabunPSK" panose="020B0500040200020003" pitchFamily="34" charset="-34"/>
+              </a:rPr>
+              <a:t>ด้วยเมธอด </a:t>
+            </a:r>
+            <a:r>
+              <a:rPr lang="en-US" sz="4200" b="1" spc="105" dirty="0">
+                <a:solidFill>
+                  <a:schemeClr val="accent6"/>
+                </a:solidFill>
+                <a:latin typeface="TH SarabunPSK" panose="020B0500040200020003" pitchFamily="34" charset="-34"/>
+                <a:cs typeface="TH SarabunPSK" panose="020B0500040200020003" pitchFamily="34" charset="-34"/>
+              </a:rPr>
+              <a:t>map()</a:t>
+            </a:r>
+            <a:r>
+              <a:rPr lang="th-TH" sz="4200" b="1" spc="105" dirty="0">
+                <a:solidFill>
+                  <a:schemeClr val="accent6"/>
+                </a:solidFill>
+                <a:latin typeface="TH SarabunPSK" panose="020B0500040200020003" pitchFamily="34" charset="-34"/>
+                <a:cs typeface="TH SarabunPSK" panose="020B0500040200020003" pitchFamily="34" charset="-34"/>
+              </a:rPr>
+              <a:t> </a:t>
+            </a:r>
+            <a:r>
+              <a:rPr lang="th-TH" sz="4200" spc="105" dirty="0">
+                <a:solidFill>
+                  <a:srgbClr val="000000"/>
+                </a:solidFill>
+                <a:latin typeface="TH SarabunPSK" panose="020B0500040200020003" pitchFamily="34" charset="-34"/>
+                <a:cs typeface="TH SarabunPSK" panose="020B0500040200020003" pitchFamily="34" charset="-34"/>
+              </a:rPr>
+              <a:t>พร้อมแสดงค่า </a:t>
+            </a:r>
+            <a:r>
               <a:rPr lang="en-US" sz="4200" b="1" spc="105" dirty="0" err="1">
                 <a:solidFill>
-                  <a:srgbClr val="FFBD59"/>
-                </a:solidFill>
-                <a:latin typeface="TH SarabunPSK" panose="020B0500040200020003" pitchFamily="34" charset="-34"/>
-                <a:cs typeface="TH SarabunPSK" panose="020B0500040200020003" pitchFamily="34" charset="-34"/>
-              </a:rPr>
-              <a:t>axios</a:t>
-            </a:r>
-            <a:r>
-              <a:rPr lang="en-US" sz="4200" spc="105" dirty="0">
+                  <a:schemeClr val="accent6"/>
+                </a:solidFill>
+                <a:latin typeface="TH SarabunPSK" panose="020B0500040200020003" pitchFamily="34" charset="-34"/>
+                <a:cs typeface="TH SarabunPSK" panose="020B0500040200020003" pitchFamily="34" charset="-34"/>
+              </a:rPr>
+              <a:t>item.name</a:t>
+            </a:r>
+            <a:r>
+              <a:rPr lang="en-US" sz="4200" b="1" spc="105" dirty="0">
+                <a:solidFill>
+                  <a:schemeClr val="accent6"/>
+                </a:solidFill>
+                <a:latin typeface="TH SarabunPSK" panose="020B0500040200020003" pitchFamily="34" charset="-34"/>
+                <a:cs typeface="TH SarabunPSK" panose="020B0500040200020003" pitchFamily="34" charset="-34"/>
+              </a:rPr>
+              <a:t> </a:t>
+            </a:r>
+            <a:r>
+              <a:rPr lang="th-TH" sz="4200" spc="105" dirty="0">
                 <a:solidFill>
                   <a:srgbClr val="000000"/>
                 </a:solidFill>
                 <a:latin typeface="TH SarabunPSK" panose="020B0500040200020003" pitchFamily="34" charset="-34"/>
                 <a:cs typeface="TH SarabunPSK" panose="020B0500040200020003" pitchFamily="34" charset="-34"/>
               </a:rPr>
-              <a:t> </a:t>
-            </a:r>
-            <a:r>
-              <a:rPr lang="en-US" sz="4200" spc="105" dirty="0" err="1">
-                <a:solidFill>
-                  <a:srgbClr val="244357"/>
-                </a:solidFill>
-                <a:latin typeface="TH SarabunPSK" panose="020B0500040200020003" pitchFamily="34" charset="-34"/>
-                <a:cs typeface="TH SarabunPSK" panose="020B0500040200020003" pitchFamily="34" charset="-34"/>
-              </a:rPr>
-              <a:t>จัดการกับ</a:t>
-            </a:r>
-            <a:r>
-              <a:rPr lang="en-US" sz="4200" spc="105" dirty="0">
-                <a:solidFill>
-                  <a:srgbClr val="244357"/>
-                </a:solidFill>
-                <a:latin typeface="TH SarabunPSK" panose="020B0500040200020003" pitchFamily="34" charset="-34"/>
-                <a:cs typeface="TH SarabunPSK" panose="020B0500040200020003" pitchFamily="34" charset="-34"/>
-              </a:rPr>
-              <a:t> Error Handling </a:t>
-            </a:r>
-            <a:r>
-              <a:rPr lang="en-US" sz="4200" spc="105" dirty="0" err="1">
-                <a:solidFill>
-                  <a:srgbClr val="244357"/>
-                </a:solidFill>
-                <a:latin typeface="TH SarabunPSK" panose="020B0500040200020003" pitchFamily="34" charset="-34"/>
-                <a:cs typeface="TH SarabunPSK" panose="020B0500040200020003" pitchFamily="34" charset="-34"/>
-              </a:rPr>
-              <a:t>ได้สะดวกว่า</a:t>
-            </a:r>
-            <a:r>
-              <a:rPr lang="en-US" sz="4200" spc="105" dirty="0">
-                <a:solidFill>
-                  <a:srgbClr val="244357"/>
-                </a:solidFill>
-                <a:latin typeface="TH SarabunPSK" panose="020B0500040200020003" pitchFamily="34" charset="-34"/>
-                <a:cs typeface="TH SarabunPSK" panose="020B0500040200020003" pitchFamily="34" charset="-34"/>
-              </a:rPr>
-              <a:t> </a:t>
-            </a:r>
-            <a:r>
-              <a:rPr lang="en-US" sz="4200" spc="105" dirty="0" err="1">
-                <a:solidFill>
-                  <a:srgbClr val="244357"/>
-                </a:solidFill>
-                <a:latin typeface="TH SarabunPSK" panose="020B0500040200020003" pitchFamily="34" charset="-34"/>
-                <a:cs typeface="TH SarabunPSK" panose="020B0500040200020003" pitchFamily="34" charset="-34"/>
-              </a:rPr>
-              <a:t>โดยหากมี</a:t>
-            </a:r>
-            <a:r>
-              <a:rPr lang="en-US" sz="4200" spc="105" dirty="0">
-                <a:solidFill>
-                  <a:srgbClr val="244357"/>
-                </a:solidFill>
-                <a:latin typeface="TH SarabunPSK" panose="020B0500040200020003" pitchFamily="34" charset="-34"/>
-                <a:cs typeface="TH SarabunPSK" panose="020B0500040200020003" pitchFamily="34" charset="-34"/>
-              </a:rPr>
-              <a:t> error </a:t>
-            </a:r>
-            <a:r>
-              <a:rPr lang="en-US" sz="4200" spc="105" dirty="0" err="1">
-                <a:solidFill>
-                  <a:srgbClr val="244357"/>
-                </a:solidFill>
-                <a:latin typeface="TH SarabunPSK" panose="020B0500040200020003" pitchFamily="34" charset="-34"/>
-                <a:cs typeface="TH SarabunPSK" panose="020B0500040200020003" pitchFamily="34" charset="-34"/>
-              </a:rPr>
-              <a:t>จะทำการเอาลง</a:t>
-            </a:r>
-            <a:r>
-              <a:rPr lang="en-US" sz="4200" spc="105" dirty="0">
-                <a:solidFill>
-                  <a:srgbClr val="244357"/>
-                </a:solidFill>
-                <a:latin typeface="TH SarabunPSK" panose="020B0500040200020003" pitchFamily="34" charset="-34"/>
-                <a:cs typeface="TH SarabunPSK" panose="020B0500040200020003" pitchFamily="34" charset="-34"/>
-              </a:rPr>
-              <a:t> catch </a:t>
-            </a:r>
-            <a:r>
-              <a:rPr lang="en-US" sz="4200" spc="105" dirty="0" err="1">
-                <a:solidFill>
-                  <a:srgbClr val="244357"/>
-                </a:solidFill>
-                <a:latin typeface="TH SarabunPSK" panose="020B0500040200020003" pitchFamily="34" charset="-34"/>
-                <a:cs typeface="TH SarabunPSK" panose="020B0500040200020003" pitchFamily="34" charset="-34"/>
-              </a:rPr>
-              <a:t>ให้เลยทันที</a:t>
+              <a:t>ออกมา</a:t>
             </a:r>
             <a:endParaRPr lang="en-US" sz="4200" spc="105" dirty="0">
               <a:solidFill>
-                <a:srgbClr val="244357"/>
+                <a:srgbClr val="000000"/>
               </a:solidFill>
               <a:latin typeface="TH SarabunPSK" panose="020B0500040200020003" pitchFamily="34" charset="-34"/>
               <a:cs typeface="TH SarabunPSK" panose="020B0500040200020003" pitchFamily="34" charset="-34"/>
@@ -8177,6 +10433,11 @@
         </p:txBody>
       </p:sp>
     </p:spTree>
+    <p:extLst>
+      <p:ext uri="{BB962C8B-B14F-4D97-AF65-F5344CB8AC3E}">
+        <p14:creationId xmlns:p14="http://schemas.microsoft.com/office/powerpoint/2010/main" val="3187338316"/>
+      </p:ext>
+    </p:extLst>
   </p:cSld>
   <p:clrMapOvr>
     <a:masterClrMapping/>
@@ -8303,53 +10564,7 @@
       </p:sp>
       <p:sp>
         <p:nvSpPr>
-          <p:cNvPr id="4" name="Freeform 4"/>
-          <p:cNvSpPr/>
-          <p:nvPr/>
-        </p:nvSpPr>
-        <p:spPr>
-          <a:xfrm>
-            <a:off x="1028700" y="2010104"/>
-            <a:ext cx="10531947" cy="6955714"/>
-          </a:xfrm>
-          <a:custGeom>
-            <a:avLst/>
-            <a:gdLst/>
-            <a:ahLst/>
-            <a:cxnLst/>
-            <a:rect l="l" t="t" r="r" b="b"/>
-            <a:pathLst>
-              <a:path w="10531947" h="6955714">
-                <a:moveTo>
-                  <a:pt x="0" y="0"/>
-                </a:moveTo>
-                <a:lnTo>
-                  <a:pt x="10531947" y="0"/>
-                </a:lnTo>
-                <a:lnTo>
-                  <a:pt x="10531947" y="6955714"/>
-                </a:lnTo>
-                <a:lnTo>
-                  <a:pt x="0" y="6955714"/>
-                </a:lnTo>
-                <a:lnTo>
-                  <a:pt x="0" y="0"/>
-                </a:lnTo>
-                <a:close/>
-              </a:path>
-            </a:pathLst>
-          </a:custGeom>
-          <a:blipFill>
-            <a:blip r:embed="rId5"/>
-            <a:stretch>
-              <a:fillRect/>
-            </a:stretch>
-          </a:blipFill>
-        </p:spPr>
-      </p:sp>
-      <p:sp>
-        <p:nvSpPr>
-          <p:cNvPr id="5" name="TextBox 5"/>
+          <p:cNvPr id="4" name="TextBox 4"/>
           <p:cNvSpPr txBox="1"/>
           <p:nvPr/>
         </p:nvSpPr>
@@ -8377,6 +10592,16 @@
               </a:spcBef>
             </a:pPr>
             <a:r>
+              <a:rPr lang="th-TH" sz="4200" b="1" spc="105" dirty="0">
+                <a:solidFill>
+                  <a:srgbClr val="FFFFFF"/>
+                </a:solidFill>
+                <a:latin typeface="TH SarabunPSK" panose="020B0500040200020003" pitchFamily="34" charset="-34"/>
+                <a:cs typeface="TH SarabunPSK" panose="020B0500040200020003" pitchFamily="34" charset="-34"/>
+              </a:rPr>
+              <a:t>การ</a:t>
+            </a:r>
+            <a:r>
               <a:rPr lang="en-US" sz="4200" b="1" spc="105" dirty="0" err="1">
                 <a:solidFill>
                   <a:srgbClr val="FFFFFF"/>
@@ -8384,7 +10609,7 @@
                 <a:latin typeface="TH SarabunPSK" panose="020B0500040200020003" pitchFamily="34" charset="-34"/>
                 <a:cs typeface="TH SarabunPSK" panose="020B0500040200020003" pitchFamily="34" charset="-34"/>
               </a:rPr>
-              <a:t>เปรียบเทียบการใช้งานระหว่าง</a:t>
+              <a:t>งาน</a:t>
             </a:r>
             <a:r>
               <a:rPr lang="en-US" sz="4200" b="1" spc="105" dirty="0">
@@ -8397,54 +10622,84 @@
               <a:t> </a:t>
             </a:r>
             <a:r>
+              <a:rPr lang="en-US" sz="4200" b="1" spc="105" dirty="0" err="1">
+                <a:solidFill>
+                  <a:srgbClr val="FFBD59"/>
+                </a:solidFill>
+                <a:latin typeface="TH SarabunPSK" panose="020B0500040200020003" pitchFamily="34" charset="-34"/>
+                <a:cs typeface="TH SarabunPSK" panose="020B0500040200020003" pitchFamily="34" charset="-34"/>
+              </a:rPr>
+              <a:t>axios</a:t>
+            </a:r>
+            <a:r>
+              <a:rPr lang="th-TH" sz="4200" b="1" spc="105" dirty="0">
+                <a:solidFill>
+                  <a:srgbClr val="FFBD59"/>
+                </a:solidFill>
+                <a:latin typeface="TH SarabunPSK" panose="020B0500040200020003" pitchFamily="34" charset="-34"/>
+                <a:cs typeface="TH SarabunPSK" panose="020B0500040200020003" pitchFamily="34" charset="-34"/>
+              </a:rPr>
+              <a:t> </a:t>
+            </a:r>
+            <a:r>
+              <a:rPr lang="th-TH" sz="4200" b="1" spc="105" dirty="0">
+                <a:solidFill>
+                  <a:srgbClr val="FFFFFF"/>
+                </a:solidFill>
+                <a:latin typeface="TH SarabunPSK" panose="020B0500040200020003" pitchFamily="34" charset="-34"/>
+                <a:cs typeface="TH SarabunPSK" panose="020B0500040200020003" pitchFamily="34" charset="-34"/>
+              </a:rPr>
+              <a:t>ร่วมกับ </a:t>
+            </a:r>
+            <a:r>
+              <a:rPr lang="en-US" sz="4200" b="1" spc="105" dirty="0" err="1">
+                <a:solidFill>
+                  <a:schemeClr val="accent6"/>
+                </a:solidFill>
+                <a:latin typeface="TH SarabunPSK" panose="020B0500040200020003" pitchFamily="34" charset="-34"/>
+                <a:cs typeface="TH SarabunPSK" panose="020B0500040200020003" pitchFamily="34" charset="-34"/>
+              </a:rPr>
+              <a:t>useEffect</a:t>
+            </a:r>
+            <a:r>
               <a:rPr lang="en-US" sz="4200" b="1" spc="105" dirty="0">
                 <a:solidFill>
+                  <a:srgbClr val="FFFFFF"/>
+                </a:solidFill>
+                <a:latin typeface="TH SarabunPSK" panose="020B0500040200020003" pitchFamily="34" charset="-34"/>
+                <a:cs typeface="TH SarabunPSK" panose="020B0500040200020003" pitchFamily="34" charset="-34"/>
+              </a:rPr>
+              <a:t> </a:t>
+            </a:r>
+            <a:r>
+              <a:rPr lang="th-TH" sz="4200" b="1" spc="105" dirty="0">
+                <a:solidFill>
+                  <a:srgbClr val="FFFFFF"/>
+                </a:solidFill>
+                <a:latin typeface="TH SarabunPSK" panose="020B0500040200020003" pitchFamily="34" charset="-34"/>
+                <a:cs typeface="TH SarabunPSK" panose="020B0500040200020003" pitchFamily="34" charset="-34"/>
+              </a:rPr>
+              <a:t>และ </a:t>
+            </a:r>
+            <a:r>
+              <a:rPr lang="en-US" sz="4200" b="1" spc="105" dirty="0" err="1">
+                <a:solidFill>
+                  <a:schemeClr val="accent6"/>
+                </a:solidFill>
+                <a:latin typeface="TH SarabunPSK" panose="020B0500040200020003" pitchFamily="34" charset="-34"/>
+                <a:cs typeface="TH SarabunPSK" panose="020B0500040200020003" pitchFamily="34" charset="-34"/>
+              </a:rPr>
+              <a:t>useState</a:t>
+            </a:r>
+            <a:r>
+              <a:rPr lang="th-TH" sz="4200" b="1" spc="105" dirty="0">
+                <a:solidFill>
                   <a:srgbClr val="FFBD59"/>
                 </a:solidFill>
                 <a:latin typeface="TH SarabunPSK" panose="020B0500040200020003" pitchFamily="34" charset="-34"/>
                 <a:cs typeface="TH SarabunPSK" panose="020B0500040200020003" pitchFamily="34" charset="-34"/>
               </a:rPr>
-              <a:t>fetch</a:t>
-            </a:r>
-            <a:r>
-              <a:rPr lang="en-US" sz="4200" b="1" spc="105" dirty="0">
-                <a:solidFill>
-                  <a:srgbClr val="FFFFFF"/>
-                </a:solidFill>
-                <a:latin typeface="TH SarabunPSK" panose="020B0500040200020003" pitchFamily="34" charset="-34"/>
-                <a:cs typeface="TH SarabunPSK" panose="020B0500040200020003" pitchFamily="34" charset="-34"/>
-              </a:rPr>
               <a:t> </a:t>
-            </a:r>
-            <a:r>
-              <a:rPr lang="en-US" sz="4200" b="1" spc="105" dirty="0" err="1">
-                <a:solidFill>
-                  <a:srgbClr val="FFFFFF"/>
-                </a:solidFill>
-                <a:latin typeface="TH SarabunPSK" panose="020B0500040200020003" pitchFamily="34" charset="-34"/>
-                <a:cs typeface="TH SarabunPSK" panose="020B0500040200020003" pitchFamily="34" charset="-34"/>
-              </a:rPr>
-              <a:t>และ</a:t>
-            </a:r>
-            <a:r>
-              <a:rPr lang="en-US" sz="4200" b="1" spc="105" dirty="0">
-                <a:solidFill>
-                  <a:srgbClr val="FFFFFF"/>
-                </a:solidFill>
-                <a:latin typeface="TH SarabunPSK" panose="020B0500040200020003" pitchFamily="34" charset="-34"/>
-                <a:cs typeface="TH SarabunPSK" panose="020B0500040200020003" pitchFamily="34" charset="-34"/>
-              </a:rPr>
-              <a:t> </a:t>
-            </a:r>
-            <a:r>
-              <a:rPr lang="en-US" sz="4200" b="1" spc="105" dirty="0" err="1">
-                <a:solidFill>
-                  <a:srgbClr val="FFBD59"/>
-                </a:solidFill>
-                <a:latin typeface="TH SarabunPSK" panose="020B0500040200020003" pitchFamily="34" charset="-34"/>
-                <a:cs typeface="TH SarabunPSK" panose="020B0500040200020003" pitchFamily="34" charset="-34"/>
-              </a:rPr>
-              <a:t>axios</a:t>
             </a:r>
             <a:endParaRPr lang="en-US" sz="4200" b="1" spc="105" dirty="0">
               <a:solidFill>
@@ -8456,16 +10711,52 @@
           </a:p>
         </p:txBody>
       </p:sp>
-      <p:sp>
-        <p:nvSpPr>
-          <p:cNvPr id="6" name="TextBox 6"/>
+      <p:pic>
+        <p:nvPicPr>
+          <p:cNvPr id="10" name="Picture 9">
+            <a:extLst>
+              <a:ext uri="{FF2B5EF4-FFF2-40B4-BE49-F238E27FC236}">
+                <a16:creationId xmlns:a16="http://schemas.microsoft.com/office/drawing/2014/main" id="{B6298B65-C6F3-CB0B-F9D2-E65E40707B44}"/>
+              </a:ext>
+            </a:extLst>
+          </p:cNvPr>
+          <p:cNvPicPr>
+            <a:picLocks noChangeAspect="1"/>
+          </p:cNvPicPr>
+          <p:nvPr/>
+        </p:nvPicPr>
+        <p:blipFill>
+          <a:blip r:embed="rId5"/>
+          <a:stretch>
+            <a:fillRect/>
+          </a:stretch>
+        </p:blipFill>
+        <p:spPr>
+          <a:xfrm>
+            <a:off x="609600" y="1476023"/>
+            <a:ext cx="9602769" cy="8073665"/>
+          </a:xfrm>
+          <a:prstGeom prst="rect">
+            <a:avLst/>
+          </a:prstGeom>
+        </p:spPr>
+      </p:pic>
+      <p:sp>
+        <p:nvSpPr>
+          <p:cNvPr id="16" name="TextBox 6">
+            <a:extLst>
+              <a:ext uri="{FF2B5EF4-FFF2-40B4-BE49-F238E27FC236}">
+                <a16:creationId xmlns:a16="http://schemas.microsoft.com/office/drawing/2014/main" id="{16404781-03B0-2EA5-D8D3-689B0F68AA78}"/>
+              </a:ext>
+            </a:extLst>
+          </p:cNvPr>
           <p:cNvSpPr txBox="1"/>
           <p:nvPr/>
         </p:nvSpPr>
         <p:spPr>
           <a:xfrm>
-            <a:off x="11773705" y="2936049"/>
-            <a:ext cx="6036848" cy="3978012"/>
+            <a:off x="10382921" y="3913669"/>
+            <a:ext cx="7439159" cy="5130892"/>
           </a:xfrm>
           <a:prstGeom prst="rect">
             <a:avLst/>
@@ -8486,15 +10777,82 @@
               </a:spcBef>
             </a:pPr>
             <a:r>
+              <a:rPr lang="th-TH" sz="4200" spc="105" dirty="0">
+                <a:solidFill>
+                  <a:srgbClr val="000000"/>
+                </a:solidFill>
+                <a:latin typeface="TH SarabunPSK" panose="020B0500040200020003" pitchFamily="34" charset="-34"/>
+                <a:cs typeface="TH SarabunPSK" panose="020B0500040200020003" pitchFamily="34" charset="-34"/>
+              </a:rPr>
+              <a:t>อิมพอร์ต </a:t>
+            </a:r>
+            <a:r>
+              <a:rPr lang="en-US" sz="4200" b="1" spc="105" dirty="0" err="1">
+                <a:solidFill>
+                  <a:schemeClr val="accent6"/>
+                </a:solidFill>
+                <a:latin typeface="TH SarabunPSK" panose="020B0500040200020003" pitchFamily="34" charset="-34"/>
+                <a:cs typeface="TH SarabunPSK" panose="020B0500040200020003" pitchFamily="34" charset="-34"/>
+              </a:rPr>
+              <a:t>useEffect</a:t>
+            </a:r>
+            <a:r>
               <a:rPr lang="en-US" sz="4200" b="1" spc="105" dirty="0">
                 <a:solidFill>
-                  <a:srgbClr val="244357"/>
-                </a:solidFill>
-                <a:latin typeface="TH SarabunPSK" panose="020B0500040200020003" pitchFamily="34" charset="-34"/>
-                <a:cs typeface="TH SarabunPSK" panose="020B0500040200020003" pitchFamily="34" charset="-34"/>
-              </a:rPr>
-              <a:t>Intercept request </a:t>
-            </a:r>
+                  <a:schemeClr val="accent6"/>
+                </a:solidFill>
+                <a:latin typeface="TH SarabunPSK" panose="020B0500040200020003" pitchFamily="34" charset="-34"/>
+                <a:cs typeface="TH SarabunPSK" panose="020B0500040200020003" pitchFamily="34" charset="-34"/>
+              </a:rPr>
+              <a:t>, </a:t>
+            </a:r>
+            <a:r>
+              <a:rPr lang="en-US" sz="4200" b="1" spc="105" dirty="0" err="1">
+                <a:solidFill>
+                  <a:schemeClr val="accent6"/>
+                </a:solidFill>
+                <a:latin typeface="TH SarabunPSK" panose="020B0500040200020003" pitchFamily="34" charset="-34"/>
+                <a:cs typeface="TH SarabunPSK" panose="020B0500040200020003" pitchFamily="34" charset="-34"/>
+              </a:rPr>
+              <a:t>useState</a:t>
+            </a:r>
+            <a:r>
+              <a:rPr lang="en-US" sz="4200" spc="105" dirty="0">
+                <a:solidFill>
+                  <a:srgbClr val="000000"/>
+                </a:solidFill>
+                <a:latin typeface="TH SarabunPSK" panose="020B0500040200020003" pitchFamily="34" charset="-34"/>
+                <a:cs typeface="TH SarabunPSK" panose="020B0500040200020003" pitchFamily="34" charset="-34"/>
+              </a:rPr>
+              <a:t> </a:t>
+            </a:r>
+            <a:r>
+              <a:rPr lang="th-TH" sz="4200" spc="105" dirty="0">
+                <a:solidFill>
+                  <a:srgbClr val="000000"/>
+                </a:solidFill>
+                <a:latin typeface="TH SarabunPSK" panose="020B0500040200020003" pitchFamily="34" charset="-34"/>
+                <a:cs typeface="TH SarabunPSK" panose="020B0500040200020003" pitchFamily="34" charset="-34"/>
+              </a:rPr>
+              <a:t>เพื่อใช้งาน </a:t>
+            </a:r>
+            <a:r>
+              <a:rPr lang="en-US" sz="4200" b="1" spc="105" dirty="0">
+                <a:solidFill>
+                  <a:schemeClr val="accent6"/>
+                </a:solidFill>
+                <a:latin typeface="TH SarabunPSK" panose="020B0500040200020003" pitchFamily="34" charset="-34"/>
+                <a:cs typeface="TH SarabunPSK" panose="020B0500040200020003" pitchFamily="34" charset="-34"/>
+              </a:rPr>
+              <a:t>Hooks</a:t>
+            </a:r>
+            <a:endParaRPr lang="th-TH" sz="4200" b="1" spc="105" dirty="0">
+              <a:solidFill>
+                <a:schemeClr val="accent6"/>
+              </a:solidFill>
+              <a:latin typeface="TH SarabunPSK" panose="020B0500040200020003" pitchFamily="34" charset="-34"/>
+              <a:cs typeface="TH SarabunPSK" panose="020B0500040200020003" pitchFamily="34" charset="-34"/>
+            </a:endParaRPr>
           </a:p>
           <a:p>
             <a:pPr>
@@ -8506,15 +10864,62 @@
               </a:spcBef>
             </a:pPr>
             <a:r>
-              <a:rPr lang="en-US" sz="4200" b="1" spc="105" dirty="0">
-                <a:solidFill>
-                  <a:srgbClr val="244357"/>
-                </a:solidFill>
-                <a:latin typeface="TH SarabunPSK" panose="020B0500040200020003" pitchFamily="34" charset="-34"/>
-                <a:cs typeface="TH SarabunPSK" panose="020B0500040200020003" pitchFamily="34" charset="-34"/>
-              </a:rPr>
-              <a:t>and response</a:t>
-            </a:r>
+              <a:rPr lang="th-TH" sz="4200" spc="105" dirty="0">
+                <a:solidFill>
+                  <a:srgbClr val="000000"/>
+                </a:solidFill>
+                <a:latin typeface="TH SarabunPSK" panose="020B0500040200020003" pitchFamily="34" charset="-34"/>
+                <a:cs typeface="TH SarabunPSK" panose="020B0500040200020003" pitchFamily="34" charset="-34"/>
+              </a:rPr>
+              <a:t>อิมพอร์ต </a:t>
+            </a:r>
+            <a:r>
+              <a:rPr lang="en-US" sz="4200" b="1" spc="105" dirty="0" err="1">
+                <a:solidFill>
+                  <a:schemeClr val="accent6"/>
+                </a:solidFill>
+                <a:latin typeface="TH SarabunPSK" panose="020B0500040200020003" pitchFamily="34" charset="-34"/>
+                <a:cs typeface="TH SarabunPSK" panose="020B0500040200020003" pitchFamily="34" charset="-34"/>
+              </a:rPr>
+              <a:t>axios</a:t>
+            </a:r>
+            <a:r>
+              <a:rPr lang="en-US" sz="4200" spc="105" dirty="0">
+                <a:solidFill>
+                  <a:srgbClr val="000000"/>
+                </a:solidFill>
+                <a:latin typeface="TH SarabunPSK" panose="020B0500040200020003" pitchFamily="34" charset="-34"/>
+                <a:cs typeface="TH SarabunPSK" panose="020B0500040200020003" pitchFamily="34" charset="-34"/>
+              </a:rPr>
+              <a:t> </a:t>
+            </a:r>
+            <a:r>
+              <a:rPr lang="th-TH" sz="4200" spc="105" dirty="0">
+                <a:solidFill>
+                  <a:srgbClr val="000000"/>
+                </a:solidFill>
+                <a:latin typeface="TH SarabunPSK" panose="020B0500040200020003" pitchFamily="34" charset="-34"/>
+                <a:cs typeface="TH SarabunPSK" panose="020B0500040200020003" pitchFamily="34" charset="-34"/>
+              </a:rPr>
+              <a:t>เพื่อใช้รับข้อมูลด้วยโปรโตคอล </a:t>
+            </a:r>
+            <a:r>
+              <a:rPr lang="en-US" sz="4200" spc="105" dirty="0">
+                <a:solidFill>
+                  <a:srgbClr val="000000"/>
+                </a:solidFill>
+                <a:latin typeface="TH SarabunPSK" panose="020B0500040200020003" pitchFamily="34" charset="-34"/>
+                <a:cs typeface="TH SarabunPSK" panose="020B0500040200020003" pitchFamily="34" charset="-34"/>
+              </a:rPr>
+              <a:t>HTTP</a:t>
+            </a:r>
+            <a:endParaRPr lang="th-TH" sz="4200" spc="105" dirty="0">
+              <a:solidFill>
+                <a:srgbClr val="000000"/>
+              </a:solidFill>
+              <a:latin typeface="TH SarabunPSK" panose="020B0500040200020003" pitchFamily="34" charset="-34"/>
+              <a:cs typeface="TH SarabunPSK" panose="020B0500040200020003" pitchFamily="34" charset="-34"/>
+            </a:endParaRPr>
           </a:p>
           <a:p>
             <a:pPr>
@@ -8525,37 +10930,150 @@
                 <a:spcPct val="0"/>
               </a:spcBef>
             </a:pPr>
-            <a:endParaRPr lang="en-US" sz="4200" spc="105" dirty="0">
-              <a:solidFill>
-                <a:srgbClr val="244357"/>
-              </a:solidFill>
-              <a:latin typeface="TH SarabunPSK" panose="020B0500040200020003" pitchFamily="34" charset="-34"/>
-              <a:cs typeface="TH SarabunPSK" panose="020B0500040200020003" pitchFamily="34" charset="-34"/>
-            </a:endParaRPr>
+            <a:r>
+              <a:rPr lang="th-TH" sz="4200" spc="105" dirty="0">
+                <a:solidFill>
+                  <a:srgbClr val="000000"/>
+                </a:solidFill>
+                <a:latin typeface="TH SarabunPSK" panose="020B0500040200020003" pitchFamily="34" charset="-34"/>
+                <a:cs typeface="TH SarabunPSK" panose="020B0500040200020003" pitchFamily="34" charset="-34"/>
+              </a:rPr>
+              <a:t>ใช้เมธอด </a:t>
+            </a:r>
+            <a:r>
+              <a:rPr lang="en-US" sz="4200" b="1" spc="105" dirty="0" err="1">
+                <a:solidFill>
+                  <a:schemeClr val="accent6"/>
+                </a:solidFill>
+                <a:latin typeface="TH SarabunPSK" panose="020B0500040200020003" pitchFamily="34" charset="-34"/>
+                <a:cs typeface="TH SarabunPSK" panose="020B0500040200020003" pitchFamily="34" charset="-34"/>
+              </a:rPr>
+              <a:t>axios.get</a:t>
+            </a:r>
+            <a:r>
+              <a:rPr lang="en-US" sz="4200" b="1" spc="105" dirty="0">
+                <a:solidFill>
+                  <a:schemeClr val="accent6"/>
+                </a:solidFill>
+                <a:latin typeface="TH SarabunPSK" panose="020B0500040200020003" pitchFamily="34" charset="-34"/>
+                <a:cs typeface="TH SarabunPSK" panose="020B0500040200020003" pitchFamily="34" charset="-34"/>
+              </a:rPr>
+              <a:t>()</a:t>
+            </a:r>
+            <a:r>
+              <a:rPr lang="th-TH" sz="4200" b="1" spc="105" dirty="0">
+                <a:solidFill>
+                  <a:schemeClr val="accent6"/>
+                </a:solidFill>
+                <a:latin typeface="TH SarabunPSK" panose="020B0500040200020003" pitchFamily="34" charset="-34"/>
+                <a:cs typeface="TH SarabunPSK" panose="020B0500040200020003" pitchFamily="34" charset="-34"/>
+              </a:rPr>
+              <a:t> </a:t>
+            </a:r>
+            <a:r>
+              <a:rPr lang="th-TH" sz="4200" spc="105" dirty="0">
+                <a:solidFill>
+                  <a:srgbClr val="000000"/>
+                </a:solidFill>
+                <a:latin typeface="TH SarabunPSK" panose="020B0500040200020003" pitchFamily="34" charset="-34"/>
+                <a:cs typeface="TH SarabunPSK" panose="020B0500040200020003" pitchFamily="34" charset="-34"/>
+              </a:rPr>
+              <a:t>เพื่อสร้าง </a:t>
+            </a:r>
+            <a:r>
+              <a:rPr lang="en-US" sz="4200" spc="105" dirty="0">
+                <a:solidFill>
+                  <a:srgbClr val="000000"/>
+                </a:solidFill>
+                <a:latin typeface="TH SarabunPSK" panose="020B0500040200020003" pitchFamily="34" charset="-34"/>
+                <a:cs typeface="TH SarabunPSK" panose="020B0500040200020003" pitchFamily="34" charset="-34"/>
+              </a:rPr>
+              <a:t>request </a:t>
+            </a:r>
+            <a:r>
+              <a:rPr lang="th-TH" sz="4200" spc="105" dirty="0">
+                <a:solidFill>
+                  <a:srgbClr val="000000"/>
+                </a:solidFill>
+                <a:latin typeface="TH SarabunPSK" panose="020B0500040200020003" pitchFamily="34" charset="-34"/>
+                <a:cs typeface="TH SarabunPSK" panose="020B0500040200020003" pitchFamily="34" charset="-34"/>
+              </a:rPr>
+              <a:t>ไปขอข้อมูลจาก </a:t>
+            </a:r>
+            <a:r>
+              <a:rPr lang="en-US" sz="4200" spc="105" dirty="0">
+                <a:solidFill>
+                  <a:srgbClr val="000000"/>
+                </a:solidFill>
+                <a:latin typeface="TH SarabunPSK" panose="020B0500040200020003" pitchFamily="34" charset="-34"/>
+                <a:cs typeface="TH SarabunPSK" panose="020B0500040200020003" pitchFamily="34" charset="-34"/>
+              </a:rPr>
+              <a:t>URL</a:t>
+            </a:r>
+            <a:r>
+              <a:rPr lang="th-TH" sz="4200" spc="105" dirty="0">
+                <a:solidFill>
+                  <a:srgbClr val="000000"/>
+                </a:solidFill>
+                <a:latin typeface="TH SarabunPSK" panose="020B0500040200020003" pitchFamily="34" charset="-34"/>
+                <a:cs typeface="TH SarabunPSK" panose="020B0500040200020003" pitchFamily="34" charset="-34"/>
+              </a:rPr>
+              <a:t> </a:t>
+            </a:r>
           </a:p>
           <a:p>
             <a:pPr>
               <a:lnSpc>
-                <a:spcPts val="4046"/>
+                <a:spcPts val="4998"/>
               </a:lnSpc>
               <a:spcBef>
                 <a:spcPct val="0"/>
               </a:spcBef>
             </a:pPr>
             <a:r>
-              <a:rPr lang="en-US" sz="3400" b="1" spc="85" dirty="0" err="1">
-                <a:solidFill>
-                  <a:srgbClr val="FFBD59"/>
-                </a:solidFill>
-                <a:latin typeface="TH SarabunPSK" panose="020B0500040200020003" pitchFamily="34" charset="-34"/>
-                <a:cs typeface="TH SarabunPSK" panose="020B0500040200020003" pitchFamily="34" charset="-34"/>
-              </a:rPr>
-              <a:t>axios</a:t>
-            </a:r>
-            <a:r>
-              <a:rPr lang="en-US" sz="3400" spc="85" dirty="0">
-                <a:solidFill>
-                  <a:srgbClr val="244357"/>
+              <a:rPr lang="th-TH" sz="4200" spc="105" dirty="0">
+                <a:solidFill>
+                  <a:srgbClr val="000000"/>
+                </a:solidFill>
+                <a:latin typeface="TH SarabunPSK" panose="020B0500040200020003" pitchFamily="34" charset="-34"/>
+                <a:cs typeface="TH SarabunPSK" panose="020B0500040200020003" pitchFamily="34" charset="-34"/>
+              </a:rPr>
+              <a:t>ใช้เมธอด </a:t>
+            </a:r>
+            <a:r>
+              <a:rPr lang="en-US" sz="4200" spc="105" dirty="0">
+                <a:solidFill>
+                  <a:srgbClr val="000000"/>
+                </a:solidFill>
+                <a:latin typeface="TH SarabunPSK" panose="020B0500040200020003" pitchFamily="34" charset="-34"/>
+                <a:cs typeface="TH SarabunPSK" panose="020B0500040200020003" pitchFamily="34" charset="-34"/>
+              </a:rPr>
+              <a:t>then()</a:t>
+            </a:r>
+            <a:r>
+              <a:rPr lang="th-TH" sz="4200" spc="105" dirty="0">
+                <a:solidFill>
+                  <a:srgbClr val="000000"/>
+                </a:solidFill>
+                <a:latin typeface="TH SarabunPSK" panose="020B0500040200020003" pitchFamily="34" charset="-34"/>
+                <a:cs typeface="TH SarabunPSK" panose="020B0500040200020003" pitchFamily="34" charset="-34"/>
+              </a:rPr>
+              <a:t> เพื่อรับข้อมูลไปเก็บไว้ในตัวแปร </a:t>
+            </a:r>
+            <a:r>
+              <a:rPr lang="en-US" sz="4200" b="1" spc="105" dirty="0">
+                <a:solidFill>
+                  <a:schemeClr val="accent6"/>
+                </a:solidFill>
+                <a:latin typeface="TH SarabunPSK" panose="020B0500040200020003" pitchFamily="34" charset="-34"/>
+                <a:cs typeface="TH SarabunPSK" panose="020B0500040200020003" pitchFamily="34" charset="-34"/>
+              </a:rPr>
+              <a:t>post</a:t>
+            </a:r>
+            <a:r>
+              <a:rPr lang="en-US" sz="4200" spc="105" dirty="0">
+                <a:solidFill>
+                  <a:srgbClr val="000000"/>
                 </a:solidFill>
                 <a:latin typeface="TH SarabunPSK" panose="020B0500040200020003" pitchFamily="34" charset="-34"/>
                 <a:cs typeface="TH SarabunPSK" panose="020B0500040200020003" pitchFamily="34" charset="-34"/>
@@ -8563,146 +11081,44 @@
               <a:t> </a:t>
             </a:r>
             <a:r>
-              <a:rPr lang="en-US" sz="3400" spc="85" dirty="0" err="1">
-                <a:solidFill>
-                  <a:srgbClr val="244357"/>
-                </a:solidFill>
-                <a:latin typeface="TH SarabunPSK" panose="020B0500040200020003" pitchFamily="34" charset="-34"/>
-                <a:cs typeface="TH SarabunPSK" panose="020B0500040200020003" pitchFamily="34" charset="-34"/>
-              </a:rPr>
-              <a:t>มี</a:t>
-            </a:r>
-            <a:r>
-              <a:rPr lang="en-US" sz="3400" spc="85" dirty="0">
-                <a:solidFill>
-                  <a:srgbClr val="244357"/>
-                </a:solidFill>
-                <a:latin typeface="TH SarabunPSK" panose="020B0500040200020003" pitchFamily="34" charset="-34"/>
-                <a:cs typeface="TH SarabunPSK" panose="020B0500040200020003" pitchFamily="34" charset="-34"/>
-              </a:rPr>
-              <a:t> Interceptor </a:t>
-            </a:r>
-            <a:r>
-              <a:rPr lang="en-US" sz="3400" spc="85" dirty="0" err="1">
-                <a:solidFill>
-                  <a:srgbClr val="244357"/>
-                </a:solidFill>
-                <a:latin typeface="TH SarabunPSK" panose="020B0500040200020003" pitchFamily="34" charset="-34"/>
-                <a:cs typeface="TH SarabunPSK" panose="020B0500040200020003" pitchFamily="34" charset="-34"/>
-              </a:rPr>
-              <a:t>ให้ด้วย</a:t>
-            </a:r>
-            <a:r>
-              <a:rPr lang="en-US" sz="3400" spc="85" dirty="0">
-                <a:solidFill>
-                  <a:srgbClr val="244357"/>
-                </a:solidFill>
-                <a:latin typeface="TH SarabunPSK" panose="020B0500040200020003" pitchFamily="34" charset="-34"/>
-                <a:cs typeface="TH SarabunPSK" panose="020B0500040200020003" pitchFamily="34" charset="-34"/>
-              </a:rPr>
-              <a:t> </a:t>
-            </a:r>
-            <a:r>
-              <a:rPr lang="en-US" sz="3400" spc="85" dirty="0" err="1">
-                <a:solidFill>
-                  <a:srgbClr val="244357"/>
-                </a:solidFill>
-                <a:latin typeface="TH SarabunPSK" panose="020B0500040200020003" pitchFamily="34" charset="-34"/>
-                <a:cs typeface="TH SarabunPSK" panose="020B0500040200020003" pitchFamily="34" charset="-34"/>
-              </a:rPr>
-              <a:t>คุณสามารถปรับเปลี่ยน</a:t>
-            </a:r>
-            <a:r>
-              <a:rPr lang="en-US" sz="3400" spc="85" dirty="0">
-                <a:solidFill>
-                  <a:srgbClr val="244357"/>
-                </a:solidFill>
-                <a:latin typeface="TH SarabunPSK" panose="020B0500040200020003" pitchFamily="34" charset="-34"/>
-                <a:cs typeface="TH SarabunPSK" panose="020B0500040200020003" pitchFamily="34" charset="-34"/>
-              </a:rPr>
-              <a:t> request </a:t>
-            </a:r>
-            <a:r>
-              <a:rPr lang="en-US" sz="3400" spc="85" dirty="0" err="1">
-                <a:solidFill>
-                  <a:srgbClr val="244357"/>
-                </a:solidFill>
-                <a:latin typeface="TH SarabunPSK" panose="020B0500040200020003" pitchFamily="34" charset="-34"/>
-                <a:cs typeface="TH SarabunPSK" panose="020B0500040200020003" pitchFamily="34" charset="-34"/>
-              </a:rPr>
-              <a:t>ที่ได้รับมาก่อนจะโยนต่อ</a:t>
-            </a:r>
-            <a:r>
-              <a:rPr lang="en-US" sz="3400" spc="85" dirty="0">
-                <a:solidFill>
-                  <a:srgbClr val="244357"/>
-                </a:solidFill>
-                <a:latin typeface="TH SarabunPSK" panose="020B0500040200020003" pitchFamily="34" charset="-34"/>
-                <a:cs typeface="TH SarabunPSK" panose="020B0500040200020003" pitchFamily="34" charset="-34"/>
-              </a:rPr>
-              <a:t> </a:t>
-            </a:r>
-            <a:r>
-              <a:rPr lang="en-US" sz="3400" spc="85" dirty="0" err="1">
-                <a:solidFill>
-                  <a:srgbClr val="244357"/>
-                </a:solidFill>
-                <a:latin typeface="TH SarabunPSK" panose="020B0500040200020003" pitchFamily="34" charset="-34"/>
-                <a:cs typeface="TH SarabunPSK" panose="020B0500040200020003" pitchFamily="34" charset="-34"/>
-              </a:rPr>
-              <a:t>หรือปรับเปลี่ยนข้อมูลที่จะ</a:t>
-            </a:r>
-            <a:r>
-              <a:rPr lang="en-US" sz="3400" spc="85" dirty="0">
-                <a:solidFill>
-                  <a:srgbClr val="244357"/>
-                </a:solidFill>
-                <a:latin typeface="TH SarabunPSK" panose="020B0500040200020003" pitchFamily="34" charset="-34"/>
-                <a:cs typeface="TH SarabunPSK" panose="020B0500040200020003" pitchFamily="34" charset="-34"/>
-              </a:rPr>
-              <a:t> response </a:t>
-            </a:r>
-            <a:r>
-              <a:rPr lang="en-US" sz="3400" spc="85" dirty="0" err="1">
-                <a:solidFill>
-                  <a:srgbClr val="244357"/>
-                </a:solidFill>
-                <a:latin typeface="TH SarabunPSK" panose="020B0500040200020003" pitchFamily="34" charset="-34"/>
-                <a:cs typeface="TH SarabunPSK" panose="020B0500040200020003" pitchFamily="34" charset="-34"/>
-              </a:rPr>
-              <a:t>ได้ก่อนที่จะทำการ</a:t>
-            </a:r>
-            <a:r>
-              <a:rPr lang="en-US" sz="3400" spc="85" dirty="0">
-                <a:solidFill>
-                  <a:srgbClr val="244357"/>
-                </a:solidFill>
-                <a:latin typeface="TH SarabunPSK" panose="020B0500040200020003" pitchFamily="34" charset="-34"/>
-                <a:cs typeface="TH SarabunPSK" panose="020B0500040200020003" pitchFamily="34" charset="-34"/>
-              </a:rPr>
-              <a:t> response </a:t>
-            </a:r>
-            <a:r>
-              <a:rPr lang="en-US" sz="3400" spc="85" dirty="0" err="1">
-                <a:solidFill>
-                  <a:srgbClr val="244357"/>
-                </a:solidFill>
-                <a:latin typeface="TH SarabunPSK" panose="020B0500040200020003" pitchFamily="34" charset="-34"/>
-                <a:cs typeface="TH SarabunPSK" panose="020B0500040200020003" pitchFamily="34" charset="-34"/>
-              </a:rPr>
-              <a:t>จริง</a:t>
-            </a:r>
-            <a:endParaRPr lang="en-US" sz="3400" spc="85" dirty="0">
-              <a:solidFill>
-                <a:srgbClr val="244357"/>
-              </a:solidFill>
-              <a:latin typeface="TH SarabunPSK" panose="020B0500040200020003" pitchFamily="34" charset="-34"/>
-              <a:cs typeface="TH SarabunPSK" panose="020B0500040200020003" pitchFamily="34" charset="-34"/>
-            </a:endParaRPr>
+              <a:rPr lang="th-TH" sz="4200" spc="105" dirty="0">
+                <a:solidFill>
+                  <a:srgbClr val="000000"/>
+                </a:solidFill>
+                <a:latin typeface="TH SarabunPSK" panose="020B0500040200020003" pitchFamily="34" charset="-34"/>
+                <a:cs typeface="TH SarabunPSK" panose="020B0500040200020003" pitchFamily="34" charset="-34"/>
+              </a:rPr>
+              <a:t>ด้วย </a:t>
+            </a:r>
+            <a:r>
+              <a:rPr lang="en-US" sz="4200" b="1" spc="105" dirty="0" err="1">
+                <a:solidFill>
+                  <a:schemeClr val="accent6"/>
+                </a:solidFill>
+                <a:latin typeface="TH SarabunPSK" panose="020B0500040200020003" pitchFamily="34" charset="-34"/>
+                <a:cs typeface="TH SarabunPSK" panose="020B0500040200020003" pitchFamily="34" charset="-34"/>
+              </a:rPr>
+              <a:t>setPost</a:t>
+            </a:r>
+            <a:r>
+              <a:rPr lang="en-US" sz="4200" b="1" spc="105" dirty="0">
+                <a:solidFill>
+                  <a:schemeClr val="accent6"/>
+                </a:solidFill>
+                <a:latin typeface="TH SarabunPSK" panose="020B0500040200020003" pitchFamily="34" charset="-34"/>
+                <a:cs typeface="TH SarabunPSK" panose="020B0500040200020003" pitchFamily="34" charset="-34"/>
+              </a:rPr>
+              <a:t>()</a:t>
+            </a:r>
           </a:p>
         </p:txBody>
       </p:sp>
     </p:spTree>
+    <p:extLst>
+      <p:ext uri="{BB962C8B-B14F-4D97-AF65-F5344CB8AC3E}">
+        <p14:creationId xmlns:p14="http://schemas.microsoft.com/office/powerpoint/2010/main" val="2093219390"/>
+      </p:ext>
+    </p:extLst>
   </p:cSld>
   <p:clrMapOvr>
     <a:masterClrMapping/>
@@ -8829,14 +11245,123 @@
       </p:sp>
       <p:sp>
         <p:nvSpPr>
-          <p:cNvPr id="4" name="Freeform 4"/>
+          <p:cNvPr id="4" name="TextBox 4"/>
+          <p:cNvSpPr txBox="1"/>
+          <p:nvPr/>
+        </p:nvSpPr>
+        <p:spPr>
+          <a:xfrm>
+            <a:off x="1028700" y="394716"/>
+            <a:ext cx="15582406" cy="642484"/>
+          </a:xfrm>
+          <a:prstGeom prst="rect">
+            <a:avLst/>
+          </a:prstGeom>
+        </p:spPr>
+        <p:txBody>
+          <a:bodyPr lIns="0" tIns="0" rIns="0" bIns="0" rtlCol="0" anchor="t">
+            <a:spAutoFit/>
+          </a:bodyPr>
+          <a:lstStyle/>
+          <a:p>
+            <a:pPr>
+              <a:lnSpc>
+                <a:spcPts val="4998"/>
+              </a:lnSpc>
+              <a:spcBef>
+                <a:spcPct val="0"/>
+              </a:spcBef>
+            </a:pPr>
+            <a:r>
+              <a:rPr lang="en-US" sz="4200" b="1" spc="105" dirty="0" err="1">
+                <a:solidFill>
+                  <a:srgbClr val="FFFFFF"/>
+                </a:solidFill>
+                <a:latin typeface="TH SarabunPSK" panose="020B0500040200020003" pitchFamily="34" charset="-34"/>
+                <a:cs typeface="TH SarabunPSK" panose="020B0500040200020003" pitchFamily="34" charset="-34"/>
+              </a:rPr>
+              <a:t>เปรียบเทียบการใช้งานระหว่าง</a:t>
+            </a:r>
+            <a:r>
+              <a:rPr lang="en-US" sz="4200" b="1" spc="105" dirty="0">
+                <a:solidFill>
+                  <a:srgbClr val="FFFFFF"/>
+                </a:solidFill>
+                <a:latin typeface="TH SarabunPSK" panose="020B0500040200020003" pitchFamily="34" charset="-34"/>
+                <a:cs typeface="TH SarabunPSK" panose="020B0500040200020003" pitchFamily="34" charset="-34"/>
+              </a:rPr>
+              <a:t> </a:t>
+            </a:r>
+            <a:r>
+              <a:rPr lang="en-US" sz="4200" b="1" spc="105" dirty="0">
+                <a:solidFill>
+                  <a:srgbClr val="FFBD59"/>
+                </a:solidFill>
+                <a:latin typeface="TH SarabunPSK" panose="020B0500040200020003" pitchFamily="34" charset="-34"/>
+                <a:cs typeface="TH SarabunPSK" panose="020B0500040200020003" pitchFamily="34" charset="-34"/>
+              </a:rPr>
+              <a:t>fetch</a:t>
+            </a:r>
+            <a:r>
+              <a:rPr lang="en-US" sz="4200" b="1" spc="105" dirty="0">
+                <a:solidFill>
+                  <a:srgbClr val="FFFFFF"/>
+                </a:solidFill>
+                <a:latin typeface="TH SarabunPSK" panose="020B0500040200020003" pitchFamily="34" charset="-34"/>
+                <a:cs typeface="TH SarabunPSK" panose="020B0500040200020003" pitchFamily="34" charset="-34"/>
+              </a:rPr>
+              <a:t> </a:t>
+            </a:r>
+            <a:r>
+              <a:rPr lang="en-US" sz="4200" b="1" spc="105" dirty="0" err="1">
+                <a:solidFill>
+                  <a:srgbClr val="FFFFFF"/>
+                </a:solidFill>
+                <a:latin typeface="TH SarabunPSK" panose="020B0500040200020003" pitchFamily="34" charset="-34"/>
+                <a:cs typeface="TH SarabunPSK" panose="020B0500040200020003" pitchFamily="34" charset="-34"/>
+              </a:rPr>
+              <a:t>และ</a:t>
+            </a:r>
+            <a:r>
+              <a:rPr lang="en-US" sz="4200" b="1" spc="105" dirty="0">
+                <a:solidFill>
+                  <a:srgbClr val="FFFFFF"/>
+                </a:solidFill>
+                <a:latin typeface="TH SarabunPSK" panose="020B0500040200020003" pitchFamily="34" charset="-34"/>
+                <a:cs typeface="TH SarabunPSK" panose="020B0500040200020003" pitchFamily="34" charset="-34"/>
+              </a:rPr>
+              <a:t> </a:t>
+            </a:r>
+            <a:r>
+              <a:rPr lang="en-US" sz="4200" b="1" spc="105" dirty="0" err="1">
+                <a:solidFill>
+                  <a:srgbClr val="FFBD59"/>
+                </a:solidFill>
+                <a:latin typeface="TH SarabunPSK" panose="020B0500040200020003" pitchFamily="34" charset="-34"/>
+                <a:cs typeface="TH SarabunPSK" panose="020B0500040200020003" pitchFamily="34" charset="-34"/>
+              </a:rPr>
+              <a:t>axios</a:t>
+            </a:r>
+            <a:endParaRPr lang="en-US" sz="4200" b="1" spc="105" dirty="0">
+              <a:solidFill>
+                <a:srgbClr val="FFBD59"/>
+              </a:solidFill>
+              <a:latin typeface="TH SarabunPSK" panose="020B0500040200020003" pitchFamily="34" charset="-34"/>
+              <a:cs typeface="TH SarabunPSK" panose="020B0500040200020003" pitchFamily="34" charset="-34"/>
+            </a:endParaRPr>
+          </a:p>
+        </p:txBody>
+      </p:sp>
+      <p:sp>
+        <p:nvSpPr>
+          <p:cNvPr id="5" name="Freeform 5"/>
           <p:cNvSpPr/>
           <p:nvPr/>
         </p:nvSpPr>
         <p:spPr>
           <a:xfrm>
-            <a:off x="1715617" y="1596815"/>
-            <a:ext cx="7104286" cy="7661485"/>
+            <a:off x="1028700" y="2798586"/>
+            <a:ext cx="7752989" cy="5907649"/>
           </a:xfrm>
           <a:custGeom>
             <a:avLst/>
@@ -8845,18 +11370,18 @@
             <a:cxnLst/>
             <a:rect l="l" t="t" r="r" b="b"/>
             <a:pathLst>
-              <a:path w="7104286" h="7661485">
+              <a:path w="7752989" h="5907649">
                 <a:moveTo>
                   <a:pt x="0" y="0"/>
                 </a:moveTo>
                 <a:lnTo>
-                  <a:pt x="7104286" y="0"/>
-                </a:lnTo>
-                <a:lnTo>
-                  <a:pt x="7104286" y="7661485"/>
-                </a:lnTo>
-                <a:lnTo>
-                  <a:pt x="0" y="7661485"/>
+                  <a:pt x="7752989" y="0"/>
+                </a:lnTo>
+                <a:lnTo>
+                  <a:pt x="7752989" y="5907649"/>
+                </a:lnTo>
+                <a:lnTo>
+                  <a:pt x="0" y="5907649"/>
                 </a:lnTo>
                 <a:lnTo>
                   <a:pt x="0" y="0"/>
@@ -8875,14 +11400,60 @@
       </p:sp>
       <p:sp>
         <p:nvSpPr>
-          <p:cNvPr id="5" name="TextBox 5"/>
+          <p:cNvPr id="6" name="Freeform 6"/>
+          <p:cNvSpPr/>
+          <p:nvPr/>
+        </p:nvSpPr>
+        <p:spPr>
+          <a:xfrm>
+            <a:off x="8769685" y="2798586"/>
+            <a:ext cx="8489615" cy="5907649"/>
+          </a:xfrm>
+          <a:custGeom>
+            <a:avLst/>
+            <a:gdLst/>
+            <a:ahLst/>
+            <a:cxnLst/>
+            <a:rect l="l" t="t" r="r" b="b"/>
+            <a:pathLst>
+              <a:path w="8489615" h="5907649">
+                <a:moveTo>
+                  <a:pt x="0" y="0"/>
+                </a:moveTo>
+                <a:lnTo>
+                  <a:pt x="8489615" y="0"/>
+                </a:lnTo>
+                <a:lnTo>
+                  <a:pt x="8489615" y="5907649"/>
+                </a:lnTo>
+                <a:lnTo>
+                  <a:pt x="0" y="5907649"/>
+                </a:lnTo>
+                <a:lnTo>
+                  <a:pt x="0" y="0"/>
+                </a:lnTo>
+                <a:close/>
+              </a:path>
+            </a:pathLst>
+          </a:custGeom>
+          <a:blipFill>
+            <a:blip r:embed="rId6"/>
+            <a:stretch>
+              <a:fillRect/>
+            </a:stretch>
+          </a:blipFill>
+        </p:spPr>
+      </p:sp>
+      <p:sp>
+        <p:nvSpPr>
+          <p:cNvPr id="7" name="TextBox 7"/>
           <p:cNvSpPr txBox="1"/>
           <p:nvPr/>
         </p:nvSpPr>
         <p:spPr>
           <a:xfrm>
-            <a:off x="1028700" y="394716"/>
-            <a:ext cx="15582406" cy="642484"/>
+            <a:off x="1028700" y="1953649"/>
+            <a:ext cx="7575904" cy="642484"/>
           </a:xfrm>
           <a:prstGeom prst="rect">
             <a:avLst/>
@@ -8894,7 +11465,7 @@
           </a:bodyPr>
           <a:lstStyle/>
           <a:p>
-            <a:pPr>
+            <a:pPr marL="0" lvl="0" indent="0" algn="ctr">
               <a:lnSpc>
                 <a:spcPts val="4998"/>
               </a:lnSpc>
@@ -8903,95 +11474,28 @@
               </a:spcBef>
             </a:pPr>
             <a:r>
-              <a:rPr lang="en-US" sz="4200" b="1" spc="105" dirty="0" err="1">
-                <a:solidFill>
-                  <a:srgbClr val="FFFFFF"/>
-                </a:solidFill>
-                <a:latin typeface="TH SarabunPSK" panose="020B0500040200020003" pitchFamily="34" charset="-34"/>
-                <a:cs typeface="TH SarabunPSK" panose="020B0500040200020003" pitchFamily="34" charset="-34"/>
-              </a:rPr>
-              <a:t>เปรียบเทียบการใช้งานระหว่าง</a:t>
-            </a:r>
-            <a:r>
               <a:rPr lang="en-US" sz="4200" b="1" spc="105" dirty="0">
                 <a:solidFill>
-                  <a:srgbClr val="FFFFFF"/>
-                </a:solidFill>
-                <a:latin typeface="TH SarabunPSK" panose="020B0500040200020003" pitchFamily="34" charset="-34"/>
-                <a:cs typeface="TH SarabunPSK" panose="020B0500040200020003" pitchFamily="34" charset="-34"/>
-              </a:rPr>
-              <a:t> </a:t>
-            </a:r>
-            <a:r>
-              <a:rPr lang="en-US" sz="4200" b="1" spc="105" dirty="0">
-                <a:solidFill>
-                  <a:srgbClr val="FFBD59"/>
+                  <a:srgbClr val="244357"/>
                 </a:solidFill>
                 <a:latin typeface="TH SarabunPSK" panose="020B0500040200020003" pitchFamily="34" charset="-34"/>
                 <a:cs typeface="TH SarabunPSK" panose="020B0500040200020003" pitchFamily="34" charset="-34"/>
               </a:rPr>
               <a:t>fetch</a:t>
             </a:r>
-            <a:r>
-              <a:rPr lang="en-US" sz="4200" b="1" spc="105" dirty="0">
-                <a:solidFill>
-                  <a:srgbClr val="FFFFFF"/>
-                </a:solidFill>
-                <a:latin typeface="TH SarabunPSK" panose="020B0500040200020003" pitchFamily="34" charset="-34"/>
-                <a:cs typeface="TH SarabunPSK" panose="020B0500040200020003" pitchFamily="34" charset="-34"/>
-              </a:rPr>
-              <a:t> </a:t>
-            </a:r>
-            <a:r>
-              <a:rPr lang="en-US" sz="4200" b="1" spc="105" dirty="0" err="1">
-                <a:solidFill>
-                  <a:srgbClr val="FFFFFF"/>
-                </a:solidFill>
-                <a:latin typeface="TH SarabunPSK" panose="020B0500040200020003" pitchFamily="34" charset="-34"/>
-                <a:cs typeface="TH SarabunPSK" panose="020B0500040200020003" pitchFamily="34" charset="-34"/>
-              </a:rPr>
-              <a:t>และ</a:t>
-            </a:r>
-            <a:r>
-              <a:rPr lang="en-US" sz="4200" b="1" spc="105" dirty="0">
-                <a:solidFill>
-                  <a:srgbClr val="FFFFFF"/>
-                </a:solidFill>
-                <a:latin typeface="TH SarabunPSK" panose="020B0500040200020003" pitchFamily="34" charset="-34"/>
-                <a:cs typeface="TH SarabunPSK" panose="020B0500040200020003" pitchFamily="34" charset="-34"/>
-              </a:rPr>
-              <a:t> </a:t>
-            </a:r>
-            <a:r>
-              <a:rPr lang="en-US" sz="4200" b="1" spc="105" dirty="0" err="1">
-                <a:solidFill>
-                  <a:srgbClr val="FFBD59"/>
-                </a:solidFill>
-                <a:latin typeface="TH SarabunPSK" panose="020B0500040200020003" pitchFamily="34" charset="-34"/>
-                <a:cs typeface="TH SarabunPSK" panose="020B0500040200020003" pitchFamily="34" charset="-34"/>
-              </a:rPr>
-              <a:t>axios</a:t>
-            </a:r>
-            <a:endParaRPr lang="en-US" sz="4200" b="1" spc="105" dirty="0">
-              <a:solidFill>
-                <a:srgbClr val="FFBD59"/>
-              </a:solidFill>
-              <a:latin typeface="TH SarabunPSK" panose="020B0500040200020003" pitchFamily="34" charset="-34"/>
-              <a:cs typeface="TH SarabunPSK" panose="020B0500040200020003" pitchFamily="34" charset="-34"/>
-            </a:endParaRPr>
-          </a:p>
-        </p:txBody>
-      </p:sp>
-      <p:sp>
-        <p:nvSpPr>
-          <p:cNvPr id="6" name="TextBox 6"/>
+          </a:p>
+        </p:txBody>
+      </p:sp>
+      <p:sp>
+        <p:nvSpPr>
+          <p:cNvPr id="8" name="TextBox 8"/>
           <p:cNvSpPr txBox="1"/>
           <p:nvPr/>
         </p:nvSpPr>
         <p:spPr>
           <a:xfrm>
-            <a:off x="9857973" y="4007612"/>
-            <a:ext cx="7002763" cy="2310889"/>
+            <a:off x="8983014" y="1953649"/>
+            <a:ext cx="8276286" cy="642484"/>
           </a:xfrm>
           <a:prstGeom prst="rect">
             <a:avLst/>
@@ -9003,7 +11507,7 @@
           </a:bodyPr>
           <a:lstStyle/>
           <a:p>
-            <a:pPr>
+            <a:pPr marL="0" lvl="0" indent="0" algn="ctr">
               <a:lnSpc>
                 <a:spcPts val="4998"/>
               </a:lnSpc>
@@ -9012,119 +11516,15 @@
               </a:spcBef>
             </a:pPr>
             <a:r>
-              <a:rPr lang="en-US" sz="4200" b="1" spc="105" dirty="0">
+              <a:rPr lang="en-US" sz="4200" b="1" spc="105">
                 <a:solidFill>
                   <a:srgbClr val="244357"/>
                 </a:solidFill>
                 <a:latin typeface="TH SarabunPSK" panose="020B0500040200020003" pitchFamily="34" charset="-34"/>
                 <a:cs typeface="TH SarabunPSK" panose="020B0500040200020003" pitchFamily="34" charset="-34"/>
               </a:rPr>
-              <a:t>Cancel Request</a:t>
-            </a:r>
-          </a:p>
-          <a:p>
-            <a:pPr>
-              <a:lnSpc>
-                <a:spcPts val="4998"/>
-              </a:lnSpc>
-              <a:spcBef>
-                <a:spcPct val="0"/>
-              </a:spcBef>
-            </a:pPr>
-            <a:endParaRPr lang="en-US" sz="4200" spc="105" dirty="0">
-              <a:solidFill>
-                <a:srgbClr val="244357"/>
-              </a:solidFill>
-              <a:latin typeface="TH SarabunPSK" panose="020B0500040200020003" pitchFamily="34" charset="-34"/>
-              <a:cs typeface="TH SarabunPSK" panose="020B0500040200020003" pitchFamily="34" charset="-34"/>
-            </a:endParaRPr>
-          </a:p>
-          <a:p>
-            <a:pPr>
-              <a:lnSpc>
-                <a:spcPts val="4046"/>
-              </a:lnSpc>
-              <a:spcBef>
-                <a:spcPct val="0"/>
-              </a:spcBef>
-            </a:pPr>
-            <a:r>
-              <a:rPr lang="en-US" sz="3400" b="1" spc="85" dirty="0" err="1">
-                <a:solidFill>
-                  <a:srgbClr val="FFBD59"/>
-                </a:solidFill>
-                <a:latin typeface="TH SarabunPSK" panose="020B0500040200020003" pitchFamily="34" charset="-34"/>
-                <a:cs typeface="TH SarabunPSK" panose="020B0500040200020003" pitchFamily="34" charset="-34"/>
-              </a:rPr>
               <a:t>axios</a:t>
             </a:r>
-            <a:r>
-              <a:rPr lang="en-US" sz="3400" spc="85" dirty="0">
-                <a:solidFill>
-                  <a:srgbClr val="244357"/>
-                </a:solidFill>
-                <a:latin typeface="TH SarabunPSK" panose="020B0500040200020003" pitchFamily="34" charset="-34"/>
-                <a:cs typeface="TH SarabunPSK" panose="020B0500040200020003" pitchFamily="34" charset="-34"/>
-              </a:rPr>
-              <a:t> </a:t>
-            </a:r>
-            <a:r>
-              <a:rPr lang="en-US" sz="3400" spc="85" dirty="0" err="1">
-                <a:solidFill>
-                  <a:srgbClr val="244357"/>
-                </a:solidFill>
-                <a:latin typeface="TH SarabunPSK" panose="020B0500040200020003" pitchFamily="34" charset="-34"/>
-                <a:cs typeface="TH SarabunPSK" panose="020B0500040200020003" pitchFamily="34" charset="-34"/>
-              </a:rPr>
-              <a:t>มีการ</a:t>
-            </a:r>
-            <a:r>
-              <a:rPr lang="en-US" sz="3400" spc="85" dirty="0">
-                <a:solidFill>
-                  <a:srgbClr val="244357"/>
-                </a:solidFill>
-                <a:latin typeface="TH SarabunPSK" panose="020B0500040200020003" pitchFamily="34" charset="-34"/>
-                <a:cs typeface="TH SarabunPSK" panose="020B0500040200020003" pitchFamily="34" charset="-34"/>
-              </a:rPr>
-              <a:t> Provide </a:t>
-            </a:r>
-            <a:r>
-              <a:rPr lang="en-US" sz="3400" spc="85" dirty="0" err="1">
-                <a:solidFill>
-                  <a:srgbClr val="244357"/>
-                </a:solidFill>
-                <a:latin typeface="TH SarabunPSK" panose="020B0500040200020003" pitchFamily="34" charset="-34"/>
-                <a:cs typeface="TH SarabunPSK" panose="020B0500040200020003" pitchFamily="34" charset="-34"/>
-              </a:rPr>
-              <a:t>การทำ</a:t>
-            </a:r>
-            <a:r>
-              <a:rPr lang="en-US" sz="3400" spc="85" dirty="0">
-                <a:solidFill>
-                  <a:srgbClr val="244357"/>
-                </a:solidFill>
-                <a:latin typeface="TH SarabunPSK" panose="020B0500040200020003" pitchFamily="34" charset="-34"/>
-                <a:cs typeface="TH SarabunPSK" panose="020B0500040200020003" pitchFamily="34" charset="-34"/>
-              </a:rPr>
-              <a:t> Cancel request </a:t>
-            </a:r>
-            <a:r>
-              <a:rPr lang="en-US" sz="3400" spc="85" dirty="0" err="1">
-                <a:solidFill>
-                  <a:srgbClr val="244357"/>
-                </a:solidFill>
-                <a:latin typeface="TH SarabunPSK" panose="020B0500040200020003" pitchFamily="34" charset="-34"/>
-                <a:cs typeface="TH SarabunPSK" panose="020B0500040200020003" pitchFamily="34" charset="-34"/>
-              </a:rPr>
-              <a:t>มาให้เรียกใช้ได้</a:t>
-            </a:r>
-            <a:endParaRPr lang="en-US" sz="3400" spc="85" dirty="0">
-              <a:solidFill>
-                <a:srgbClr val="244357"/>
-              </a:solidFill>
-              <a:latin typeface="TH SarabunPSK" panose="020B0500040200020003" pitchFamily="34" charset="-34"/>
-              <a:cs typeface="TH SarabunPSK" panose="020B0500040200020003" pitchFamily="34" charset="-34"/>
-            </a:endParaRPr>
           </a:p>
         </p:txBody>
       </p:sp>
@@ -9261,8 +11661,8 @@
         </p:nvSpPr>
         <p:spPr>
           <a:xfrm>
-            <a:off x="3038178" y="2225062"/>
-            <a:ext cx="12211643" cy="6525799"/>
+            <a:off x="1028700" y="2771872"/>
+            <a:ext cx="9095325" cy="5703527"/>
           </a:xfrm>
           <a:custGeom>
             <a:avLst/>
@@ -9271,18 +11671,18 @@
             <a:cxnLst/>
             <a:rect l="l" t="t" r="r" b="b"/>
             <a:pathLst>
-              <a:path w="12211643" h="6525799">
+              <a:path w="9095325" h="5703527">
                 <a:moveTo>
                   <a:pt x="0" y="0"/>
                 </a:moveTo>
                 <a:lnTo>
-                  <a:pt x="12211644" y="0"/>
-                </a:lnTo>
-                <a:lnTo>
-                  <a:pt x="12211644" y="6525798"/>
-                </a:lnTo>
-                <a:lnTo>
-                  <a:pt x="0" y="6525798"/>
+                  <a:pt x="9095325" y="0"/>
+                </a:lnTo>
+                <a:lnTo>
+                  <a:pt x="9095325" y="5703527"/>
+                </a:lnTo>
+                <a:lnTo>
+                  <a:pt x="0" y="5703527"/>
                 </a:lnTo>
                 <a:lnTo>
                   <a:pt x="0" y="0"/>
@@ -9336,17 +11736,37 @@
                 <a:latin typeface="TH SarabunPSK" panose="020B0500040200020003" pitchFamily="34" charset="-34"/>
                 <a:cs typeface="TH SarabunPSK" panose="020B0500040200020003" pitchFamily="34" charset="-34"/>
               </a:rPr>
-              <a:t>เบรา</a:t>
-            </a:r>
-            <a:r>
-              <a:rPr lang="th-TH" sz="4200" b="1" spc="105" dirty="0" err="1">
+              <a:t>เปรียบเทียบการใช้งานระหว่าง</a:t>
+            </a:r>
+            <a:r>
+              <a:rPr lang="en-US" sz="4200" b="1" spc="105" dirty="0">
                 <a:solidFill>
                   <a:srgbClr val="FFFFFF"/>
                 </a:solidFill>
                 <a:latin typeface="TH SarabunPSK" panose="020B0500040200020003" pitchFamily="34" charset="-34"/>
                 <a:cs typeface="TH SarabunPSK" panose="020B0500040200020003" pitchFamily="34" charset="-34"/>
               </a:rPr>
-              <a:t>ว์</a:t>
+              <a:t> </a:t>
+            </a:r>
+            <a:r>
+              <a:rPr lang="en-US" sz="4200" b="1" spc="105" dirty="0">
+                <a:solidFill>
+                  <a:srgbClr val="FFBD59"/>
+                </a:solidFill>
+                <a:latin typeface="TH SarabunPSK" panose="020B0500040200020003" pitchFamily="34" charset="-34"/>
+                <a:cs typeface="TH SarabunPSK" panose="020B0500040200020003" pitchFamily="34" charset="-34"/>
+              </a:rPr>
+              <a:t>fetch</a:t>
+            </a:r>
+            <a:r>
+              <a:rPr lang="en-US" sz="4200" b="1" spc="105" dirty="0">
+                <a:solidFill>
+                  <a:srgbClr val="FFFFFF"/>
+                </a:solidFill>
+                <a:latin typeface="TH SarabunPSK" panose="020B0500040200020003" pitchFamily="34" charset="-34"/>
+                <a:cs typeface="TH SarabunPSK" panose="020B0500040200020003" pitchFamily="34" charset="-34"/>
+              </a:rPr>
+              <a:t> </a:t>
             </a:r>
             <a:r>
               <a:rPr lang="en-US" sz="4200" b="1" spc="105" dirty="0" err="1">
@@ -9356,7 +11776,7 @@
                 <a:latin typeface="TH SarabunPSK" panose="020B0500040200020003" pitchFamily="34" charset="-34"/>
                 <a:cs typeface="TH SarabunPSK" panose="020B0500040200020003" pitchFamily="34" charset="-34"/>
               </a:rPr>
-              <a:t>เซอร์ที่รอบรับการใช้งาน</a:t>
+              <a:t>และ</a:t>
             </a:r>
             <a:r>
               <a:rPr lang="en-US" sz="4200" b="1" spc="105" dirty="0">
@@ -9381,6 +11801,1636 @@
             <a:endParaRPr lang="en-US" sz="4200" b="1" spc="105" dirty="0">
               <a:solidFill>
                 <a:srgbClr val="FFBD59"/>
+              </a:solidFill>
+              <a:latin typeface="TH SarabunPSK" panose="020B0500040200020003" pitchFamily="34" charset="-34"/>
+              <a:cs typeface="TH SarabunPSK" panose="020B0500040200020003" pitchFamily="34" charset="-34"/>
+            </a:endParaRPr>
+          </a:p>
+        </p:txBody>
+      </p:sp>
+      <p:sp>
+        <p:nvSpPr>
+          <p:cNvPr id="6" name="TextBox 6"/>
+          <p:cNvSpPr txBox="1"/>
+          <p:nvPr/>
+        </p:nvSpPr>
+        <p:spPr>
+          <a:xfrm>
+            <a:off x="10382921" y="3913669"/>
+            <a:ext cx="7439159" cy="2566087"/>
+          </a:xfrm>
+          <a:prstGeom prst="rect">
+            <a:avLst/>
+          </a:prstGeom>
+        </p:spPr>
+        <p:txBody>
+          <a:bodyPr lIns="0" tIns="0" rIns="0" bIns="0" rtlCol="0" anchor="t">
+            <a:spAutoFit/>
+          </a:bodyPr>
+          <a:lstStyle/>
+          <a:p>
+            <a:pPr>
+              <a:lnSpc>
+                <a:spcPts val="4998"/>
+              </a:lnSpc>
+              <a:spcBef>
+                <a:spcPct val="0"/>
+              </a:spcBef>
+            </a:pPr>
+            <a:r>
+              <a:rPr lang="en-US" sz="4200" b="1" spc="105" dirty="0" err="1">
+                <a:solidFill>
+                  <a:srgbClr val="FFBD59"/>
+                </a:solidFill>
+                <a:latin typeface="TH SarabunPSK" panose="020B0500040200020003" pitchFamily="34" charset="-34"/>
+                <a:cs typeface="TH SarabunPSK" panose="020B0500040200020003" pitchFamily="34" charset="-34"/>
+              </a:rPr>
+              <a:t>axios</a:t>
+            </a:r>
+            <a:r>
+              <a:rPr lang="en-US" sz="4200" spc="105" dirty="0">
+                <a:solidFill>
+                  <a:srgbClr val="000000"/>
+                </a:solidFill>
+                <a:latin typeface="TH SarabunPSK" panose="020B0500040200020003" pitchFamily="34" charset="-34"/>
+                <a:cs typeface="TH SarabunPSK" panose="020B0500040200020003" pitchFamily="34" charset="-34"/>
+              </a:rPr>
+              <a:t> </a:t>
+            </a:r>
+            <a:r>
+              <a:rPr lang="en-US" sz="4200" spc="105" dirty="0" err="1">
+                <a:solidFill>
+                  <a:srgbClr val="000000"/>
+                </a:solidFill>
+                <a:latin typeface="TH SarabunPSK" panose="020B0500040200020003" pitchFamily="34" charset="-34"/>
+                <a:cs typeface="TH SarabunPSK" panose="020B0500040200020003" pitchFamily="34" charset="-34"/>
+              </a:rPr>
+              <a:t>แปลงข้อมูลที่เป็น</a:t>
+            </a:r>
+            <a:r>
+              <a:rPr lang="en-US" sz="4200" spc="105" dirty="0">
+                <a:solidFill>
+                  <a:srgbClr val="000000"/>
+                </a:solidFill>
+                <a:latin typeface="TH SarabunPSK" panose="020B0500040200020003" pitchFamily="34" charset="-34"/>
+                <a:cs typeface="TH SarabunPSK" panose="020B0500040200020003" pitchFamily="34" charset="-34"/>
+              </a:rPr>
+              <a:t> JSON </a:t>
+            </a:r>
+          </a:p>
+          <a:p>
+            <a:pPr>
+              <a:lnSpc>
+                <a:spcPts val="4998"/>
+              </a:lnSpc>
+              <a:spcBef>
+                <a:spcPct val="0"/>
+              </a:spcBef>
+            </a:pPr>
+            <a:r>
+              <a:rPr lang="en-US" sz="4200" spc="105" dirty="0" err="1">
+                <a:solidFill>
+                  <a:srgbClr val="000000"/>
+                </a:solidFill>
+                <a:latin typeface="TH SarabunPSK" panose="020B0500040200020003" pitchFamily="34" charset="-34"/>
+                <a:cs typeface="TH SarabunPSK" panose="020B0500040200020003" pitchFamily="34" charset="-34"/>
+              </a:rPr>
+              <a:t>ให้เราโดยอัตโนมัติ</a:t>
+            </a:r>
+            <a:r>
+              <a:rPr lang="en-US" sz="4200" spc="105" dirty="0">
+                <a:solidFill>
+                  <a:srgbClr val="000000"/>
+                </a:solidFill>
+                <a:latin typeface="TH SarabunPSK" panose="020B0500040200020003" pitchFamily="34" charset="-34"/>
+                <a:cs typeface="TH SarabunPSK" panose="020B0500040200020003" pitchFamily="34" charset="-34"/>
+              </a:rPr>
+              <a:t> </a:t>
+            </a:r>
+          </a:p>
+          <a:p>
+            <a:pPr>
+              <a:lnSpc>
+                <a:spcPts val="4998"/>
+              </a:lnSpc>
+              <a:spcBef>
+                <a:spcPct val="0"/>
+              </a:spcBef>
+            </a:pPr>
+            <a:endParaRPr lang="en-US" sz="4200" spc="105" dirty="0">
+              <a:solidFill>
+                <a:srgbClr val="000000"/>
+              </a:solidFill>
+              <a:latin typeface="TH SarabunPSK" panose="020B0500040200020003" pitchFamily="34" charset="-34"/>
+              <a:cs typeface="TH SarabunPSK" panose="020B0500040200020003" pitchFamily="34" charset="-34"/>
+            </a:endParaRPr>
+          </a:p>
+          <a:p>
+            <a:pPr>
+              <a:lnSpc>
+                <a:spcPts val="4998"/>
+              </a:lnSpc>
+              <a:spcBef>
+                <a:spcPct val="0"/>
+              </a:spcBef>
+            </a:pPr>
+            <a:r>
+              <a:rPr lang="en-US" sz="4200" spc="105" dirty="0" err="1">
+                <a:solidFill>
+                  <a:srgbClr val="000000"/>
+                </a:solidFill>
+                <a:latin typeface="TH SarabunPSK" panose="020B0500040200020003" pitchFamily="34" charset="-34"/>
+                <a:cs typeface="TH SarabunPSK" panose="020B0500040200020003" pitchFamily="34" charset="-34"/>
+              </a:rPr>
+              <a:t>ส่วน</a:t>
+            </a:r>
+            <a:r>
+              <a:rPr lang="en-US" sz="4200" spc="105" dirty="0">
+                <a:solidFill>
+                  <a:srgbClr val="000000"/>
+                </a:solidFill>
+                <a:latin typeface="TH SarabunPSK" panose="020B0500040200020003" pitchFamily="34" charset="-34"/>
+                <a:cs typeface="TH SarabunPSK" panose="020B0500040200020003" pitchFamily="34" charset="-34"/>
+              </a:rPr>
+              <a:t> </a:t>
+            </a:r>
+            <a:r>
+              <a:rPr lang="en-US" sz="4200" b="1" spc="105" dirty="0">
+                <a:solidFill>
+                  <a:srgbClr val="FFBD59"/>
+                </a:solidFill>
+                <a:latin typeface="TH SarabunPSK" panose="020B0500040200020003" pitchFamily="34" charset="-34"/>
+                <a:cs typeface="TH SarabunPSK" panose="020B0500040200020003" pitchFamily="34" charset="-34"/>
+              </a:rPr>
+              <a:t>fetch</a:t>
+            </a:r>
+            <a:r>
+              <a:rPr lang="en-US" sz="4200" spc="105" dirty="0">
+                <a:solidFill>
+                  <a:srgbClr val="000000"/>
+                </a:solidFill>
+                <a:latin typeface="TH SarabunPSK" panose="020B0500040200020003" pitchFamily="34" charset="-34"/>
+                <a:cs typeface="TH SarabunPSK" panose="020B0500040200020003" pitchFamily="34" charset="-34"/>
+              </a:rPr>
+              <a:t> </a:t>
+            </a:r>
+            <a:r>
+              <a:rPr lang="en-US" sz="4200" spc="105" dirty="0" err="1">
+                <a:solidFill>
+                  <a:srgbClr val="000000"/>
+                </a:solidFill>
+                <a:latin typeface="TH SarabunPSK" panose="020B0500040200020003" pitchFamily="34" charset="-34"/>
+                <a:cs typeface="TH SarabunPSK" panose="020B0500040200020003" pitchFamily="34" charset="-34"/>
+              </a:rPr>
+              <a:t>จะต้องมาทำ</a:t>
+            </a:r>
+            <a:r>
+              <a:rPr lang="en-US" sz="4200" spc="105" dirty="0">
+                <a:solidFill>
+                  <a:srgbClr val="000000"/>
+                </a:solidFill>
+                <a:latin typeface="TH SarabunPSK" panose="020B0500040200020003" pitchFamily="34" charset="-34"/>
+                <a:cs typeface="TH SarabunPSK" panose="020B0500040200020003" pitchFamily="34" charset="-34"/>
+              </a:rPr>
+              <a:t> </a:t>
+            </a:r>
+            <a:r>
+              <a:rPr lang="en-US" sz="4200" spc="105" dirty="0" err="1">
+                <a:solidFill>
+                  <a:srgbClr val="000000"/>
+                </a:solidFill>
+                <a:latin typeface="TH SarabunPSK" panose="020B0500040200020003" pitchFamily="34" charset="-34"/>
+                <a:cs typeface="TH SarabunPSK" panose="020B0500040200020003" pitchFamily="34" charset="-34"/>
+              </a:rPr>
+              <a:t>response.json</a:t>
+            </a:r>
+            <a:r>
+              <a:rPr lang="en-US" sz="4200" spc="105" dirty="0">
+                <a:solidFill>
+                  <a:srgbClr val="000000"/>
+                </a:solidFill>
+                <a:latin typeface="TH SarabunPSK" panose="020B0500040200020003" pitchFamily="34" charset="-34"/>
+                <a:cs typeface="TH SarabunPSK" panose="020B0500040200020003" pitchFamily="34" charset="-34"/>
+              </a:rPr>
+              <a:t>() </a:t>
+            </a:r>
+            <a:r>
+              <a:rPr lang="en-US" sz="4200" spc="105" dirty="0" err="1">
+                <a:solidFill>
+                  <a:srgbClr val="000000"/>
+                </a:solidFill>
+                <a:latin typeface="TH SarabunPSK" panose="020B0500040200020003" pitchFamily="34" charset="-34"/>
+                <a:cs typeface="TH SarabunPSK" panose="020B0500040200020003" pitchFamily="34" charset="-34"/>
+              </a:rPr>
+              <a:t>เอง</a:t>
+            </a:r>
+            <a:r>
+              <a:rPr lang="en-US" sz="4200" spc="105" dirty="0">
+                <a:solidFill>
+                  <a:srgbClr val="000000"/>
+                </a:solidFill>
+                <a:latin typeface="TH SarabunPSK" panose="020B0500040200020003" pitchFamily="34" charset="-34"/>
+                <a:cs typeface="TH SarabunPSK" panose="020B0500040200020003" pitchFamily="34" charset="-34"/>
+              </a:rPr>
+              <a:t> </a:t>
+            </a:r>
+          </a:p>
+        </p:txBody>
+      </p:sp>
+    </p:spTree>
+  </p:cSld>
+  <p:clrMapOvr>
+    <a:masterClrMapping/>
+  </p:clrMapOvr>
+</p:sld>
+</file>
+
+<file path=ppt/slides/slide17.xml><?xml version="1.0" encoding="utf-8"?>
+<p:sld xmlns:a="http://schemas.openxmlformats.org/drawingml/2006/main" xmlns:r="http://schemas.openxmlformats.org/officeDocument/2006/relationships" xmlns:p="http://schemas.openxmlformats.org/presentationml/2006/main">
+  <p:cSld>
+    <p:bg>
+      <p:bgPr>
+        <a:solidFill>
+          <a:srgbClr val="F2FAFF"/>
+        </a:solidFill>
+        <a:effectLst/>
+      </p:bgPr>
+    </p:bg>
+    <p:spTree>
+      <p:nvGrpSpPr>
+        <p:cNvPr id="1" name=""/>
+        <p:cNvGrpSpPr/>
+        <p:nvPr/>
+      </p:nvGrpSpPr>
+      <p:grpSpPr>
+        <a:xfrm>
+          <a:off x="0" y="0"/>
+          <a:ext cx="0" cy="0"/>
+          <a:chOff x="0" y="0"/>
+          <a:chExt cx="0" cy="0"/>
+        </a:xfrm>
+      </p:grpSpPr>
+      <p:sp>
+        <p:nvSpPr>
+          <p:cNvPr id="2" name="Freeform 2"/>
+          <p:cNvSpPr/>
+          <p:nvPr/>
+        </p:nvSpPr>
+        <p:spPr>
+          <a:xfrm>
+            <a:off x="-154358" y="-164078"/>
+            <a:ext cx="18596716" cy="1637860"/>
+          </a:xfrm>
+          <a:custGeom>
+            <a:avLst/>
+            <a:gdLst/>
+            <a:ahLst/>
+            <a:cxnLst/>
+            <a:rect l="l" t="t" r="r" b="b"/>
+            <a:pathLst>
+              <a:path w="18596716" h="1637860">
+                <a:moveTo>
+                  <a:pt x="0" y="0"/>
+                </a:moveTo>
+                <a:lnTo>
+                  <a:pt x="18596716" y="0"/>
+                </a:lnTo>
+                <a:lnTo>
+                  <a:pt x="18596716" y="1637860"/>
+                </a:lnTo>
+                <a:lnTo>
+                  <a:pt x="0" y="1637860"/>
+                </a:lnTo>
+                <a:lnTo>
+                  <a:pt x="0" y="0"/>
+                </a:lnTo>
+                <a:close/>
+              </a:path>
+            </a:pathLst>
+          </a:custGeom>
+          <a:blipFill>
+            <a:blip r:embed="rId3"/>
+            <a:stretch>
+              <a:fillRect l="-369" r="-1333" b="-548111"/>
+            </a:stretch>
+          </a:blipFill>
+        </p:spPr>
+      </p:sp>
+      <p:sp>
+        <p:nvSpPr>
+          <p:cNvPr id="3" name="Freeform 3"/>
+          <p:cNvSpPr/>
+          <p:nvPr/>
+        </p:nvSpPr>
+        <p:spPr>
+          <a:xfrm>
+            <a:off x="0" y="9502140"/>
+            <a:ext cx="18288000" cy="784860"/>
+          </a:xfrm>
+          <a:custGeom>
+            <a:avLst/>
+            <a:gdLst/>
+            <a:ahLst/>
+            <a:cxnLst/>
+            <a:rect l="l" t="t" r="r" b="b"/>
+            <a:pathLst>
+              <a:path w="18288000" h="784860">
+                <a:moveTo>
+                  <a:pt x="0" y="0"/>
+                </a:moveTo>
+                <a:lnTo>
+                  <a:pt x="18288000" y="0"/>
+                </a:lnTo>
+                <a:lnTo>
+                  <a:pt x="18288000" y="784860"/>
+                </a:lnTo>
+                <a:lnTo>
+                  <a:pt x="0" y="784860"/>
+                </a:lnTo>
+                <a:lnTo>
+                  <a:pt x="0" y="0"/>
+                </a:lnTo>
+                <a:close/>
+              </a:path>
+            </a:pathLst>
+          </a:custGeom>
+          <a:blipFill>
+            <a:blip r:embed="rId4"/>
+            <a:stretch>
+              <a:fillRect/>
+            </a:stretch>
+          </a:blipFill>
+        </p:spPr>
+      </p:sp>
+      <p:sp>
+        <p:nvSpPr>
+          <p:cNvPr id="4" name="Freeform 4"/>
+          <p:cNvSpPr/>
+          <p:nvPr/>
+        </p:nvSpPr>
+        <p:spPr>
+          <a:xfrm>
+            <a:off x="1028700" y="2419357"/>
+            <a:ext cx="8638886" cy="6137209"/>
+          </a:xfrm>
+          <a:custGeom>
+            <a:avLst/>
+            <a:gdLst/>
+            <a:ahLst/>
+            <a:cxnLst/>
+            <a:rect l="l" t="t" r="r" b="b"/>
+            <a:pathLst>
+              <a:path w="8638886" h="6137209">
+                <a:moveTo>
+                  <a:pt x="0" y="0"/>
+                </a:moveTo>
+                <a:lnTo>
+                  <a:pt x="8638886" y="0"/>
+                </a:lnTo>
+                <a:lnTo>
+                  <a:pt x="8638886" y="6137208"/>
+                </a:lnTo>
+                <a:lnTo>
+                  <a:pt x="0" y="6137208"/>
+                </a:lnTo>
+                <a:lnTo>
+                  <a:pt x="0" y="0"/>
+                </a:lnTo>
+                <a:close/>
+              </a:path>
+            </a:pathLst>
+          </a:custGeom>
+          <a:blipFill>
+            <a:blip r:embed="rId5"/>
+            <a:stretch>
+              <a:fillRect/>
+            </a:stretch>
+          </a:blipFill>
+        </p:spPr>
+      </p:sp>
+      <p:sp>
+        <p:nvSpPr>
+          <p:cNvPr id="5" name="TextBox 5"/>
+          <p:cNvSpPr txBox="1"/>
+          <p:nvPr/>
+        </p:nvSpPr>
+        <p:spPr>
+          <a:xfrm>
+            <a:off x="1028700" y="394716"/>
+            <a:ext cx="15582406" cy="642484"/>
+          </a:xfrm>
+          <a:prstGeom prst="rect">
+            <a:avLst/>
+          </a:prstGeom>
+        </p:spPr>
+        <p:txBody>
+          <a:bodyPr lIns="0" tIns="0" rIns="0" bIns="0" rtlCol="0" anchor="t">
+            <a:spAutoFit/>
+          </a:bodyPr>
+          <a:lstStyle/>
+          <a:p>
+            <a:pPr>
+              <a:lnSpc>
+                <a:spcPts val="4998"/>
+              </a:lnSpc>
+              <a:spcBef>
+                <a:spcPct val="0"/>
+              </a:spcBef>
+            </a:pPr>
+            <a:r>
+              <a:rPr lang="en-US" sz="4200" b="1" spc="105" dirty="0" err="1">
+                <a:solidFill>
+                  <a:srgbClr val="FFFFFF"/>
+                </a:solidFill>
+                <a:latin typeface="TH SarabunPSK" panose="020B0500040200020003" pitchFamily="34" charset="-34"/>
+                <a:cs typeface="TH SarabunPSK" panose="020B0500040200020003" pitchFamily="34" charset="-34"/>
+              </a:rPr>
+              <a:t>เปรียบเทียบการใช้งานระหว่าง</a:t>
+            </a:r>
+            <a:r>
+              <a:rPr lang="en-US" sz="4200" b="1" spc="105" dirty="0">
+                <a:solidFill>
+                  <a:srgbClr val="FFFFFF"/>
+                </a:solidFill>
+                <a:latin typeface="TH SarabunPSK" panose="020B0500040200020003" pitchFamily="34" charset="-34"/>
+                <a:cs typeface="TH SarabunPSK" panose="020B0500040200020003" pitchFamily="34" charset="-34"/>
+              </a:rPr>
+              <a:t> </a:t>
+            </a:r>
+            <a:r>
+              <a:rPr lang="en-US" sz="4200" b="1" spc="105" dirty="0">
+                <a:solidFill>
+                  <a:srgbClr val="FFBD59"/>
+                </a:solidFill>
+                <a:latin typeface="TH SarabunPSK" panose="020B0500040200020003" pitchFamily="34" charset="-34"/>
+                <a:cs typeface="TH SarabunPSK" panose="020B0500040200020003" pitchFamily="34" charset="-34"/>
+              </a:rPr>
+              <a:t>fetch</a:t>
+            </a:r>
+            <a:r>
+              <a:rPr lang="en-US" sz="4200" b="1" spc="105" dirty="0">
+                <a:solidFill>
+                  <a:srgbClr val="FFFFFF"/>
+                </a:solidFill>
+                <a:latin typeface="TH SarabunPSK" panose="020B0500040200020003" pitchFamily="34" charset="-34"/>
+                <a:cs typeface="TH SarabunPSK" panose="020B0500040200020003" pitchFamily="34" charset="-34"/>
+              </a:rPr>
+              <a:t> </a:t>
+            </a:r>
+            <a:r>
+              <a:rPr lang="en-US" sz="4200" b="1" spc="105" dirty="0" err="1">
+                <a:solidFill>
+                  <a:srgbClr val="FFFFFF"/>
+                </a:solidFill>
+                <a:latin typeface="TH SarabunPSK" panose="020B0500040200020003" pitchFamily="34" charset="-34"/>
+                <a:cs typeface="TH SarabunPSK" panose="020B0500040200020003" pitchFamily="34" charset="-34"/>
+              </a:rPr>
+              <a:t>และ</a:t>
+            </a:r>
+            <a:r>
+              <a:rPr lang="en-US" sz="4200" b="1" spc="105" dirty="0">
+                <a:solidFill>
+                  <a:srgbClr val="FFFFFF"/>
+                </a:solidFill>
+                <a:latin typeface="TH SarabunPSK" panose="020B0500040200020003" pitchFamily="34" charset="-34"/>
+                <a:cs typeface="TH SarabunPSK" panose="020B0500040200020003" pitchFamily="34" charset="-34"/>
+              </a:rPr>
+              <a:t> </a:t>
+            </a:r>
+            <a:r>
+              <a:rPr lang="en-US" sz="4200" b="1" spc="105" dirty="0" err="1">
+                <a:solidFill>
+                  <a:srgbClr val="FFBD59"/>
+                </a:solidFill>
+                <a:latin typeface="TH SarabunPSK" panose="020B0500040200020003" pitchFamily="34" charset="-34"/>
+                <a:cs typeface="TH SarabunPSK" panose="020B0500040200020003" pitchFamily="34" charset="-34"/>
+              </a:rPr>
+              <a:t>axios</a:t>
+            </a:r>
+            <a:endParaRPr lang="en-US" sz="4200" b="1" spc="105" dirty="0">
+              <a:solidFill>
+                <a:srgbClr val="FFBD59"/>
+              </a:solidFill>
+              <a:latin typeface="TH SarabunPSK" panose="020B0500040200020003" pitchFamily="34" charset="-34"/>
+              <a:cs typeface="TH SarabunPSK" panose="020B0500040200020003" pitchFamily="34" charset="-34"/>
+            </a:endParaRPr>
+          </a:p>
+        </p:txBody>
+      </p:sp>
+      <p:sp>
+        <p:nvSpPr>
+          <p:cNvPr id="6" name="TextBox 6"/>
+          <p:cNvSpPr txBox="1"/>
+          <p:nvPr/>
+        </p:nvSpPr>
+        <p:spPr>
+          <a:xfrm>
+            <a:off x="10053876" y="3913669"/>
+            <a:ext cx="7439159" cy="1924886"/>
+          </a:xfrm>
+          <a:prstGeom prst="rect">
+            <a:avLst/>
+          </a:prstGeom>
+        </p:spPr>
+        <p:txBody>
+          <a:bodyPr lIns="0" tIns="0" rIns="0" bIns="0" rtlCol="0" anchor="t">
+            <a:spAutoFit/>
+          </a:bodyPr>
+          <a:lstStyle/>
+          <a:p>
+            <a:pPr>
+              <a:lnSpc>
+                <a:spcPts val="4998"/>
+              </a:lnSpc>
+              <a:spcBef>
+                <a:spcPct val="0"/>
+              </a:spcBef>
+            </a:pPr>
+            <a:r>
+              <a:rPr lang="en-US" sz="4200" b="1" spc="105" dirty="0">
+                <a:solidFill>
+                  <a:srgbClr val="FFBD59"/>
+                </a:solidFill>
+                <a:latin typeface="TH SarabunPSK" panose="020B0500040200020003" pitchFamily="34" charset="-34"/>
+                <a:cs typeface="TH SarabunPSK" panose="020B0500040200020003" pitchFamily="34" charset="-34"/>
+              </a:rPr>
+              <a:t>fetch</a:t>
+            </a:r>
+            <a:r>
+              <a:rPr lang="en-US" sz="4200" spc="105" dirty="0">
+                <a:solidFill>
+                  <a:srgbClr val="000000"/>
+                </a:solidFill>
+                <a:latin typeface="TH SarabunPSK" panose="020B0500040200020003" pitchFamily="34" charset="-34"/>
+                <a:cs typeface="TH SarabunPSK" panose="020B0500040200020003" pitchFamily="34" charset="-34"/>
+              </a:rPr>
+              <a:t> </a:t>
+            </a:r>
+            <a:r>
+              <a:rPr lang="en-US" sz="4200" spc="105" dirty="0" err="1">
+                <a:solidFill>
+                  <a:srgbClr val="244357"/>
+                </a:solidFill>
+                <a:latin typeface="TH SarabunPSK" panose="020B0500040200020003" pitchFamily="34" charset="-34"/>
+                <a:cs typeface="TH SarabunPSK" panose="020B0500040200020003" pitchFamily="34" charset="-34"/>
+              </a:rPr>
+              <a:t>จัดการกับ</a:t>
+            </a:r>
+            <a:r>
+              <a:rPr lang="en-US" sz="4200" spc="105" dirty="0">
+                <a:solidFill>
+                  <a:srgbClr val="244357"/>
+                </a:solidFill>
+                <a:latin typeface="TH SarabunPSK" panose="020B0500040200020003" pitchFamily="34" charset="-34"/>
+                <a:cs typeface="TH SarabunPSK" panose="020B0500040200020003" pitchFamily="34" charset="-34"/>
+              </a:rPr>
+              <a:t> </a:t>
+            </a:r>
+            <a:r>
+              <a:rPr lang="en-US" sz="4200" spc="105" dirty="0">
+                <a:solidFill>
+                  <a:srgbClr val="FFBD59"/>
+                </a:solidFill>
+                <a:latin typeface="TH SarabunPSK" panose="020B0500040200020003" pitchFamily="34" charset="-34"/>
+                <a:cs typeface="TH SarabunPSK" panose="020B0500040200020003" pitchFamily="34" charset="-34"/>
+              </a:rPr>
+              <a:t>Error Handling</a:t>
+            </a:r>
+            <a:r>
+              <a:rPr lang="en-US" sz="4200" spc="105" dirty="0">
+                <a:solidFill>
+                  <a:srgbClr val="244357"/>
+                </a:solidFill>
+                <a:latin typeface="TH SarabunPSK" panose="020B0500040200020003" pitchFamily="34" charset="-34"/>
+                <a:cs typeface="TH SarabunPSK" panose="020B0500040200020003" pitchFamily="34" charset="-34"/>
+              </a:rPr>
+              <a:t> </a:t>
+            </a:r>
+            <a:r>
+              <a:rPr lang="en-US" sz="4200" spc="105" dirty="0" err="1">
+                <a:solidFill>
+                  <a:srgbClr val="244357"/>
+                </a:solidFill>
+                <a:latin typeface="TH SarabunPSK" panose="020B0500040200020003" pitchFamily="34" charset="-34"/>
+                <a:cs typeface="TH SarabunPSK" panose="020B0500040200020003" pitchFamily="34" charset="-34"/>
+              </a:rPr>
+              <a:t>ด้วยการที่เราต้องเขียน</a:t>
+            </a:r>
+            <a:r>
+              <a:rPr lang="en-US" sz="4200" spc="105" dirty="0">
+                <a:solidFill>
+                  <a:srgbClr val="244357"/>
+                </a:solidFill>
+                <a:latin typeface="TH SarabunPSK" panose="020B0500040200020003" pitchFamily="34" charset="-34"/>
+                <a:cs typeface="TH SarabunPSK" panose="020B0500040200020003" pitchFamily="34" charset="-34"/>
+              </a:rPr>
+              <a:t> function </a:t>
+            </a:r>
+            <a:r>
+              <a:rPr lang="en-US" sz="4200" spc="105" dirty="0" err="1">
+                <a:solidFill>
+                  <a:srgbClr val="244357"/>
+                </a:solidFill>
+                <a:latin typeface="TH SarabunPSK" panose="020B0500040200020003" pitchFamily="34" charset="-34"/>
+                <a:cs typeface="TH SarabunPSK" panose="020B0500040200020003" pitchFamily="34" charset="-34"/>
+              </a:rPr>
+              <a:t>สำหรับ</a:t>
+            </a:r>
+            <a:r>
+              <a:rPr lang="en-US" sz="4200" spc="105" dirty="0">
+                <a:solidFill>
+                  <a:srgbClr val="244357"/>
+                </a:solidFill>
+                <a:latin typeface="TH SarabunPSK" panose="020B0500040200020003" pitchFamily="34" charset="-34"/>
+                <a:cs typeface="TH SarabunPSK" panose="020B0500040200020003" pitchFamily="34" charset="-34"/>
+              </a:rPr>
+              <a:t> handle </a:t>
+            </a:r>
+            <a:r>
+              <a:rPr lang="en-US" sz="4200" spc="105" dirty="0" err="1">
+                <a:solidFill>
+                  <a:srgbClr val="244357"/>
+                </a:solidFill>
+                <a:latin typeface="TH SarabunPSK" panose="020B0500040200020003" pitchFamily="34" charset="-34"/>
+                <a:cs typeface="TH SarabunPSK" panose="020B0500040200020003" pitchFamily="34" charset="-34"/>
+              </a:rPr>
+              <a:t>ขึ้นมาเอง</a:t>
+            </a:r>
+            <a:endParaRPr lang="en-US" sz="4200" spc="105" dirty="0">
+              <a:solidFill>
+                <a:srgbClr val="244357"/>
+              </a:solidFill>
+              <a:latin typeface="TH SarabunPSK" panose="020B0500040200020003" pitchFamily="34" charset="-34"/>
+              <a:cs typeface="TH SarabunPSK" panose="020B0500040200020003" pitchFamily="34" charset="-34"/>
+            </a:endParaRPr>
+          </a:p>
+          <a:p>
+            <a:pPr>
+              <a:lnSpc>
+                <a:spcPts val="4998"/>
+              </a:lnSpc>
+              <a:spcBef>
+                <a:spcPct val="0"/>
+              </a:spcBef>
+            </a:pPr>
+            <a:endParaRPr lang="en-US" sz="4200" spc="105" dirty="0">
+              <a:solidFill>
+                <a:srgbClr val="244357"/>
+              </a:solidFill>
+              <a:latin typeface="TH SarabunPSK" panose="020B0500040200020003" pitchFamily="34" charset="-34"/>
+              <a:cs typeface="TH SarabunPSK" panose="020B0500040200020003" pitchFamily="34" charset="-34"/>
+            </a:endParaRPr>
+          </a:p>
+        </p:txBody>
+      </p:sp>
+    </p:spTree>
+  </p:cSld>
+  <p:clrMapOvr>
+    <a:masterClrMapping/>
+  </p:clrMapOvr>
+</p:sld>
+</file>
+
+<file path=ppt/slides/slide18.xml><?xml version="1.0" encoding="utf-8"?>
+<p:sld xmlns:a="http://schemas.openxmlformats.org/drawingml/2006/main" xmlns:r="http://schemas.openxmlformats.org/officeDocument/2006/relationships" xmlns:p="http://schemas.openxmlformats.org/presentationml/2006/main">
+  <p:cSld>
+    <p:bg>
+      <p:bgPr>
+        <a:solidFill>
+          <a:srgbClr val="F2FAFF"/>
+        </a:solidFill>
+        <a:effectLst/>
+      </p:bgPr>
+    </p:bg>
+    <p:spTree>
+      <p:nvGrpSpPr>
+        <p:cNvPr id="1" name=""/>
+        <p:cNvGrpSpPr/>
+        <p:nvPr/>
+      </p:nvGrpSpPr>
+      <p:grpSpPr>
+        <a:xfrm>
+          <a:off x="0" y="0"/>
+          <a:ext cx="0" cy="0"/>
+          <a:chOff x="0" y="0"/>
+          <a:chExt cx="0" cy="0"/>
+        </a:xfrm>
+      </p:grpSpPr>
+      <p:sp>
+        <p:nvSpPr>
+          <p:cNvPr id="2" name="Freeform 2"/>
+          <p:cNvSpPr/>
+          <p:nvPr/>
+        </p:nvSpPr>
+        <p:spPr>
+          <a:xfrm>
+            <a:off x="-154358" y="-164078"/>
+            <a:ext cx="18596716" cy="1637860"/>
+          </a:xfrm>
+          <a:custGeom>
+            <a:avLst/>
+            <a:gdLst/>
+            <a:ahLst/>
+            <a:cxnLst/>
+            <a:rect l="l" t="t" r="r" b="b"/>
+            <a:pathLst>
+              <a:path w="18596716" h="1637860">
+                <a:moveTo>
+                  <a:pt x="0" y="0"/>
+                </a:moveTo>
+                <a:lnTo>
+                  <a:pt x="18596716" y="0"/>
+                </a:lnTo>
+                <a:lnTo>
+                  <a:pt x="18596716" y="1637860"/>
+                </a:lnTo>
+                <a:lnTo>
+                  <a:pt x="0" y="1637860"/>
+                </a:lnTo>
+                <a:lnTo>
+                  <a:pt x="0" y="0"/>
+                </a:lnTo>
+                <a:close/>
+              </a:path>
+            </a:pathLst>
+          </a:custGeom>
+          <a:blipFill>
+            <a:blip r:embed="rId3"/>
+            <a:stretch>
+              <a:fillRect l="-369" r="-1333" b="-548111"/>
+            </a:stretch>
+          </a:blipFill>
+        </p:spPr>
+      </p:sp>
+      <p:sp>
+        <p:nvSpPr>
+          <p:cNvPr id="3" name="Freeform 3"/>
+          <p:cNvSpPr/>
+          <p:nvPr/>
+        </p:nvSpPr>
+        <p:spPr>
+          <a:xfrm>
+            <a:off x="0" y="9502140"/>
+            <a:ext cx="18288000" cy="784860"/>
+          </a:xfrm>
+          <a:custGeom>
+            <a:avLst/>
+            <a:gdLst/>
+            <a:ahLst/>
+            <a:cxnLst/>
+            <a:rect l="l" t="t" r="r" b="b"/>
+            <a:pathLst>
+              <a:path w="18288000" h="784860">
+                <a:moveTo>
+                  <a:pt x="0" y="0"/>
+                </a:moveTo>
+                <a:lnTo>
+                  <a:pt x="18288000" y="0"/>
+                </a:lnTo>
+                <a:lnTo>
+                  <a:pt x="18288000" y="784860"/>
+                </a:lnTo>
+                <a:lnTo>
+                  <a:pt x="0" y="784860"/>
+                </a:lnTo>
+                <a:lnTo>
+                  <a:pt x="0" y="0"/>
+                </a:lnTo>
+                <a:close/>
+              </a:path>
+            </a:pathLst>
+          </a:custGeom>
+          <a:blipFill>
+            <a:blip r:embed="rId4"/>
+            <a:stretch>
+              <a:fillRect/>
+            </a:stretch>
+          </a:blipFill>
+        </p:spPr>
+      </p:sp>
+      <p:sp>
+        <p:nvSpPr>
+          <p:cNvPr id="4" name="Freeform 4"/>
+          <p:cNvSpPr/>
+          <p:nvPr/>
+        </p:nvSpPr>
+        <p:spPr>
+          <a:xfrm>
+            <a:off x="8819903" y="3081213"/>
+            <a:ext cx="8818619" cy="4813496"/>
+          </a:xfrm>
+          <a:custGeom>
+            <a:avLst/>
+            <a:gdLst/>
+            <a:ahLst/>
+            <a:cxnLst/>
+            <a:rect l="l" t="t" r="r" b="b"/>
+            <a:pathLst>
+              <a:path w="8818619" h="4813496">
+                <a:moveTo>
+                  <a:pt x="0" y="0"/>
+                </a:moveTo>
+                <a:lnTo>
+                  <a:pt x="8818619" y="0"/>
+                </a:lnTo>
+                <a:lnTo>
+                  <a:pt x="8818619" y="4813496"/>
+                </a:lnTo>
+                <a:lnTo>
+                  <a:pt x="0" y="4813496"/>
+                </a:lnTo>
+                <a:lnTo>
+                  <a:pt x="0" y="0"/>
+                </a:lnTo>
+                <a:close/>
+              </a:path>
+            </a:pathLst>
+          </a:custGeom>
+          <a:blipFill>
+            <a:blip r:embed="rId5"/>
+            <a:stretch>
+              <a:fillRect/>
+            </a:stretch>
+          </a:blipFill>
+        </p:spPr>
+      </p:sp>
+      <p:sp>
+        <p:nvSpPr>
+          <p:cNvPr id="5" name="TextBox 5"/>
+          <p:cNvSpPr txBox="1"/>
+          <p:nvPr/>
+        </p:nvSpPr>
+        <p:spPr>
+          <a:xfrm>
+            <a:off x="1028700" y="394716"/>
+            <a:ext cx="15582406" cy="642484"/>
+          </a:xfrm>
+          <a:prstGeom prst="rect">
+            <a:avLst/>
+          </a:prstGeom>
+        </p:spPr>
+        <p:txBody>
+          <a:bodyPr lIns="0" tIns="0" rIns="0" bIns="0" rtlCol="0" anchor="t">
+            <a:spAutoFit/>
+          </a:bodyPr>
+          <a:lstStyle/>
+          <a:p>
+            <a:pPr>
+              <a:lnSpc>
+                <a:spcPts val="4998"/>
+              </a:lnSpc>
+              <a:spcBef>
+                <a:spcPct val="0"/>
+              </a:spcBef>
+            </a:pPr>
+            <a:r>
+              <a:rPr lang="en-US" sz="4200" b="1" spc="105" dirty="0" err="1">
+                <a:solidFill>
+                  <a:srgbClr val="FFFFFF"/>
+                </a:solidFill>
+                <a:latin typeface="TH SarabunPSK" panose="020B0500040200020003" pitchFamily="34" charset="-34"/>
+                <a:cs typeface="TH SarabunPSK" panose="020B0500040200020003" pitchFamily="34" charset="-34"/>
+              </a:rPr>
+              <a:t>เปรียบเทียบการใช้งานระหว่าง</a:t>
+            </a:r>
+            <a:r>
+              <a:rPr lang="en-US" sz="4200" b="1" spc="105" dirty="0">
+                <a:solidFill>
+                  <a:srgbClr val="FFFFFF"/>
+                </a:solidFill>
+                <a:latin typeface="TH SarabunPSK" panose="020B0500040200020003" pitchFamily="34" charset="-34"/>
+                <a:cs typeface="TH SarabunPSK" panose="020B0500040200020003" pitchFamily="34" charset="-34"/>
+              </a:rPr>
+              <a:t> </a:t>
+            </a:r>
+            <a:r>
+              <a:rPr lang="en-US" sz="4200" b="1" spc="105" dirty="0">
+                <a:solidFill>
+                  <a:srgbClr val="FFBD59"/>
+                </a:solidFill>
+                <a:latin typeface="TH SarabunPSK" panose="020B0500040200020003" pitchFamily="34" charset="-34"/>
+                <a:cs typeface="TH SarabunPSK" panose="020B0500040200020003" pitchFamily="34" charset="-34"/>
+              </a:rPr>
+              <a:t>fetch</a:t>
+            </a:r>
+            <a:r>
+              <a:rPr lang="en-US" sz="4200" b="1" spc="105" dirty="0">
+                <a:solidFill>
+                  <a:srgbClr val="FFFFFF"/>
+                </a:solidFill>
+                <a:latin typeface="TH SarabunPSK" panose="020B0500040200020003" pitchFamily="34" charset="-34"/>
+                <a:cs typeface="TH SarabunPSK" panose="020B0500040200020003" pitchFamily="34" charset="-34"/>
+              </a:rPr>
+              <a:t> </a:t>
+            </a:r>
+            <a:r>
+              <a:rPr lang="en-US" sz="4200" b="1" spc="105" dirty="0" err="1">
+                <a:solidFill>
+                  <a:srgbClr val="FFFFFF"/>
+                </a:solidFill>
+                <a:latin typeface="TH SarabunPSK" panose="020B0500040200020003" pitchFamily="34" charset="-34"/>
+                <a:cs typeface="TH SarabunPSK" panose="020B0500040200020003" pitchFamily="34" charset="-34"/>
+              </a:rPr>
+              <a:t>และ</a:t>
+            </a:r>
+            <a:r>
+              <a:rPr lang="en-US" sz="4200" b="1" spc="105" dirty="0">
+                <a:solidFill>
+                  <a:srgbClr val="FFFFFF"/>
+                </a:solidFill>
+                <a:latin typeface="TH SarabunPSK" panose="020B0500040200020003" pitchFamily="34" charset="-34"/>
+                <a:cs typeface="TH SarabunPSK" panose="020B0500040200020003" pitchFamily="34" charset="-34"/>
+              </a:rPr>
+              <a:t> </a:t>
+            </a:r>
+            <a:r>
+              <a:rPr lang="en-US" sz="4200" b="1" spc="105" dirty="0" err="1">
+                <a:solidFill>
+                  <a:srgbClr val="FFBD59"/>
+                </a:solidFill>
+                <a:latin typeface="TH SarabunPSK" panose="020B0500040200020003" pitchFamily="34" charset="-34"/>
+                <a:cs typeface="TH SarabunPSK" panose="020B0500040200020003" pitchFamily="34" charset="-34"/>
+              </a:rPr>
+              <a:t>axios</a:t>
+            </a:r>
+            <a:endParaRPr lang="en-US" sz="4200" b="1" spc="105" dirty="0">
+              <a:solidFill>
+                <a:srgbClr val="FFBD59"/>
+              </a:solidFill>
+              <a:latin typeface="TH SarabunPSK" panose="020B0500040200020003" pitchFamily="34" charset="-34"/>
+              <a:cs typeface="TH SarabunPSK" panose="020B0500040200020003" pitchFamily="34" charset="-34"/>
+            </a:endParaRPr>
+          </a:p>
+        </p:txBody>
+      </p:sp>
+      <p:sp>
+        <p:nvSpPr>
+          <p:cNvPr id="6" name="TextBox 6"/>
+          <p:cNvSpPr txBox="1"/>
+          <p:nvPr/>
+        </p:nvSpPr>
+        <p:spPr>
+          <a:xfrm>
+            <a:off x="1380745" y="3883533"/>
+            <a:ext cx="6772656" cy="1924886"/>
+          </a:xfrm>
+          <a:prstGeom prst="rect">
+            <a:avLst/>
+          </a:prstGeom>
+        </p:spPr>
+        <p:txBody>
+          <a:bodyPr wrap="square" lIns="0" tIns="0" rIns="0" bIns="0" rtlCol="0" anchor="t">
+            <a:spAutoFit/>
+          </a:bodyPr>
+          <a:lstStyle/>
+          <a:p>
+            <a:pPr>
+              <a:lnSpc>
+                <a:spcPts val="4998"/>
+              </a:lnSpc>
+              <a:spcBef>
+                <a:spcPct val="0"/>
+              </a:spcBef>
+            </a:pPr>
+            <a:r>
+              <a:rPr lang="en-US" sz="4200" b="1" spc="105" dirty="0" err="1">
+                <a:solidFill>
+                  <a:srgbClr val="FFBD59"/>
+                </a:solidFill>
+                <a:latin typeface="TH SarabunPSK" panose="020B0500040200020003" pitchFamily="34" charset="-34"/>
+                <a:cs typeface="TH SarabunPSK" panose="020B0500040200020003" pitchFamily="34" charset="-34"/>
+              </a:rPr>
+              <a:t>axios</a:t>
+            </a:r>
+            <a:r>
+              <a:rPr lang="en-US" sz="4200" spc="105" dirty="0">
+                <a:solidFill>
+                  <a:srgbClr val="000000"/>
+                </a:solidFill>
+                <a:latin typeface="TH SarabunPSK" panose="020B0500040200020003" pitchFamily="34" charset="-34"/>
+                <a:cs typeface="TH SarabunPSK" panose="020B0500040200020003" pitchFamily="34" charset="-34"/>
+              </a:rPr>
+              <a:t> </a:t>
+            </a:r>
+            <a:r>
+              <a:rPr lang="en-US" sz="4200" spc="105" dirty="0" err="1">
+                <a:solidFill>
+                  <a:srgbClr val="244357"/>
+                </a:solidFill>
+                <a:latin typeface="TH SarabunPSK" panose="020B0500040200020003" pitchFamily="34" charset="-34"/>
+                <a:cs typeface="TH SarabunPSK" panose="020B0500040200020003" pitchFamily="34" charset="-34"/>
+              </a:rPr>
+              <a:t>จัดการกับ</a:t>
+            </a:r>
+            <a:r>
+              <a:rPr lang="en-US" sz="4200" spc="105" dirty="0">
+                <a:solidFill>
+                  <a:srgbClr val="244357"/>
+                </a:solidFill>
+                <a:latin typeface="TH SarabunPSK" panose="020B0500040200020003" pitchFamily="34" charset="-34"/>
+                <a:cs typeface="TH SarabunPSK" panose="020B0500040200020003" pitchFamily="34" charset="-34"/>
+              </a:rPr>
+              <a:t> Error Handling </a:t>
+            </a:r>
+            <a:r>
+              <a:rPr lang="en-US" sz="4200" spc="105" dirty="0" err="1">
+                <a:solidFill>
+                  <a:srgbClr val="244357"/>
+                </a:solidFill>
+                <a:latin typeface="TH SarabunPSK" panose="020B0500040200020003" pitchFamily="34" charset="-34"/>
+                <a:cs typeface="TH SarabunPSK" panose="020B0500040200020003" pitchFamily="34" charset="-34"/>
+              </a:rPr>
+              <a:t>ได้สะดวกว่า</a:t>
+            </a:r>
+            <a:r>
+              <a:rPr lang="en-US" sz="4200" spc="105" dirty="0">
+                <a:solidFill>
+                  <a:srgbClr val="244357"/>
+                </a:solidFill>
+                <a:latin typeface="TH SarabunPSK" panose="020B0500040200020003" pitchFamily="34" charset="-34"/>
+                <a:cs typeface="TH SarabunPSK" panose="020B0500040200020003" pitchFamily="34" charset="-34"/>
+              </a:rPr>
+              <a:t> </a:t>
+            </a:r>
+            <a:r>
+              <a:rPr lang="en-US" sz="4200" spc="105" dirty="0" err="1">
+                <a:solidFill>
+                  <a:srgbClr val="244357"/>
+                </a:solidFill>
+                <a:latin typeface="TH SarabunPSK" panose="020B0500040200020003" pitchFamily="34" charset="-34"/>
+                <a:cs typeface="TH SarabunPSK" panose="020B0500040200020003" pitchFamily="34" charset="-34"/>
+              </a:rPr>
+              <a:t>โดยหากมี</a:t>
+            </a:r>
+            <a:r>
+              <a:rPr lang="en-US" sz="4200" spc="105" dirty="0">
+                <a:solidFill>
+                  <a:srgbClr val="244357"/>
+                </a:solidFill>
+                <a:latin typeface="TH SarabunPSK" panose="020B0500040200020003" pitchFamily="34" charset="-34"/>
+                <a:cs typeface="TH SarabunPSK" panose="020B0500040200020003" pitchFamily="34" charset="-34"/>
+              </a:rPr>
+              <a:t> error </a:t>
+            </a:r>
+            <a:r>
+              <a:rPr lang="en-US" sz="4200" spc="105" dirty="0" err="1">
+                <a:solidFill>
+                  <a:srgbClr val="244357"/>
+                </a:solidFill>
+                <a:latin typeface="TH SarabunPSK" panose="020B0500040200020003" pitchFamily="34" charset="-34"/>
+                <a:cs typeface="TH SarabunPSK" panose="020B0500040200020003" pitchFamily="34" charset="-34"/>
+              </a:rPr>
+              <a:t>จะทำการเอาลง</a:t>
+            </a:r>
+            <a:r>
+              <a:rPr lang="en-US" sz="4200" spc="105" dirty="0">
+                <a:solidFill>
+                  <a:srgbClr val="244357"/>
+                </a:solidFill>
+                <a:latin typeface="TH SarabunPSK" panose="020B0500040200020003" pitchFamily="34" charset="-34"/>
+                <a:cs typeface="TH SarabunPSK" panose="020B0500040200020003" pitchFamily="34" charset="-34"/>
+              </a:rPr>
+              <a:t> catch </a:t>
+            </a:r>
+            <a:r>
+              <a:rPr lang="en-US" sz="4200" spc="105" dirty="0" err="1">
+                <a:solidFill>
+                  <a:srgbClr val="244357"/>
+                </a:solidFill>
+                <a:latin typeface="TH SarabunPSK" panose="020B0500040200020003" pitchFamily="34" charset="-34"/>
+                <a:cs typeface="TH SarabunPSK" panose="020B0500040200020003" pitchFamily="34" charset="-34"/>
+              </a:rPr>
+              <a:t>ให้เลยทันที</a:t>
+            </a:r>
+            <a:endParaRPr lang="en-US" sz="4200" spc="105" dirty="0">
+              <a:solidFill>
+                <a:srgbClr val="244357"/>
+              </a:solidFill>
+              <a:latin typeface="TH SarabunPSK" panose="020B0500040200020003" pitchFamily="34" charset="-34"/>
+              <a:cs typeface="TH SarabunPSK" panose="020B0500040200020003" pitchFamily="34" charset="-34"/>
+            </a:endParaRPr>
+          </a:p>
+        </p:txBody>
+      </p:sp>
+    </p:spTree>
+  </p:cSld>
+  <p:clrMapOvr>
+    <a:masterClrMapping/>
+  </p:clrMapOvr>
+</p:sld>
+</file>
+
+<file path=ppt/slides/slide19.xml><?xml version="1.0" encoding="utf-8"?>
+<p:sld xmlns:a="http://schemas.openxmlformats.org/drawingml/2006/main" xmlns:r="http://schemas.openxmlformats.org/officeDocument/2006/relationships" xmlns:p="http://schemas.openxmlformats.org/presentationml/2006/main">
+  <p:cSld>
+    <p:bg>
+      <p:bgPr>
+        <a:solidFill>
+          <a:srgbClr val="F2FAFF"/>
+        </a:solidFill>
+        <a:effectLst/>
+      </p:bgPr>
+    </p:bg>
+    <p:spTree>
+      <p:nvGrpSpPr>
+        <p:cNvPr id="1" name=""/>
+        <p:cNvGrpSpPr/>
+        <p:nvPr/>
+      </p:nvGrpSpPr>
+      <p:grpSpPr>
+        <a:xfrm>
+          <a:off x="0" y="0"/>
+          <a:ext cx="0" cy="0"/>
+          <a:chOff x="0" y="0"/>
+          <a:chExt cx="0" cy="0"/>
+        </a:xfrm>
+      </p:grpSpPr>
+      <p:sp>
+        <p:nvSpPr>
+          <p:cNvPr id="2" name="Freeform 2"/>
+          <p:cNvSpPr/>
+          <p:nvPr/>
+        </p:nvSpPr>
+        <p:spPr>
+          <a:xfrm>
+            <a:off x="-154358" y="-164078"/>
+            <a:ext cx="18596716" cy="1637860"/>
+          </a:xfrm>
+          <a:custGeom>
+            <a:avLst/>
+            <a:gdLst/>
+            <a:ahLst/>
+            <a:cxnLst/>
+            <a:rect l="l" t="t" r="r" b="b"/>
+            <a:pathLst>
+              <a:path w="18596716" h="1637860">
+                <a:moveTo>
+                  <a:pt x="0" y="0"/>
+                </a:moveTo>
+                <a:lnTo>
+                  <a:pt x="18596716" y="0"/>
+                </a:lnTo>
+                <a:lnTo>
+                  <a:pt x="18596716" y="1637860"/>
+                </a:lnTo>
+                <a:lnTo>
+                  <a:pt x="0" y="1637860"/>
+                </a:lnTo>
+                <a:lnTo>
+                  <a:pt x="0" y="0"/>
+                </a:lnTo>
+                <a:close/>
+              </a:path>
+            </a:pathLst>
+          </a:custGeom>
+          <a:blipFill>
+            <a:blip r:embed="rId3"/>
+            <a:stretch>
+              <a:fillRect l="-369" r="-1333" b="-548111"/>
+            </a:stretch>
+          </a:blipFill>
+        </p:spPr>
+      </p:sp>
+      <p:sp>
+        <p:nvSpPr>
+          <p:cNvPr id="3" name="Freeform 3"/>
+          <p:cNvSpPr/>
+          <p:nvPr/>
+        </p:nvSpPr>
+        <p:spPr>
+          <a:xfrm>
+            <a:off x="0" y="9502140"/>
+            <a:ext cx="18288000" cy="784860"/>
+          </a:xfrm>
+          <a:custGeom>
+            <a:avLst/>
+            <a:gdLst/>
+            <a:ahLst/>
+            <a:cxnLst/>
+            <a:rect l="l" t="t" r="r" b="b"/>
+            <a:pathLst>
+              <a:path w="18288000" h="784860">
+                <a:moveTo>
+                  <a:pt x="0" y="0"/>
+                </a:moveTo>
+                <a:lnTo>
+                  <a:pt x="18288000" y="0"/>
+                </a:lnTo>
+                <a:lnTo>
+                  <a:pt x="18288000" y="784860"/>
+                </a:lnTo>
+                <a:lnTo>
+                  <a:pt x="0" y="784860"/>
+                </a:lnTo>
+                <a:lnTo>
+                  <a:pt x="0" y="0"/>
+                </a:lnTo>
+                <a:close/>
+              </a:path>
+            </a:pathLst>
+          </a:custGeom>
+          <a:blipFill>
+            <a:blip r:embed="rId4"/>
+            <a:stretch>
+              <a:fillRect/>
+            </a:stretch>
+          </a:blipFill>
+        </p:spPr>
+      </p:sp>
+      <p:sp>
+        <p:nvSpPr>
+          <p:cNvPr id="4" name="Freeform 4"/>
+          <p:cNvSpPr/>
+          <p:nvPr/>
+        </p:nvSpPr>
+        <p:spPr>
+          <a:xfrm>
+            <a:off x="1028700" y="2010104"/>
+            <a:ext cx="10531947" cy="6955714"/>
+          </a:xfrm>
+          <a:custGeom>
+            <a:avLst/>
+            <a:gdLst/>
+            <a:ahLst/>
+            <a:cxnLst/>
+            <a:rect l="l" t="t" r="r" b="b"/>
+            <a:pathLst>
+              <a:path w="10531947" h="6955714">
+                <a:moveTo>
+                  <a:pt x="0" y="0"/>
+                </a:moveTo>
+                <a:lnTo>
+                  <a:pt x="10531947" y="0"/>
+                </a:lnTo>
+                <a:lnTo>
+                  <a:pt x="10531947" y="6955714"/>
+                </a:lnTo>
+                <a:lnTo>
+                  <a:pt x="0" y="6955714"/>
+                </a:lnTo>
+                <a:lnTo>
+                  <a:pt x="0" y="0"/>
+                </a:lnTo>
+                <a:close/>
+              </a:path>
+            </a:pathLst>
+          </a:custGeom>
+          <a:blipFill>
+            <a:blip r:embed="rId5"/>
+            <a:stretch>
+              <a:fillRect/>
+            </a:stretch>
+          </a:blipFill>
+        </p:spPr>
+      </p:sp>
+      <p:sp>
+        <p:nvSpPr>
+          <p:cNvPr id="5" name="TextBox 5"/>
+          <p:cNvSpPr txBox="1"/>
+          <p:nvPr/>
+        </p:nvSpPr>
+        <p:spPr>
+          <a:xfrm>
+            <a:off x="1028700" y="394716"/>
+            <a:ext cx="15582406" cy="642484"/>
+          </a:xfrm>
+          <a:prstGeom prst="rect">
+            <a:avLst/>
+          </a:prstGeom>
+        </p:spPr>
+        <p:txBody>
+          <a:bodyPr lIns="0" tIns="0" rIns="0" bIns="0" rtlCol="0" anchor="t">
+            <a:spAutoFit/>
+          </a:bodyPr>
+          <a:lstStyle/>
+          <a:p>
+            <a:pPr>
+              <a:lnSpc>
+                <a:spcPts val="4998"/>
+              </a:lnSpc>
+              <a:spcBef>
+                <a:spcPct val="0"/>
+              </a:spcBef>
+            </a:pPr>
+            <a:r>
+              <a:rPr lang="en-US" sz="4200" b="1" spc="105" dirty="0" err="1">
+                <a:solidFill>
+                  <a:srgbClr val="FFFFFF"/>
+                </a:solidFill>
+                <a:latin typeface="TH SarabunPSK" panose="020B0500040200020003" pitchFamily="34" charset="-34"/>
+                <a:cs typeface="TH SarabunPSK" panose="020B0500040200020003" pitchFamily="34" charset="-34"/>
+              </a:rPr>
+              <a:t>เปรียบเทียบการใช้งานระหว่าง</a:t>
+            </a:r>
+            <a:r>
+              <a:rPr lang="en-US" sz="4200" b="1" spc="105" dirty="0">
+                <a:solidFill>
+                  <a:srgbClr val="FFFFFF"/>
+                </a:solidFill>
+                <a:latin typeface="TH SarabunPSK" panose="020B0500040200020003" pitchFamily="34" charset="-34"/>
+                <a:cs typeface="TH SarabunPSK" panose="020B0500040200020003" pitchFamily="34" charset="-34"/>
+              </a:rPr>
+              <a:t> </a:t>
+            </a:r>
+            <a:r>
+              <a:rPr lang="en-US" sz="4200" b="1" spc="105" dirty="0">
+                <a:solidFill>
+                  <a:srgbClr val="FFBD59"/>
+                </a:solidFill>
+                <a:latin typeface="TH SarabunPSK" panose="020B0500040200020003" pitchFamily="34" charset="-34"/>
+                <a:cs typeface="TH SarabunPSK" panose="020B0500040200020003" pitchFamily="34" charset="-34"/>
+              </a:rPr>
+              <a:t>fetch</a:t>
+            </a:r>
+            <a:r>
+              <a:rPr lang="en-US" sz="4200" b="1" spc="105" dirty="0">
+                <a:solidFill>
+                  <a:srgbClr val="FFFFFF"/>
+                </a:solidFill>
+                <a:latin typeface="TH SarabunPSK" panose="020B0500040200020003" pitchFamily="34" charset="-34"/>
+                <a:cs typeface="TH SarabunPSK" panose="020B0500040200020003" pitchFamily="34" charset="-34"/>
+              </a:rPr>
+              <a:t> </a:t>
+            </a:r>
+            <a:r>
+              <a:rPr lang="en-US" sz="4200" b="1" spc="105" dirty="0" err="1">
+                <a:solidFill>
+                  <a:srgbClr val="FFFFFF"/>
+                </a:solidFill>
+                <a:latin typeface="TH SarabunPSK" panose="020B0500040200020003" pitchFamily="34" charset="-34"/>
+                <a:cs typeface="TH SarabunPSK" panose="020B0500040200020003" pitchFamily="34" charset="-34"/>
+              </a:rPr>
+              <a:t>และ</a:t>
+            </a:r>
+            <a:r>
+              <a:rPr lang="en-US" sz="4200" b="1" spc="105" dirty="0">
+                <a:solidFill>
+                  <a:srgbClr val="FFFFFF"/>
+                </a:solidFill>
+                <a:latin typeface="TH SarabunPSK" panose="020B0500040200020003" pitchFamily="34" charset="-34"/>
+                <a:cs typeface="TH SarabunPSK" panose="020B0500040200020003" pitchFamily="34" charset="-34"/>
+              </a:rPr>
+              <a:t> </a:t>
+            </a:r>
+            <a:r>
+              <a:rPr lang="en-US" sz="4200" b="1" spc="105" dirty="0" err="1">
+                <a:solidFill>
+                  <a:srgbClr val="FFBD59"/>
+                </a:solidFill>
+                <a:latin typeface="TH SarabunPSK" panose="020B0500040200020003" pitchFamily="34" charset="-34"/>
+                <a:cs typeface="TH SarabunPSK" panose="020B0500040200020003" pitchFamily="34" charset="-34"/>
+              </a:rPr>
+              <a:t>axios</a:t>
+            </a:r>
+            <a:endParaRPr lang="en-US" sz="4200" b="1" spc="105" dirty="0">
+              <a:solidFill>
+                <a:srgbClr val="FFBD59"/>
+              </a:solidFill>
+              <a:latin typeface="TH SarabunPSK" panose="020B0500040200020003" pitchFamily="34" charset="-34"/>
+              <a:cs typeface="TH SarabunPSK" panose="020B0500040200020003" pitchFamily="34" charset="-34"/>
+            </a:endParaRPr>
+          </a:p>
+        </p:txBody>
+      </p:sp>
+      <p:sp>
+        <p:nvSpPr>
+          <p:cNvPr id="6" name="TextBox 6"/>
+          <p:cNvSpPr txBox="1"/>
+          <p:nvPr/>
+        </p:nvSpPr>
+        <p:spPr>
+          <a:xfrm>
+            <a:off x="11773705" y="2936049"/>
+            <a:ext cx="6036848" cy="3978012"/>
+          </a:xfrm>
+          <a:prstGeom prst="rect">
+            <a:avLst/>
+          </a:prstGeom>
+        </p:spPr>
+        <p:txBody>
+          <a:bodyPr lIns="0" tIns="0" rIns="0" bIns="0" rtlCol="0" anchor="t">
+            <a:spAutoFit/>
+          </a:bodyPr>
+          <a:lstStyle/>
+          <a:p>
+            <a:pPr>
+              <a:lnSpc>
+                <a:spcPts val="4998"/>
+              </a:lnSpc>
+              <a:spcBef>
+                <a:spcPct val="0"/>
+              </a:spcBef>
+            </a:pPr>
+            <a:r>
+              <a:rPr lang="en-US" sz="4200" b="1" spc="105" dirty="0">
+                <a:solidFill>
+                  <a:srgbClr val="244357"/>
+                </a:solidFill>
+                <a:latin typeface="TH SarabunPSK" panose="020B0500040200020003" pitchFamily="34" charset="-34"/>
+                <a:cs typeface="TH SarabunPSK" panose="020B0500040200020003" pitchFamily="34" charset="-34"/>
+              </a:rPr>
+              <a:t>Intercept request </a:t>
+            </a:r>
+          </a:p>
+          <a:p>
+            <a:pPr>
+              <a:lnSpc>
+                <a:spcPts val="4998"/>
+              </a:lnSpc>
+              <a:spcBef>
+                <a:spcPct val="0"/>
+              </a:spcBef>
+            </a:pPr>
+            <a:r>
+              <a:rPr lang="en-US" sz="4200" b="1" spc="105" dirty="0">
+                <a:solidFill>
+                  <a:srgbClr val="244357"/>
+                </a:solidFill>
+                <a:latin typeface="TH SarabunPSK" panose="020B0500040200020003" pitchFamily="34" charset="-34"/>
+                <a:cs typeface="TH SarabunPSK" panose="020B0500040200020003" pitchFamily="34" charset="-34"/>
+              </a:rPr>
+              <a:t>and response</a:t>
+            </a:r>
+          </a:p>
+          <a:p>
+            <a:pPr>
+              <a:lnSpc>
+                <a:spcPts val="4998"/>
+              </a:lnSpc>
+              <a:spcBef>
+                <a:spcPct val="0"/>
+              </a:spcBef>
+            </a:pPr>
+            <a:endParaRPr lang="en-US" sz="4200" spc="105" dirty="0">
+              <a:solidFill>
+                <a:srgbClr val="244357"/>
+              </a:solidFill>
+              <a:latin typeface="TH SarabunPSK" panose="020B0500040200020003" pitchFamily="34" charset="-34"/>
+              <a:cs typeface="TH SarabunPSK" panose="020B0500040200020003" pitchFamily="34" charset="-34"/>
+            </a:endParaRPr>
+          </a:p>
+          <a:p>
+            <a:pPr>
+              <a:lnSpc>
+                <a:spcPts val="4046"/>
+              </a:lnSpc>
+              <a:spcBef>
+                <a:spcPct val="0"/>
+              </a:spcBef>
+            </a:pPr>
+            <a:r>
+              <a:rPr lang="en-US" sz="3400" b="1" spc="85" dirty="0" err="1">
+                <a:solidFill>
+                  <a:srgbClr val="FFBD59"/>
+                </a:solidFill>
+                <a:latin typeface="TH SarabunPSK" panose="020B0500040200020003" pitchFamily="34" charset="-34"/>
+                <a:cs typeface="TH SarabunPSK" panose="020B0500040200020003" pitchFamily="34" charset="-34"/>
+              </a:rPr>
+              <a:t>axios</a:t>
+            </a:r>
+            <a:r>
+              <a:rPr lang="en-US" sz="3400" spc="85" dirty="0">
+                <a:solidFill>
+                  <a:srgbClr val="244357"/>
+                </a:solidFill>
+                <a:latin typeface="TH SarabunPSK" panose="020B0500040200020003" pitchFamily="34" charset="-34"/>
+                <a:cs typeface="TH SarabunPSK" panose="020B0500040200020003" pitchFamily="34" charset="-34"/>
+              </a:rPr>
+              <a:t> </a:t>
+            </a:r>
+            <a:r>
+              <a:rPr lang="en-US" sz="3400" spc="85" dirty="0" err="1">
+                <a:solidFill>
+                  <a:srgbClr val="244357"/>
+                </a:solidFill>
+                <a:latin typeface="TH SarabunPSK" panose="020B0500040200020003" pitchFamily="34" charset="-34"/>
+                <a:cs typeface="TH SarabunPSK" panose="020B0500040200020003" pitchFamily="34" charset="-34"/>
+              </a:rPr>
+              <a:t>มี</a:t>
+            </a:r>
+            <a:r>
+              <a:rPr lang="en-US" sz="3400" spc="85" dirty="0">
+                <a:solidFill>
+                  <a:srgbClr val="244357"/>
+                </a:solidFill>
+                <a:latin typeface="TH SarabunPSK" panose="020B0500040200020003" pitchFamily="34" charset="-34"/>
+                <a:cs typeface="TH SarabunPSK" panose="020B0500040200020003" pitchFamily="34" charset="-34"/>
+              </a:rPr>
+              <a:t> Interceptor </a:t>
+            </a:r>
+            <a:r>
+              <a:rPr lang="en-US" sz="3400" spc="85" dirty="0" err="1">
+                <a:solidFill>
+                  <a:srgbClr val="244357"/>
+                </a:solidFill>
+                <a:latin typeface="TH SarabunPSK" panose="020B0500040200020003" pitchFamily="34" charset="-34"/>
+                <a:cs typeface="TH SarabunPSK" panose="020B0500040200020003" pitchFamily="34" charset="-34"/>
+              </a:rPr>
+              <a:t>ให้ด้วย</a:t>
+            </a:r>
+            <a:r>
+              <a:rPr lang="en-US" sz="3400" spc="85" dirty="0">
+                <a:solidFill>
+                  <a:srgbClr val="244357"/>
+                </a:solidFill>
+                <a:latin typeface="TH SarabunPSK" panose="020B0500040200020003" pitchFamily="34" charset="-34"/>
+                <a:cs typeface="TH SarabunPSK" panose="020B0500040200020003" pitchFamily="34" charset="-34"/>
+              </a:rPr>
+              <a:t> </a:t>
+            </a:r>
+            <a:r>
+              <a:rPr lang="en-US" sz="3400" spc="85" dirty="0" err="1">
+                <a:solidFill>
+                  <a:srgbClr val="244357"/>
+                </a:solidFill>
+                <a:latin typeface="TH SarabunPSK" panose="020B0500040200020003" pitchFamily="34" charset="-34"/>
+                <a:cs typeface="TH SarabunPSK" panose="020B0500040200020003" pitchFamily="34" charset="-34"/>
+              </a:rPr>
+              <a:t>คุณสามารถปรับเปลี่ยน</a:t>
+            </a:r>
+            <a:r>
+              <a:rPr lang="en-US" sz="3400" spc="85" dirty="0">
+                <a:solidFill>
+                  <a:srgbClr val="244357"/>
+                </a:solidFill>
+                <a:latin typeface="TH SarabunPSK" panose="020B0500040200020003" pitchFamily="34" charset="-34"/>
+                <a:cs typeface="TH SarabunPSK" panose="020B0500040200020003" pitchFamily="34" charset="-34"/>
+              </a:rPr>
+              <a:t> request </a:t>
+            </a:r>
+            <a:r>
+              <a:rPr lang="en-US" sz="3400" spc="85" dirty="0" err="1">
+                <a:solidFill>
+                  <a:srgbClr val="244357"/>
+                </a:solidFill>
+                <a:latin typeface="TH SarabunPSK" panose="020B0500040200020003" pitchFamily="34" charset="-34"/>
+                <a:cs typeface="TH SarabunPSK" panose="020B0500040200020003" pitchFamily="34" charset="-34"/>
+              </a:rPr>
+              <a:t>ที่ได้รับมาก่อนจะโยนต่อ</a:t>
+            </a:r>
+            <a:r>
+              <a:rPr lang="en-US" sz="3400" spc="85" dirty="0">
+                <a:solidFill>
+                  <a:srgbClr val="244357"/>
+                </a:solidFill>
+                <a:latin typeface="TH SarabunPSK" panose="020B0500040200020003" pitchFamily="34" charset="-34"/>
+                <a:cs typeface="TH SarabunPSK" panose="020B0500040200020003" pitchFamily="34" charset="-34"/>
+              </a:rPr>
+              <a:t> </a:t>
+            </a:r>
+            <a:r>
+              <a:rPr lang="en-US" sz="3400" spc="85" dirty="0" err="1">
+                <a:solidFill>
+                  <a:srgbClr val="244357"/>
+                </a:solidFill>
+                <a:latin typeface="TH SarabunPSK" panose="020B0500040200020003" pitchFamily="34" charset="-34"/>
+                <a:cs typeface="TH SarabunPSK" panose="020B0500040200020003" pitchFamily="34" charset="-34"/>
+              </a:rPr>
+              <a:t>หรือปรับเปลี่ยนข้อมูลที่จะ</a:t>
+            </a:r>
+            <a:r>
+              <a:rPr lang="en-US" sz="3400" spc="85" dirty="0">
+                <a:solidFill>
+                  <a:srgbClr val="244357"/>
+                </a:solidFill>
+                <a:latin typeface="TH SarabunPSK" panose="020B0500040200020003" pitchFamily="34" charset="-34"/>
+                <a:cs typeface="TH SarabunPSK" panose="020B0500040200020003" pitchFamily="34" charset="-34"/>
+              </a:rPr>
+              <a:t> response </a:t>
+            </a:r>
+            <a:r>
+              <a:rPr lang="en-US" sz="3400" spc="85" dirty="0" err="1">
+                <a:solidFill>
+                  <a:srgbClr val="244357"/>
+                </a:solidFill>
+                <a:latin typeface="TH SarabunPSK" panose="020B0500040200020003" pitchFamily="34" charset="-34"/>
+                <a:cs typeface="TH SarabunPSK" panose="020B0500040200020003" pitchFamily="34" charset="-34"/>
+              </a:rPr>
+              <a:t>ได้ก่อนที่จะทำการ</a:t>
+            </a:r>
+            <a:r>
+              <a:rPr lang="en-US" sz="3400" spc="85" dirty="0">
+                <a:solidFill>
+                  <a:srgbClr val="244357"/>
+                </a:solidFill>
+                <a:latin typeface="TH SarabunPSK" panose="020B0500040200020003" pitchFamily="34" charset="-34"/>
+                <a:cs typeface="TH SarabunPSK" panose="020B0500040200020003" pitchFamily="34" charset="-34"/>
+              </a:rPr>
+              <a:t> response </a:t>
+            </a:r>
+            <a:r>
+              <a:rPr lang="en-US" sz="3400" spc="85" dirty="0" err="1">
+                <a:solidFill>
+                  <a:srgbClr val="244357"/>
+                </a:solidFill>
+                <a:latin typeface="TH SarabunPSK" panose="020B0500040200020003" pitchFamily="34" charset="-34"/>
+                <a:cs typeface="TH SarabunPSK" panose="020B0500040200020003" pitchFamily="34" charset="-34"/>
+              </a:rPr>
+              <a:t>จริง</a:t>
+            </a:r>
+            <a:endParaRPr lang="en-US" sz="3400" spc="85" dirty="0">
+              <a:solidFill>
+                <a:srgbClr val="244357"/>
               </a:solidFill>
               <a:latin typeface="TH SarabunPSK" panose="020B0500040200020003" pitchFamily="34" charset="-34"/>
               <a:cs typeface="TH SarabunPSK" panose="020B0500040200020003" pitchFamily="34" charset="-34"/>
@@ -9810,6 +13860,692 @@
             </a:stretch>
           </a:blipFill>
         </p:spPr>
+      </p:sp>
+    </p:spTree>
+  </p:cSld>
+  <p:clrMapOvr>
+    <a:masterClrMapping/>
+  </p:clrMapOvr>
+</p:sld>
+</file>
+
+<file path=ppt/slides/slide20.xml><?xml version="1.0" encoding="utf-8"?>
+<p:sld xmlns:a="http://schemas.openxmlformats.org/drawingml/2006/main" xmlns:r="http://schemas.openxmlformats.org/officeDocument/2006/relationships" xmlns:p="http://schemas.openxmlformats.org/presentationml/2006/main">
+  <p:cSld>
+    <p:bg>
+      <p:bgPr>
+        <a:solidFill>
+          <a:srgbClr val="F2FAFF"/>
+        </a:solidFill>
+        <a:effectLst/>
+      </p:bgPr>
+    </p:bg>
+    <p:spTree>
+      <p:nvGrpSpPr>
+        <p:cNvPr id="1" name=""/>
+        <p:cNvGrpSpPr/>
+        <p:nvPr/>
+      </p:nvGrpSpPr>
+      <p:grpSpPr>
+        <a:xfrm>
+          <a:off x="0" y="0"/>
+          <a:ext cx="0" cy="0"/>
+          <a:chOff x="0" y="0"/>
+          <a:chExt cx="0" cy="0"/>
+        </a:xfrm>
+      </p:grpSpPr>
+      <p:sp>
+        <p:nvSpPr>
+          <p:cNvPr id="2" name="Freeform 2"/>
+          <p:cNvSpPr/>
+          <p:nvPr/>
+        </p:nvSpPr>
+        <p:spPr>
+          <a:xfrm>
+            <a:off x="-154358" y="-164078"/>
+            <a:ext cx="18596716" cy="1637860"/>
+          </a:xfrm>
+          <a:custGeom>
+            <a:avLst/>
+            <a:gdLst/>
+            <a:ahLst/>
+            <a:cxnLst/>
+            <a:rect l="l" t="t" r="r" b="b"/>
+            <a:pathLst>
+              <a:path w="18596716" h="1637860">
+                <a:moveTo>
+                  <a:pt x="0" y="0"/>
+                </a:moveTo>
+                <a:lnTo>
+                  <a:pt x="18596716" y="0"/>
+                </a:lnTo>
+                <a:lnTo>
+                  <a:pt x="18596716" y="1637860"/>
+                </a:lnTo>
+                <a:lnTo>
+                  <a:pt x="0" y="1637860"/>
+                </a:lnTo>
+                <a:lnTo>
+                  <a:pt x="0" y="0"/>
+                </a:lnTo>
+                <a:close/>
+              </a:path>
+            </a:pathLst>
+          </a:custGeom>
+          <a:blipFill>
+            <a:blip r:embed="rId3"/>
+            <a:stretch>
+              <a:fillRect l="-369" r="-1333" b="-548111"/>
+            </a:stretch>
+          </a:blipFill>
+        </p:spPr>
+      </p:sp>
+      <p:sp>
+        <p:nvSpPr>
+          <p:cNvPr id="3" name="Freeform 3"/>
+          <p:cNvSpPr/>
+          <p:nvPr/>
+        </p:nvSpPr>
+        <p:spPr>
+          <a:xfrm>
+            <a:off x="0" y="9502140"/>
+            <a:ext cx="18288000" cy="784860"/>
+          </a:xfrm>
+          <a:custGeom>
+            <a:avLst/>
+            <a:gdLst/>
+            <a:ahLst/>
+            <a:cxnLst/>
+            <a:rect l="l" t="t" r="r" b="b"/>
+            <a:pathLst>
+              <a:path w="18288000" h="784860">
+                <a:moveTo>
+                  <a:pt x="0" y="0"/>
+                </a:moveTo>
+                <a:lnTo>
+                  <a:pt x="18288000" y="0"/>
+                </a:lnTo>
+                <a:lnTo>
+                  <a:pt x="18288000" y="784860"/>
+                </a:lnTo>
+                <a:lnTo>
+                  <a:pt x="0" y="784860"/>
+                </a:lnTo>
+                <a:lnTo>
+                  <a:pt x="0" y="0"/>
+                </a:lnTo>
+                <a:close/>
+              </a:path>
+            </a:pathLst>
+          </a:custGeom>
+          <a:blipFill>
+            <a:blip r:embed="rId4"/>
+            <a:stretch>
+              <a:fillRect/>
+            </a:stretch>
+          </a:blipFill>
+        </p:spPr>
+      </p:sp>
+      <p:sp>
+        <p:nvSpPr>
+          <p:cNvPr id="4" name="Freeform 4"/>
+          <p:cNvSpPr/>
+          <p:nvPr/>
+        </p:nvSpPr>
+        <p:spPr>
+          <a:xfrm>
+            <a:off x="1715617" y="1596815"/>
+            <a:ext cx="7104286" cy="7661485"/>
+          </a:xfrm>
+          <a:custGeom>
+            <a:avLst/>
+            <a:gdLst/>
+            <a:ahLst/>
+            <a:cxnLst/>
+            <a:rect l="l" t="t" r="r" b="b"/>
+            <a:pathLst>
+              <a:path w="7104286" h="7661485">
+                <a:moveTo>
+                  <a:pt x="0" y="0"/>
+                </a:moveTo>
+                <a:lnTo>
+                  <a:pt x="7104286" y="0"/>
+                </a:lnTo>
+                <a:lnTo>
+                  <a:pt x="7104286" y="7661485"/>
+                </a:lnTo>
+                <a:lnTo>
+                  <a:pt x="0" y="7661485"/>
+                </a:lnTo>
+                <a:lnTo>
+                  <a:pt x="0" y="0"/>
+                </a:lnTo>
+                <a:close/>
+              </a:path>
+            </a:pathLst>
+          </a:custGeom>
+          <a:blipFill>
+            <a:blip r:embed="rId5"/>
+            <a:stretch>
+              <a:fillRect/>
+            </a:stretch>
+          </a:blipFill>
+        </p:spPr>
+      </p:sp>
+      <p:sp>
+        <p:nvSpPr>
+          <p:cNvPr id="5" name="TextBox 5"/>
+          <p:cNvSpPr txBox="1"/>
+          <p:nvPr/>
+        </p:nvSpPr>
+        <p:spPr>
+          <a:xfrm>
+            <a:off x="1028700" y="394716"/>
+            <a:ext cx="15582406" cy="642484"/>
+          </a:xfrm>
+          <a:prstGeom prst="rect">
+            <a:avLst/>
+          </a:prstGeom>
+        </p:spPr>
+        <p:txBody>
+          <a:bodyPr lIns="0" tIns="0" rIns="0" bIns="0" rtlCol="0" anchor="t">
+            <a:spAutoFit/>
+          </a:bodyPr>
+          <a:lstStyle/>
+          <a:p>
+            <a:pPr>
+              <a:lnSpc>
+                <a:spcPts val="4998"/>
+              </a:lnSpc>
+              <a:spcBef>
+                <a:spcPct val="0"/>
+              </a:spcBef>
+            </a:pPr>
+            <a:r>
+              <a:rPr lang="en-US" sz="4200" b="1" spc="105" dirty="0" err="1">
+                <a:solidFill>
+                  <a:srgbClr val="FFFFFF"/>
+                </a:solidFill>
+                <a:latin typeface="TH SarabunPSK" panose="020B0500040200020003" pitchFamily="34" charset="-34"/>
+                <a:cs typeface="TH SarabunPSK" panose="020B0500040200020003" pitchFamily="34" charset="-34"/>
+              </a:rPr>
+              <a:t>เปรียบเทียบการใช้งานระหว่าง</a:t>
+            </a:r>
+            <a:r>
+              <a:rPr lang="en-US" sz="4200" b="1" spc="105" dirty="0">
+                <a:solidFill>
+                  <a:srgbClr val="FFFFFF"/>
+                </a:solidFill>
+                <a:latin typeface="TH SarabunPSK" panose="020B0500040200020003" pitchFamily="34" charset="-34"/>
+                <a:cs typeface="TH SarabunPSK" panose="020B0500040200020003" pitchFamily="34" charset="-34"/>
+              </a:rPr>
+              <a:t> </a:t>
+            </a:r>
+            <a:r>
+              <a:rPr lang="en-US" sz="4200" b="1" spc="105" dirty="0">
+                <a:solidFill>
+                  <a:srgbClr val="FFBD59"/>
+                </a:solidFill>
+                <a:latin typeface="TH SarabunPSK" panose="020B0500040200020003" pitchFamily="34" charset="-34"/>
+                <a:cs typeface="TH SarabunPSK" panose="020B0500040200020003" pitchFamily="34" charset="-34"/>
+              </a:rPr>
+              <a:t>fetch</a:t>
+            </a:r>
+            <a:r>
+              <a:rPr lang="en-US" sz="4200" b="1" spc="105" dirty="0">
+                <a:solidFill>
+                  <a:srgbClr val="FFFFFF"/>
+                </a:solidFill>
+                <a:latin typeface="TH SarabunPSK" panose="020B0500040200020003" pitchFamily="34" charset="-34"/>
+                <a:cs typeface="TH SarabunPSK" panose="020B0500040200020003" pitchFamily="34" charset="-34"/>
+              </a:rPr>
+              <a:t> </a:t>
+            </a:r>
+            <a:r>
+              <a:rPr lang="en-US" sz="4200" b="1" spc="105" dirty="0" err="1">
+                <a:solidFill>
+                  <a:srgbClr val="FFFFFF"/>
+                </a:solidFill>
+                <a:latin typeface="TH SarabunPSK" panose="020B0500040200020003" pitchFamily="34" charset="-34"/>
+                <a:cs typeface="TH SarabunPSK" panose="020B0500040200020003" pitchFamily="34" charset="-34"/>
+              </a:rPr>
+              <a:t>และ</a:t>
+            </a:r>
+            <a:r>
+              <a:rPr lang="en-US" sz="4200" b="1" spc="105" dirty="0">
+                <a:solidFill>
+                  <a:srgbClr val="FFFFFF"/>
+                </a:solidFill>
+                <a:latin typeface="TH SarabunPSK" panose="020B0500040200020003" pitchFamily="34" charset="-34"/>
+                <a:cs typeface="TH SarabunPSK" panose="020B0500040200020003" pitchFamily="34" charset="-34"/>
+              </a:rPr>
+              <a:t> </a:t>
+            </a:r>
+            <a:r>
+              <a:rPr lang="en-US" sz="4200" b="1" spc="105" dirty="0" err="1">
+                <a:solidFill>
+                  <a:srgbClr val="FFBD59"/>
+                </a:solidFill>
+                <a:latin typeface="TH SarabunPSK" panose="020B0500040200020003" pitchFamily="34" charset="-34"/>
+                <a:cs typeface="TH SarabunPSK" panose="020B0500040200020003" pitchFamily="34" charset="-34"/>
+              </a:rPr>
+              <a:t>axios</a:t>
+            </a:r>
+            <a:endParaRPr lang="en-US" sz="4200" b="1" spc="105" dirty="0">
+              <a:solidFill>
+                <a:srgbClr val="FFBD59"/>
+              </a:solidFill>
+              <a:latin typeface="TH SarabunPSK" panose="020B0500040200020003" pitchFamily="34" charset="-34"/>
+              <a:cs typeface="TH SarabunPSK" panose="020B0500040200020003" pitchFamily="34" charset="-34"/>
+            </a:endParaRPr>
+          </a:p>
+        </p:txBody>
+      </p:sp>
+      <p:sp>
+        <p:nvSpPr>
+          <p:cNvPr id="6" name="TextBox 6"/>
+          <p:cNvSpPr txBox="1"/>
+          <p:nvPr/>
+        </p:nvSpPr>
+        <p:spPr>
+          <a:xfrm>
+            <a:off x="9857973" y="4007612"/>
+            <a:ext cx="7002763" cy="2310889"/>
+          </a:xfrm>
+          <a:prstGeom prst="rect">
+            <a:avLst/>
+          </a:prstGeom>
+        </p:spPr>
+        <p:txBody>
+          <a:bodyPr lIns="0" tIns="0" rIns="0" bIns="0" rtlCol="0" anchor="t">
+            <a:spAutoFit/>
+          </a:bodyPr>
+          <a:lstStyle/>
+          <a:p>
+            <a:pPr>
+              <a:lnSpc>
+                <a:spcPts val="4998"/>
+              </a:lnSpc>
+              <a:spcBef>
+                <a:spcPct val="0"/>
+              </a:spcBef>
+            </a:pPr>
+            <a:r>
+              <a:rPr lang="en-US" sz="4200" b="1" spc="105" dirty="0">
+                <a:solidFill>
+                  <a:srgbClr val="244357"/>
+                </a:solidFill>
+                <a:latin typeface="TH SarabunPSK" panose="020B0500040200020003" pitchFamily="34" charset="-34"/>
+                <a:cs typeface="TH SarabunPSK" panose="020B0500040200020003" pitchFamily="34" charset="-34"/>
+              </a:rPr>
+              <a:t>Cancel Request</a:t>
+            </a:r>
+          </a:p>
+          <a:p>
+            <a:pPr>
+              <a:lnSpc>
+                <a:spcPts val="4998"/>
+              </a:lnSpc>
+              <a:spcBef>
+                <a:spcPct val="0"/>
+              </a:spcBef>
+            </a:pPr>
+            <a:endParaRPr lang="en-US" sz="4200" spc="105" dirty="0">
+              <a:solidFill>
+                <a:srgbClr val="244357"/>
+              </a:solidFill>
+              <a:latin typeface="TH SarabunPSK" panose="020B0500040200020003" pitchFamily="34" charset="-34"/>
+              <a:cs typeface="TH SarabunPSK" panose="020B0500040200020003" pitchFamily="34" charset="-34"/>
+            </a:endParaRPr>
+          </a:p>
+          <a:p>
+            <a:pPr>
+              <a:lnSpc>
+                <a:spcPts val="4046"/>
+              </a:lnSpc>
+              <a:spcBef>
+                <a:spcPct val="0"/>
+              </a:spcBef>
+            </a:pPr>
+            <a:r>
+              <a:rPr lang="en-US" sz="3400" b="1" spc="85" dirty="0" err="1">
+                <a:solidFill>
+                  <a:srgbClr val="FFBD59"/>
+                </a:solidFill>
+                <a:latin typeface="TH SarabunPSK" panose="020B0500040200020003" pitchFamily="34" charset="-34"/>
+                <a:cs typeface="TH SarabunPSK" panose="020B0500040200020003" pitchFamily="34" charset="-34"/>
+              </a:rPr>
+              <a:t>axios</a:t>
+            </a:r>
+            <a:r>
+              <a:rPr lang="en-US" sz="3400" spc="85" dirty="0">
+                <a:solidFill>
+                  <a:srgbClr val="244357"/>
+                </a:solidFill>
+                <a:latin typeface="TH SarabunPSK" panose="020B0500040200020003" pitchFamily="34" charset="-34"/>
+                <a:cs typeface="TH SarabunPSK" panose="020B0500040200020003" pitchFamily="34" charset="-34"/>
+              </a:rPr>
+              <a:t> </a:t>
+            </a:r>
+            <a:r>
+              <a:rPr lang="en-US" sz="3400" spc="85" dirty="0" err="1">
+                <a:solidFill>
+                  <a:srgbClr val="244357"/>
+                </a:solidFill>
+                <a:latin typeface="TH SarabunPSK" panose="020B0500040200020003" pitchFamily="34" charset="-34"/>
+                <a:cs typeface="TH SarabunPSK" panose="020B0500040200020003" pitchFamily="34" charset="-34"/>
+              </a:rPr>
+              <a:t>มีการ</a:t>
+            </a:r>
+            <a:r>
+              <a:rPr lang="en-US" sz="3400" spc="85" dirty="0">
+                <a:solidFill>
+                  <a:srgbClr val="244357"/>
+                </a:solidFill>
+                <a:latin typeface="TH SarabunPSK" panose="020B0500040200020003" pitchFamily="34" charset="-34"/>
+                <a:cs typeface="TH SarabunPSK" panose="020B0500040200020003" pitchFamily="34" charset="-34"/>
+              </a:rPr>
+              <a:t> Provide </a:t>
+            </a:r>
+            <a:r>
+              <a:rPr lang="en-US" sz="3400" spc="85" dirty="0" err="1">
+                <a:solidFill>
+                  <a:srgbClr val="244357"/>
+                </a:solidFill>
+                <a:latin typeface="TH SarabunPSK" panose="020B0500040200020003" pitchFamily="34" charset="-34"/>
+                <a:cs typeface="TH SarabunPSK" panose="020B0500040200020003" pitchFamily="34" charset="-34"/>
+              </a:rPr>
+              <a:t>การทำ</a:t>
+            </a:r>
+            <a:r>
+              <a:rPr lang="en-US" sz="3400" spc="85" dirty="0">
+                <a:solidFill>
+                  <a:srgbClr val="244357"/>
+                </a:solidFill>
+                <a:latin typeface="TH SarabunPSK" panose="020B0500040200020003" pitchFamily="34" charset="-34"/>
+                <a:cs typeface="TH SarabunPSK" panose="020B0500040200020003" pitchFamily="34" charset="-34"/>
+              </a:rPr>
+              <a:t> Cancel request </a:t>
+            </a:r>
+            <a:r>
+              <a:rPr lang="en-US" sz="3400" spc="85" dirty="0" err="1">
+                <a:solidFill>
+                  <a:srgbClr val="244357"/>
+                </a:solidFill>
+                <a:latin typeface="TH SarabunPSK" panose="020B0500040200020003" pitchFamily="34" charset="-34"/>
+                <a:cs typeface="TH SarabunPSK" panose="020B0500040200020003" pitchFamily="34" charset="-34"/>
+              </a:rPr>
+              <a:t>มาให้เรียกใช้ได้</a:t>
+            </a:r>
+            <a:endParaRPr lang="en-US" sz="3400" spc="85" dirty="0">
+              <a:solidFill>
+                <a:srgbClr val="244357"/>
+              </a:solidFill>
+              <a:latin typeface="TH SarabunPSK" panose="020B0500040200020003" pitchFamily="34" charset="-34"/>
+              <a:cs typeface="TH SarabunPSK" panose="020B0500040200020003" pitchFamily="34" charset="-34"/>
+            </a:endParaRPr>
+          </a:p>
+        </p:txBody>
+      </p:sp>
+    </p:spTree>
+  </p:cSld>
+  <p:clrMapOvr>
+    <a:masterClrMapping/>
+  </p:clrMapOvr>
+</p:sld>
+</file>
+
+<file path=ppt/slides/slide21.xml><?xml version="1.0" encoding="utf-8"?>
+<p:sld xmlns:a="http://schemas.openxmlformats.org/drawingml/2006/main" xmlns:r="http://schemas.openxmlformats.org/officeDocument/2006/relationships" xmlns:p="http://schemas.openxmlformats.org/presentationml/2006/main">
+  <p:cSld>
+    <p:bg>
+      <p:bgPr>
+        <a:solidFill>
+          <a:srgbClr val="F2FAFF"/>
+        </a:solidFill>
+        <a:effectLst/>
+      </p:bgPr>
+    </p:bg>
+    <p:spTree>
+      <p:nvGrpSpPr>
+        <p:cNvPr id="1" name=""/>
+        <p:cNvGrpSpPr/>
+        <p:nvPr/>
+      </p:nvGrpSpPr>
+      <p:grpSpPr>
+        <a:xfrm>
+          <a:off x="0" y="0"/>
+          <a:ext cx="0" cy="0"/>
+          <a:chOff x="0" y="0"/>
+          <a:chExt cx="0" cy="0"/>
+        </a:xfrm>
+      </p:grpSpPr>
+      <p:sp>
+        <p:nvSpPr>
+          <p:cNvPr id="2" name="Freeform 2"/>
+          <p:cNvSpPr/>
+          <p:nvPr/>
+        </p:nvSpPr>
+        <p:spPr>
+          <a:xfrm>
+            <a:off x="-154358" y="-164078"/>
+            <a:ext cx="18596716" cy="1637860"/>
+          </a:xfrm>
+          <a:custGeom>
+            <a:avLst/>
+            <a:gdLst/>
+            <a:ahLst/>
+            <a:cxnLst/>
+            <a:rect l="l" t="t" r="r" b="b"/>
+            <a:pathLst>
+              <a:path w="18596716" h="1637860">
+                <a:moveTo>
+                  <a:pt x="0" y="0"/>
+                </a:moveTo>
+                <a:lnTo>
+                  <a:pt x="18596716" y="0"/>
+                </a:lnTo>
+                <a:lnTo>
+                  <a:pt x="18596716" y="1637860"/>
+                </a:lnTo>
+                <a:lnTo>
+                  <a:pt x="0" y="1637860"/>
+                </a:lnTo>
+                <a:lnTo>
+                  <a:pt x="0" y="0"/>
+                </a:lnTo>
+                <a:close/>
+              </a:path>
+            </a:pathLst>
+          </a:custGeom>
+          <a:blipFill>
+            <a:blip r:embed="rId3"/>
+            <a:stretch>
+              <a:fillRect l="-369" r="-1333" b="-548111"/>
+            </a:stretch>
+          </a:blipFill>
+        </p:spPr>
+      </p:sp>
+      <p:sp>
+        <p:nvSpPr>
+          <p:cNvPr id="3" name="Freeform 3"/>
+          <p:cNvSpPr/>
+          <p:nvPr/>
+        </p:nvSpPr>
+        <p:spPr>
+          <a:xfrm>
+            <a:off x="0" y="9502140"/>
+            <a:ext cx="18288000" cy="784860"/>
+          </a:xfrm>
+          <a:custGeom>
+            <a:avLst/>
+            <a:gdLst/>
+            <a:ahLst/>
+            <a:cxnLst/>
+            <a:rect l="l" t="t" r="r" b="b"/>
+            <a:pathLst>
+              <a:path w="18288000" h="784860">
+                <a:moveTo>
+                  <a:pt x="0" y="0"/>
+                </a:moveTo>
+                <a:lnTo>
+                  <a:pt x="18288000" y="0"/>
+                </a:lnTo>
+                <a:lnTo>
+                  <a:pt x="18288000" y="784860"/>
+                </a:lnTo>
+                <a:lnTo>
+                  <a:pt x="0" y="784860"/>
+                </a:lnTo>
+                <a:lnTo>
+                  <a:pt x="0" y="0"/>
+                </a:lnTo>
+                <a:close/>
+              </a:path>
+            </a:pathLst>
+          </a:custGeom>
+          <a:blipFill>
+            <a:blip r:embed="rId4"/>
+            <a:stretch>
+              <a:fillRect/>
+            </a:stretch>
+          </a:blipFill>
+        </p:spPr>
+      </p:sp>
+      <p:sp>
+        <p:nvSpPr>
+          <p:cNvPr id="4" name="Freeform 4"/>
+          <p:cNvSpPr/>
+          <p:nvPr/>
+        </p:nvSpPr>
+        <p:spPr>
+          <a:xfrm>
+            <a:off x="3038178" y="2225062"/>
+            <a:ext cx="12211643" cy="6525799"/>
+          </a:xfrm>
+          <a:custGeom>
+            <a:avLst/>
+            <a:gdLst/>
+            <a:ahLst/>
+            <a:cxnLst/>
+            <a:rect l="l" t="t" r="r" b="b"/>
+            <a:pathLst>
+              <a:path w="12211643" h="6525799">
+                <a:moveTo>
+                  <a:pt x="0" y="0"/>
+                </a:moveTo>
+                <a:lnTo>
+                  <a:pt x="12211644" y="0"/>
+                </a:lnTo>
+                <a:lnTo>
+                  <a:pt x="12211644" y="6525798"/>
+                </a:lnTo>
+                <a:lnTo>
+                  <a:pt x="0" y="6525798"/>
+                </a:lnTo>
+                <a:lnTo>
+                  <a:pt x="0" y="0"/>
+                </a:lnTo>
+                <a:close/>
+              </a:path>
+            </a:pathLst>
+          </a:custGeom>
+          <a:blipFill>
+            <a:blip r:embed="rId5"/>
+            <a:stretch>
+              <a:fillRect/>
+            </a:stretch>
+          </a:blipFill>
+        </p:spPr>
+      </p:sp>
+      <p:sp>
+        <p:nvSpPr>
+          <p:cNvPr id="5" name="TextBox 5"/>
+          <p:cNvSpPr txBox="1"/>
+          <p:nvPr/>
+        </p:nvSpPr>
+        <p:spPr>
+          <a:xfrm>
+            <a:off x="1028700" y="394716"/>
+            <a:ext cx="15582406" cy="642484"/>
+          </a:xfrm>
+          <a:prstGeom prst="rect">
+            <a:avLst/>
+          </a:prstGeom>
+        </p:spPr>
+        <p:txBody>
+          <a:bodyPr lIns="0" tIns="0" rIns="0" bIns="0" rtlCol="0" anchor="t">
+            <a:spAutoFit/>
+          </a:bodyPr>
+          <a:lstStyle/>
+          <a:p>
+            <a:pPr>
+              <a:lnSpc>
+                <a:spcPts val="4998"/>
+              </a:lnSpc>
+              <a:spcBef>
+                <a:spcPct val="0"/>
+              </a:spcBef>
+            </a:pPr>
+            <a:r>
+              <a:rPr lang="en-US" sz="4200" b="1" spc="105" dirty="0" err="1">
+                <a:solidFill>
+                  <a:srgbClr val="FFFFFF"/>
+                </a:solidFill>
+                <a:latin typeface="TH SarabunPSK" panose="020B0500040200020003" pitchFamily="34" charset="-34"/>
+                <a:cs typeface="TH SarabunPSK" panose="020B0500040200020003" pitchFamily="34" charset="-34"/>
+              </a:rPr>
+              <a:t>เบรา</a:t>
+            </a:r>
+            <a:r>
+              <a:rPr lang="th-TH" sz="4200" b="1" spc="105" dirty="0" err="1">
+                <a:solidFill>
+                  <a:srgbClr val="FFFFFF"/>
+                </a:solidFill>
+                <a:latin typeface="TH SarabunPSK" panose="020B0500040200020003" pitchFamily="34" charset="-34"/>
+                <a:cs typeface="TH SarabunPSK" panose="020B0500040200020003" pitchFamily="34" charset="-34"/>
+              </a:rPr>
+              <a:t>ว์</a:t>
+            </a:r>
+            <a:r>
+              <a:rPr lang="en-US" sz="4200" b="1" spc="105" dirty="0" err="1">
+                <a:solidFill>
+                  <a:srgbClr val="FFFFFF"/>
+                </a:solidFill>
+                <a:latin typeface="TH SarabunPSK" panose="020B0500040200020003" pitchFamily="34" charset="-34"/>
+                <a:cs typeface="TH SarabunPSK" panose="020B0500040200020003" pitchFamily="34" charset="-34"/>
+              </a:rPr>
+              <a:t>เซอร์ที่รอบรับการใช้งาน</a:t>
+            </a:r>
+            <a:r>
+              <a:rPr lang="en-US" sz="4200" b="1" spc="105" dirty="0">
+                <a:solidFill>
+                  <a:srgbClr val="FFFFFF"/>
+                </a:solidFill>
+                <a:latin typeface="TH SarabunPSK" panose="020B0500040200020003" pitchFamily="34" charset="-34"/>
+                <a:cs typeface="TH SarabunPSK" panose="020B0500040200020003" pitchFamily="34" charset="-34"/>
+              </a:rPr>
+              <a:t> </a:t>
+            </a:r>
+            <a:r>
+              <a:rPr lang="en-US" sz="4200" b="1" spc="105" dirty="0" err="1">
+                <a:solidFill>
+                  <a:srgbClr val="FFBD59"/>
+                </a:solidFill>
+                <a:latin typeface="TH SarabunPSK" panose="020B0500040200020003" pitchFamily="34" charset="-34"/>
+                <a:cs typeface="TH SarabunPSK" panose="020B0500040200020003" pitchFamily="34" charset="-34"/>
+              </a:rPr>
+              <a:t>axios</a:t>
+            </a:r>
+            <a:endParaRPr lang="en-US" sz="4200" b="1" spc="105" dirty="0">
+              <a:solidFill>
+                <a:srgbClr val="FFBD59"/>
+              </a:solidFill>
+              <a:latin typeface="TH SarabunPSK" panose="020B0500040200020003" pitchFamily="34" charset="-34"/>
+              <a:cs typeface="TH SarabunPSK" panose="020B0500040200020003" pitchFamily="34" charset="-34"/>
+            </a:endParaRPr>
+          </a:p>
+        </p:txBody>
       </p:sp>
     </p:spTree>
   </p:cSld>
@@ -12328,7 +17064,47 @@
                 <a:latin typeface="TH SarabunPSK" panose="020B0500040200020003" pitchFamily="34" charset="-34"/>
                 <a:cs typeface="TH SarabunPSK" panose="020B0500040200020003" pitchFamily="34" charset="-34"/>
               </a:rPr>
-              <a:t>การใช้งานร่วมกับ</a:t>
+              <a:t>การใช้งาน</a:t>
+            </a:r>
+            <a:r>
+              <a:rPr lang="th-TH" sz="4200" spc="105" dirty="0">
+                <a:solidFill>
+                  <a:srgbClr val="FFFFFF"/>
+                </a:solidFill>
+                <a:latin typeface="TH SarabunPSK" panose="020B0500040200020003" pitchFamily="34" charset="-34"/>
+                <a:cs typeface="TH SarabunPSK" panose="020B0500040200020003" pitchFamily="34" charset="-34"/>
+              </a:rPr>
+              <a:t> </a:t>
+            </a:r>
+            <a:r>
+              <a:rPr lang="en-US" sz="4200" b="1" spc="105" dirty="0" err="1">
+                <a:solidFill>
+                  <a:schemeClr val="accent6"/>
+                </a:solidFill>
+                <a:latin typeface="TH SarabunPSK" panose="020B0500040200020003" pitchFamily="34" charset="-34"/>
+                <a:cs typeface="TH SarabunPSK" panose="020B0500040200020003" pitchFamily="34" charset="-34"/>
+              </a:rPr>
+              <a:t>axios</a:t>
+            </a:r>
+            <a:r>
+              <a:rPr lang="en-US" sz="4200" spc="105" dirty="0">
+                <a:solidFill>
+                  <a:srgbClr val="FFFFFF"/>
+                </a:solidFill>
+                <a:latin typeface="TH SarabunPSK" panose="020B0500040200020003" pitchFamily="34" charset="-34"/>
+                <a:cs typeface="TH SarabunPSK" panose="020B0500040200020003" pitchFamily="34" charset="-34"/>
+              </a:rPr>
+              <a:t> </a:t>
+            </a:r>
+            <a:r>
+              <a:rPr lang="en-US" sz="4200" spc="105" dirty="0" err="1">
+                <a:solidFill>
+                  <a:srgbClr val="FFFFFF"/>
+                </a:solidFill>
+                <a:latin typeface="TH SarabunPSK" panose="020B0500040200020003" pitchFamily="34" charset="-34"/>
+                <a:cs typeface="TH SarabunPSK" panose="020B0500040200020003" pitchFamily="34" charset="-34"/>
+              </a:rPr>
+              <a:t>ร่วมกับ</a:t>
             </a:r>
             <a:r>
               <a:rPr lang="en-US" sz="4200" spc="105" dirty="0">
